--- a/ISTA.pptx
+++ b/ISTA.pptx
@@ -5,50 +5,43 @@
     <p:sldMasterId id="2147483648" r:id="rId1"/>
   </p:sldMasterIdLst>
   <p:notesMasterIdLst>
-    <p:notesMasterId r:id="rId26"/>
+    <p:notesMasterId r:id="rId19"/>
   </p:notesMasterIdLst>
   <p:sldIdLst>
     <p:sldId id="256" r:id="rId2"/>
     <p:sldId id="273" r:id="rId3"/>
     <p:sldId id="271" r:id="rId4"/>
     <p:sldId id="298" r:id="rId5"/>
-    <p:sldId id="272" r:id="rId6"/>
-    <p:sldId id="287" r:id="rId7"/>
+    <p:sldId id="287" r:id="rId6"/>
+    <p:sldId id="272" r:id="rId7"/>
     <p:sldId id="278" r:id="rId8"/>
     <p:sldId id="281" r:id="rId9"/>
-    <p:sldId id="288" r:id="rId10"/>
+    <p:sldId id="305" r:id="rId10"/>
     <p:sldId id="289" r:id="rId11"/>
     <p:sldId id="286" r:id="rId12"/>
     <p:sldId id="294" r:id="rId13"/>
     <p:sldId id="295" r:id="rId14"/>
-    <p:sldId id="296" r:id="rId15"/>
+    <p:sldId id="306" r:id="rId15"/>
     <p:sldId id="297" r:id="rId16"/>
     <p:sldId id="304" r:id="rId17"/>
     <p:sldId id="303" r:id="rId18"/>
-    <p:sldId id="299" r:id="rId19"/>
-    <p:sldId id="300" r:id="rId20"/>
-    <p:sldId id="301" r:id="rId21"/>
-    <p:sldId id="290" r:id="rId22"/>
-    <p:sldId id="291" r:id="rId23"/>
-    <p:sldId id="292" r:id="rId24"/>
-    <p:sldId id="293" r:id="rId25"/>
   </p:sldIdLst>
   <p:sldSz cx="9144000" cy="6858000" type="screen4x3"/>
   <p:notesSz cx="6858000" cy="9144000"/>
   <p:embeddedFontLst>
     <p:embeddedFont>
       <p:font typeface="Century Schoolbook" panose="02040604050505020304" pitchFamily="18" charset="0"/>
-      <p:regular r:id="rId27"/>
-      <p:bold r:id="rId28"/>
-      <p:italic r:id="rId29"/>
-      <p:boldItalic r:id="rId30"/>
+      <p:regular r:id="rId20"/>
+      <p:bold r:id="rId21"/>
+      <p:italic r:id="rId22"/>
+      <p:boldItalic r:id="rId23"/>
     </p:embeddedFont>
     <p:embeddedFont>
       <p:font typeface="Calibri" panose="020F0502020204030204" pitchFamily="34" charset="0"/>
-      <p:regular r:id="rId31"/>
-      <p:bold r:id="rId32"/>
-      <p:italic r:id="rId33"/>
-      <p:boldItalic r:id="rId34"/>
+      <p:regular r:id="rId24"/>
+      <p:bold r:id="rId25"/>
+      <p:italic r:id="rId26"/>
+      <p:boldItalic r:id="rId27"/>
     </p:embeddedFont>
   </p:embeddedFontLst>
   <p:defaultTextStyle>
@@ -231,7 +224,7 @@
           <a:p>
             <a:fld id="{549A8584-3EC9-4B3D-ADEC-484F38C8C612}" type="datetimeFigureOut">
               <a:rPr lang="en-GB" smtClean="0"/>
-              <a:t>12/11/2014</a:t>
+              <a:t>17/11/2014</a:t>
             </a:fld>
             <a:endParaRPr lang="en-GB"/>
           </a:p>
@@ -545,6 +538,15 @@
           <a:p>
             <a:r>
               <a:rPr lang="en-US" b="1" dirty="0" smtClean="0"/>
+              <a:t>(Georgi)</a:t>
+            </a:r>
+          </a:p>
+          <a:p>
+            <a:endParaRPr lang="en-US" b="1" dirty="0" smtClean="0"/>
+          </a:p>
+          <a:p>
+            <a:r>
+              <a:rPr lang="en-US" b="1" dirty="0" smtClean="0"/>
               <a:t>Short Introduction</a:t>
             </a:r>
           </a:p>
@@ -578,14 +580,25 @@
           </a:p>
           <a:p>
             <a:r>
-              <a:rPr lang="en-US" baseline="0" dirty="0" smtClean="0"/>
-              <a:t>	Focus on the public</a:t>
-            </a:r>
+              <a:rPr lang="en-US" b="1" baseline="0" dirty="0" smtClean="0"/>
+              <a:t>	</a:t>
+            </a:r>
+            <a:r>
+              <a:rPr lang="en-US" b="0" baseline="0" dirty="0" smtClean="0"/>
+              <a:t>Hands on / exercises</a:t>
+            </a:r>
+            <a:endParaRPr lang="en-US" b="1" baseline="0" dirty="0" smtClean="0"/>
           </a:p>
           <a:p>
             <a:r>
               <a:rPr lang="en-US" baseline="0" dirty="0" smtClean="0"/>
               <a:t>	Examples &amp; Small discussions = better understanding</a:t>
+            </a:r>
+          </a:p>
+          <a:p>
+            <a:r>
+              <a:rPr lang="en-US" baseline="0" dirty="0" smtClean="0"/>
+              <a:t>	Questions during wrap-up</a:t>
             </a:r>
             <a:endParaRPr lang="en-US" dirty="0" smtClean="0"/>
           </a:p>
@@ -675,49 +688,118 @@
           <a:lstStyle/>
           <a:p>
             <a:r>
+              <a:rPr lang="en-US" b="1" dirty="0" smtClean="0"/>
+              <a:t>(Georgi)</a:t>
+            </a:r>
+          </a:p>
+          <a:p>
+            <a:endParaRPr lang="en-US" b="1" dirty="0" smtClean="0"/>
+          </a:p>
+          <a:p>
+            <a:r>
+              <a:rPr lang="en-US" b="1" dirty="0" smtClean="0"/>
+              <a:t>Coding</a:t>
+            </a:r>
+            <a:r>
+              <a:rPr lang="en-US" b="1" baseline="0" dirty="0" smtClean="0"/>
+              <a:t> is like walking on a line</a:t>
+            </a:r>
+            <a:endParaRPr lang="en-US" b="1" dirty="0" smtClean="0"/>
+          </a:p>
+          <a:p>
+            <a:r>
+              <a:rPr lang="en-US" b="0" baseline="0" dirty="0" smtClean="0"/>
+              <a:t>	Balance between adding new features and introducing no regressions</a:t>
+            </a:r>
+          </a:p>
+          <a:p>
+            <a:r>
+              <a:rPr lang="en-US" b="0" baseline="0" dirty="0" smtClean="0"/>
+              <a:t>	Constant danger to lose balance =&gt; fear to make changes</a:t>
+            </a:r>
+          </a:p>
+          <a:p>
+            <a:r>
+              <a:rPr lang="en-US" b="0" baseline="0" dirty="0" smtClean="0"/>
+              <a:t>	Fearful development causes the code to rot and grow out of control</a:t>
+            </a:r>
+          </a:p>
+          <a:p>
+            <a:endParaRPr lang="en-US" b="0" dirty="0" smtClean="0"/>
+          </a:p>
+          <a:p>
+            <a:r>
+              <a:rPr lang="en-US" b="1" dirty="0" smtClean="0"/>
+              <a:t>TDD is your safety net</a:t>
+            </a:r>
+          </a:p>
+          <a:p>
+            <a:r>
+              <a:rPr lang="en-US" b="1" dirty="0" smtClean="0"/>
+              <a:t>	</a:t>
+            </a:r>
+            <a:r>
+              <a:rPr lang="en-US" b="0" dirty="0" smtClean="0"/>
+              <a:t>Anyone</a:t>
+            </a:r>
+            <a:r>
+              <a:rPr lang="en-US" b="0" baseline="0" dirty="0" smtClean="0"/>
+              <a:t> would try walking the line if there is a safety net</a:t>
+            </a:r>
+          </a:p>
+          <a:p>
+            <a:r>
+              <a:rPr lang="en-US" b="0" baseline="0" dirty="0" smtClean="0"/>
+              <a:t>	It becomes fun when you know you’re safe</a:t>
+            </a:r>
+          </a:p>
+          <a:p>
+            <a:r>
+              <a:rPr lang="en-US" b="0" baseline="0" dirty="0" smtClean="0"/>
+              <a:t>	When you have a good test harness coding becomes a fun thing to do.</a:t>
+            </a:r>
+          </a:p>
+          <a:p>
+            <a:r>
+              <a:rPr lang="en-US" b="0" baseline="0" dirty="0" smtClean="0"/>
+              <a:t>	</a:t>
+            </a:r>
+          </a:p>
+          <a:p>
+            <a:r>
+              <a:rPr lang="en-US" b="1" baseline="0" dirty="0" smtClean="0"/>
+              <a:t>However</a:t>
+            </a:r>
+            <a:endParaRPr lang="en-US" b="1" dirty="0" smtClean="0"/>
+          </a:p>
+          <a:p>
+            <a:r>
               <a:rPr lang="en-US" dirty="0" smtClean="0"/>
-              <a:t>Tests</a:t>
-            </a:r>
-          </a:p>
-          <a:p>
-            <a:r>
-              <a:rPr lang="en-US" dirty="0" smtClean="0"/>
-              <a:t>	will guarantee we do</a:t>
+              <a:t>	TDD</a:t>
             </a:r>
             <a:r>
               <a:rPr lang="en-US" baseline="0" dirty="0" smtClean="0"/>
-              <a:t> not break code</a:t>
+              <a:t> is no silver bullet – you still need integration tests</a:t>
             </a:r>
           </a:p>
           <a:p>
             <a:r>
               <a:rPr lang="en-US" baseline="0" dirty="0" smtClean="0"/>
-              <a:t>	enable change</a:t>
+              <a:t>	It takes time and effort to build a good harness</a:t>
+            </a:r>
+          </a:p>
+          <a:p>
+            <a:r>
+              <a:rPr lang="en-US" baseline="0" dirty="0" smtClean="0"/>
+              <a:t>	A bad harness does not make a good safety net</a:t>
+            </a:r>
+          </a:p>
+          <a:p>
+            <a:r>
+              <a:rPr lang="en-US" baseline="0" dirty="0" smtClean="0"/>
+              <a:t>	If not applied correctly TDD may not work – openness and willingness to learn and experiment is required</a:t>
             </a:r>
             <a:endParaRPr lang="en-US" dirty="0" smtClean="0"/>
-          </a:p>
-          <a:p>
-            <a:r>
-              <a:rPr lang="en-US" dirty="0" smtClean="0"/>
-              <a:t>No code changes or bug fixes</a:t>
-            </a:r>
-          </a:p>
-          <a:p>
-            <a:r>
-              <a:rPr lang="en-US" dirty="0" smtClean="0"/>
-              <a:t>	bugs are part of the API - customers rely on it</a:t>
-            </a:r>
-          </a:p>
-          <a:p>
-            <a:r>
-              <a:rPr lang="en-US" dirty="0" smtClean="0"/>
-              <a:t>	we have no tests yet – cannot guarantee we don’t</a:t>
-            </a:r>
-            <a:r>
-              <a:rPr lang="en-US" baseline="0" dirty="0" smtClean="0"/>
-              <a:t> break code</a:t>
-            </a:r>
-            <a:endParaRPr lang="en-GB" dirty="0"/>
           </a:p>
         </p:txBody>
       </p:sp>
@@ -738,7 +820,7 @@
           <a:p>
             <a:fld id="{3F1331FF-126C-4FC3-9F1A-C541E08AAB65}" type="slidenum">
               <a:rPr lang="en-GB" smtClean="0"/>
-              <a:t>13</a:t>
+              <a:t>10</a:t>
             </a:fld>
             <a:endParaRPr lang="en-GB"/>
           </a:p>
@@ -747,7 +829,7 @@
     </p:spTree>
     <p:extLst>
       <p:ext uri="{BB962C8B-B14F-4D97-AF65-F5344CB8AC3E}">
-        <p14:creationId xmlns:p14="http://schemas.microsoft.com/office/powerpoint/2010/main" val="2505129343"/>
+        <p14:creationId xmlns:p14="http://schemas.microsoft.com/office/powerpoint/2010/main" val="2993459532"/>
       </p:ext>
     </p:extLst>
   </p:cSld>
@@ -802,44 +884,213 @@
           <a:lstStyle/>
           <a:p>
             <a:r>
-              <a:rPr lang="en-US" dirty="0" smtClean="0"/>
-              <a:t>Dependency</a:t>
-            </a:r>
-            <a:r>
-              <a:rPr lang="en-US" baseline="0" dirty="0" smtClean="0"/>
-              <a:t> injection</a:t>
-            </a:r>
-          </a:p>
-          <a:p>
-            <a:r>
-              <a:rPr lang="en-US" baseline="0" dirty="0" smtClean="0"/>
-              <a:t>	enable testing &amp; mocking of some parts</a:t>
-            </a:r>
-          </a:p>
-          <a:p>
-            <a:r>
-              <a:rPr lang="en-US" baseline="0" dirty="0" smtClean="0"/>
-              <a:t>Simplify arguments</a:t>
-            </a:r>
-          </a:p>
-          <a:p>
-            <a:r>
-              <a:rPr lang="en-US" baseline="0" dirty="0" smtClean="0"/>
-              <a:t>	get rid of redundant arguments</a:t>
-            </a:r>
-          </a:p>
-          <a:p>
-            <a:r>
-              <a:rPr lang="en-US" baseline="0" dirty="0" smtClean="0"/>
-              <a:t>	feature envy – group code into one object?</a:t>
-            </a:r>
-          </a:p>
-          <a:p>
-            <a:r>
-              <a:rPr lang="en-US" baseline="0" dirty="0" smtClean="0"/>
+              <a:rPr lang="en-US" b="1" dirty="0" smtClean="0"/>
+              <a:t>(Georgi)</a:t>
+            </a:r>
+          </a:p>
+          <a:p>
+            <a:endParaRPr lang="en-US" b="1" dirty="0" smtClean="0"/>
+          </a:p>
+          <a:p>
+            <a:r>
+              <a:rPr lang="en-US" b="1" dirty="0" smtClean="0"/>
+              <a:t>Topic Modulation</a:t>
+            </a:r>
+          </a:p>
+          <a:p>
+            <a:r>
+              <a:rPr lang="en-US" b="1" dirty="0" smtClean="0"/>
               <a:t>	</a:t>
             </a:r>
-            <a:endParaRPr lang="en-GB" dirty="0"/>
+            <a:r>
+              <a:rPr lang="en-US" b="0" dirty="0" smtClean="0"/>
+              <a:t>We</a:t>
+            </a:r>
+            <a:r>
+              <a:rPr lang="en-US" b="0" baseline="0" dirty="0" smtClean="0"/>
+              <a:t> saw a little TDD in previous part with its benefits and its price</a:t>
+            </a:r>
+          </a:p>
+          <a:p>
+            <a:r>
+              <a:rPr lang="en-US" b="0" baseline="0" dirty="0" smtClean="0"/>
+              <a:t>	Can you start immediately doing TDD in the project you’re working on – probably not.</a:t>
+            </a:r>
+          </a:p>
+          <a:p>
+            <a:r>
+              <a:rPr lang="en-US" b="1" baseline="0" dirty="0" smtClean="0"/>
+              <a:t>Filling in the gaps</a:t>
+            </a:r>
+          </a:p>
+          <a:p>
+            <a:r>
+              <a:rPr lang="en-US" b="1" baseline="0" dirty="0" smtClean="0"/>
+              <a:t>	</a:t>
+            </a:r>
+            <a:r>
+              <a:rPr lang="en-US" b="0" baseline="0" dirty="0" smtClean="0"/>
+              <a:t>If we start fresh TDD is relatively easy to pick up</a:t>
+            </a:r>
+          </a:p>
+          <a:p>
+            <a:r>
+              <a:rPr lang="en-US" b="0" baseline="0" dirty="0" smtClean="0"/>
+              <a:t>	What should we do in real projects that were started the old-fashioned way?</a:t>
+            </a:r>
+          </a:p>
+          <a:p>
+            <a:r>
+              <a:rPr lang="en-US" b="1" baseline="0" dirty="0" smtClean="0"/>
+              <a:t>Problems</a:t>
+            </a:r>
+          </a:p>
+          <a:p>
+            <a:r>
+              <a:rPr lang="en-US" b="1" baseline="0" dirty="0" smtClean="0"/>
+              <a:t>	</a:t>
+            </a:r>
+            <a:r>
+              <a:rPr lang="en-US" b="0" baseline="0" dirty="0" smtClean="0"/>
+              <a:t>Code is not testable.</a:t>
+            </a:r>
+          </a:p>
+          <a:p>
+            <a:r>
+              <a:rPr lang="en-US" b="0" baseline="0" dirty="0" smtClean="0"/>
+              <a:t>	We do not understand what the code does.</a:t>
+            </a:r>
+          </a:p>
+          <a:p>
+            <a:r>
+              <a:rPr lang="en-US" b="0" baseline="0" dirty="0" smtClean="0"/>
+              <a:t>	We are afraid to change the code because we may break something.</a:t>
+            </a:r>
+          </a:p>
+          <a:p>
+            <a:r>
+              <a:rPr lang="en-US" b="1" baseline="0" dirty="0" smtClean="0"/>
+              <a:t>Legacy Code = Code without tests</a:t>
+            </a:r>
+          </a:p>
+          <a:p>
+            <a:r>
+              <a:rPr lang="en-US" b="1" baseline="0" dirty="0" smtClean="0"/>
+              <a:t>Codebase with tests</a:t>
+            </a:r>
+          </a:p>
+          <a:p>
+            <a:r>
+              <a:rPr lang="en-US" b="0" baseline="0" dirty="0" smtClean="0"/>
+              <a:t>	Relatively easy to add new tests</a:t>
+            </a:r>
+          </a:p>
+          <a:p>
+            <a:r>
+              <a:rPr lang="en-US" b="0" baseline="0" dirty="0" smtClean="0"/>
+              <a:t>	We can make changes and be relatively sure we are not introducing regression</a:t>
+            </a:r>
+          </a:p>
+          <a:p>
+            <a:r>
+              <a:rPr lang="en-US" b="0" baseline="0" dirty="0" smtClean="0"/>
+              <a:t>	If the codebase is ugly, imperfect, has bugs, </a:t>
+            </a:r>
+            <a:r>
+              <a:rPr lang="en-US" b="0" baseline="0" dirty="0" err="1" smtClean="0"/>
+              <a:t>etc</a:t>
+            </a:r>
+            <a:r>
+              <a:rPr lang="en-US" b="0" baseline="0" dirty="0" smtClean="0"/>
+              <a:t>, we have the confidence to improve it (refactor)</a:t>
+            </a:r>
+          </a:p>
+          <a:p>
+            <a:r>
+              <a:rPr lang="en-US" b="1" baseline="0" dirty="0" smtClean="0"/>
+              <a:t>Codebase without tests</a:t>
+            </a:r>
+          </a:p>
+          <a:p>
+            <a:r>
+              <a:rPr lang="en-US" b="1" baseline="0" dirty="0" smtClean="0"/>
+              <a:t>	</a:t>
+            </a:r>
+            <a:r>
+              <a:rPr lang="en-US" b="0" baseline="0" dirty="0" smtClean="0"/>
+              <a:t>Code not testable, which means it is hard to write tests</a:t>
+            </a:r>
+          </a:p>
+          <a:p>
+            <a:r>
+              <a:rPr lang="en-US" b="0" baseline="0" dirty="0" smtClean="0"/>
+              <a:t>	No tests make it hard to guarantee that we do not introduce regression</a:t>
+            </a:r>
+          </a:p>
+          <a:p>
+            <a:r>
+              <a:rPr lang="en-US" b="0" baseline="0" dirty="0" smtClean="0"/>
+              <a:t>	This make us reluctant and afraid to make changes</a:t>
+            </a:r>
+          </a:p>
+          <a:p>
+            <a:pPr marL="0" marR="0" indent="0" algn="l" defTabSz="914400" rtl="0" eaLnBrk="1" fontAlgn="auto" latinLnBrk="0" hangingPunct="1">
+              <a:lnSpc>
+                <a:spcPct val="100000"/>
+              </a:lnSpc>
+              <a:spcBef>
+                <a:spcPts val="0"/>
+              </a:spcBef>
+              <a:spcAft>
+                <a:spcPts val="0"/>
+              </a:spcAft>
+              <a:buClrTx/>
+              <a:buSzTx/>
+              <a:buFontTx/>
+              <a:buNone/>
+              <a:tabLst/>
+              <a:defRPr/>
+            </a:pPr>
+            <a:r>
+              <a:rPr lang="en-US" b="0" baseline="0" dirty="0" smtClean="0"/>
+              <a:t>	Fearful development causes the code to rot and grow out of control</a:t>
+            </a:r>
+          </a:p>
+          <a:p>
+            <a:pPr marL="0" marR="0" indent="0" algn="l" defTabSz="914400" rtl="0" eaLnBrk="1" fontAlgn="auto" latinLnBrk="0" hangingPunct="1">
+              <a:lnSpc>
+                <a:spcPct val="100000"/>
+              </a:lnSpc>
+              <a:spcBef>
+                <a:spcPts val="0"/>
+              </a:spcBef>
+              <a:spcAft>
+                <a:spcPts val="0"/>
+              </a:spcAft>
+              <a:buClrTx/>
+              <a:buSzTx/>
+              <a:buFontTx/>
+              <a:buNone/>
+              <a:tabLst/>
+              <a:defRPr/>
+            </a:pPr>
+            <a:r>
+              <a:rPr lang="en-US" b="0" baseline="0" dirty="0" smtClean="0"/>
+              <a:t>	Not to mention that it is not fun at all</a:t>
+            </a:r>
+          </a:p>
+          <a:p>
+            <a:endParaRPr lang="en-US" b="0" baseline="0" dirty="0" smtClean="0"/>
+          </a:p>
+          <a:p>
+            <a:r>
+              <a:rPr lang="en-US" b="0" baseline="0" dirty="0" smtClean="0"/>
+              <a:t>	</a:t>
+            </a:r>
+            <a:endParaRPr lang="en-US" b="1" baseline="0" dirty="0" smtClean="0"/>
+          </a:p>
+          <a:p>
+            <a:endParaRPr lang="en-US" dirty="0"/>
           </a:p>
         </p:txBody>
       </p:sp>
@@ -860,7 +1111,7 @@
           <a:p>
             <a:fld id="{3F1331FF-126C-4FC3-9F1A-C541E08AAB65}" type="slidenum">
               <a:rPr lang="en-GB" smtClean="0"/>
-              <a:t>14</a:t>
+              <a:t>11</a:t>
             </a:fld>
             <a:endParaRPr lang="en-GB"/>
           </a:p>
@@ -869,7 +1120,7 @@
     </p:spTree>
     <p:extLst>
       <p:ext uri="{BB962C8B-B14F-4D97-AF65-F5344CB8AC3E}">
-        <p14:creationId xmlns:p14="http://schemas.microsoft.com/office/powerpoint/2010/main" val="168222994"/>
+        <p14:creationId xmlns:p14="http://schemas.microsoft.com/office/powerpoint/2010/main" val="1675783699"/>
       </p:ext>
     </p:extLst>
   </p:cSld>
@@ -924,81 +1175,270 @@
           <a:lstStyle/>
           <a:p>
             <a:r>
+              <a:rPr lang="en-US" b="1" dirty="0" smtClean="0"/>
+              <a:t>(Hristo)</a:t>
+            </a:r>
+          </a:p>
+          <a:p>
+            <a:endParaRPr lang="en-US" b="1" dirty="0" smtClean="0"/>
+          </a:p>
+          <a:p>
+            <a:r>
+              <a:rPr lang="en-US" b="1" dirty="0" smtClean="0"/>
+              <a:t>Make code testable</a:t>
+            </a:r>
+          </a:p>
+          <a:p>
+            <a:r>
               <a:rPr lang="en-US" dirty="0" smtClean="0"/>
-              <a:t>Scrap</a:t>
+              <a:t>	</a:t>
+            </a:r>
+            <a:r>
+              <a:rPr lang="en-US" b="1" dirty="0" smtClean="0"/>
+              <a:t>Dependency</a:t>
+            </a:r>
+            <a:r>
+              <a:rPr lang="en-US" b="1" baseline="0" dirty="0" smtClean="0"/>
+              <a:t> breaking</a:t>
             </a:r>
             <a:r>
               <a:rPr lang="en-US" baseline="0" dirty="0" smtClean="0"/>
-              <a:t> functionality</a:t>
-            </a:r>
-          </a:p>
-          <a:p>
+              <a:t> techniques</a:t>
+            </a:r>
+            <a:r>
+              <a:rPr lang="en-US" dirty="0" smtClean="0"/>
+              <a:t> - Dependency Injection, Argument </a:t>
+            </a:r>
+            <a:r>
+              <a:rPr lang="en-US" dirty="0" err="1" smtClean="0"/>
+              <a:t>Primitivisation</a:t>
+            </a:r>
+            <a:r>
+              <a:rPr lang="en-US" dirty="0" smtClean="0"/>
+              <a:t>, Stubbs</a:t>
+            </a:r>
             <a:r>
               <a:rPr lang="en-US" baseline="0" dirty="0" smtClean="0"/>
-              <a:t>	best before</a:t>
+              <a:t> &amp; Mocks</a:t>
             </a:r>
           </a:p>
           <a:p>
             <a:r>
               <a:rPr lang="en-US" baseline="0" dirty="0" smtClean="0"/>
-              <a:t>	scrap items</a:t>
-            </a:r>
-          </a:p>
-          <a:p>
+              <a:t>	Test the </a:t>
+            </a:r>
+            <a:r>
+              <a:rPr lang="en-US" b="1" baseline="0" dirty="0" smtClean="0"/>
+              <a:t>smallest possible unit</a:t>
+            </a:r>
+            <a:r>
+              <a:rPr lang="en-US" baseline="0" dirty="0" smtClean="0"/>
+              <a:t> in isolation – minimalistic tests are cheaper to write and maintain</a:t>
+            </a:r>
+          </a:p>
+          <a:p>
+            <a:r>
+              <a:rPr lang="en-US" baseline="0" dirty="0" smtClean="0"/>
+              <a:t>	If a unit </a:t>
+            </a:r>
+            <a:r>
+              <a:rPr lang="en-US" b="1" baseline="0" dirty="0" smtClean="0"/>
+              <a:t>cannot be easily isolated</a:t>
+            </a:r>
+            <a:r>
+              <a:rPr lang="en-US" baseline="0" dirty="0" smtClean="0"/>
+              <a:t> test the </a:t>
+            </a:r>
+            <a:r>
+              <a:rPr lang="en-US" b="1" baseline="0" dirty="0" smtClean="0"/>
+              <a:t>smallest possible system of units</a:t>
+            </a:r>
+          </a:p>
+          <a:p>
+            <a:r>
+              <a:rPr lang="en-US" baseline="0" dirty="0" smtClean="0"/>
+              <a:t>	Make </a:t>
+            </a:r>
+            <a:r>
+              <a:rPr lang="en-US" b="1" baseline="0" dirty="0" smtClean="0"/>
+              <a:t>small and conservative changes</a:t>
+            </a:r>
+            <a:r>
+              <a:rPr lang="en-US" baseline="0" dirty="0" smtClean="0"/>
+              <a:t> – we do not have tests yet, so change can be dangerous</a:t>
+            </a:r>
+          </a:p>
+          <a:p>
+            <a:pPr lvl="1"/>
             <a:r>
               <a:rPr lang="en-US" dirty="0" smtClean="0"/>
-              <a:t>TDD</a:t>
-            </a:r>
-          </a:p>
-          <a:p>
+              <a:t>	</a:t>
+            </a:r>
+            <a:r>
+              <a:rPr lang="en-US" b="1" dirty="0" smtClean="0"/>
+              <a:t>Testability over Aesthetics</a:t>
+            </a:r>
             <a:r>
               <a:rPr lang="en-US" dirty="0" smtClean="0"/>
-              <a:t>	possible because we have tests for the code</a:t>
+              <a:t>: code might look uglier, but it should be testable</a:t>
+            </a:r>
+          </a:p>
+          <a:p>
+            <a:r>
+              <a:rPr lang="en-US" b="1" dirty="0" smtClean="0"/>
+              <a:t>Capture behaviour</a:t>
             </a:r>
           </a:p>
           <a:p>
             <a:r>
               <a:rPr lang="en-US" dirty="0" smtClean="0"/>
-              <a:t>	code</a:t>
+              <a:t>	Write tests that capture</a:t>
             </a:r>
             <a:r>
               <a:rPr lang="en-US" baseline="0" dirty="0" smtClean="0"/>
-              <a:t> is testable</a:t>
-            </a:r>
-            <a:endParaRPr lang="en-US" dirty="0" smtClean="0"/>
+              <a:t> how the system behaves</a:t>
+            </a:r>
           </a:p>
           <a:p>
             <a:r>
               <a:rPr lang="en-US" baseline="0" dirty="0" smtClean="0"/>
-              <a:t>Bugs</a:t>
-            </a:r>
-          </a:p>
-          <a:p>
+              <a:t>	Do not fix bugs yet – bugs are part of the code’s </a:t>
+            </a:r>
+            <a:r>
+              <a:rPr lang="en-US" baseline="0" dirty="0" err="1" smtClean="0"/>
+              <a:t>behaviour</a:t>
+            </a:r>
+            <a:endParaRPr lang="en-US" baseline="0" dirty="0" smtClean="0"/>
+          </a:p>
+          <a:p>
+            <a:r>
+              <a:rPr lang="en-US" b="1" baseline="0" dirty="0" smtClean="0"/>
+              <a:t>Refactor</a:t>
+            </a:r>
+          </a:p>
+          <a:p>
+            <a:r>
+              <a:rPr lang="en-US" b="1" baseline="0" dirty="0" smtClean="0"/>
+              <a:t>	</a:t>
+            </a:r>
+            <a:r>
+              <a:rPr lang="en-US" b="0" baseline="0" dirty="0" smtClean="0"/>
+              <a:t>Once the system is tested we may want to do some refactoring</a:t>
+            </a:r>
+          </a:p>
+          <a:p>
+            <a:r>
+              <a:rPr lang="en-US" b="0" baseline="0" dirty="0" smtClean="0"/>
+              <a:t>	It can improve code’s aesthetics (make it cleaner, more readable)</a:t>
+            </a:r>
+          </a:p>
+          <a:p>
+            <a:r>
+              <a:rPr lang="en-US" b="0" baseline="0" dirty="0" smtClean="0"/>
+              <a:t>	It can adapt the design so that the new feature will be easier to implement</a:t>
+            </a:r>
+            <a:endParaRPr lang="en-US" b="1" baseline="0" dirty="0" smtClean="0"/>
+          </a:p>
+          <a:p>
+            <a:r>
+              <a:rPr lang="en-US" b="1" dirty="0" smtClean="0"/>
+              <a:t>Add new features</a:t>
+            </a:r>
+          </a:p>
+          <a:p>
+            <a:r>
+              <a:rPr lang="en-US" dirty="0" smtClean="0"/>
+              <a:t>	Write</a:t>
+            </a:r>
             <a:r>
               <a:rPr lang="en-US" baseline="0" dirty="0" smtClean="0"/>
-              <a:t>	Fix with care</a:t>
-            </a:r>
-          </a:p>
-          <a:p>
-            <a:r>
-              <a:rPr lang="en-US" baseline="0" dirty="0" smtClean="0"/>
-              <a:t>	Do not change behaviour – customers may depend on it</a:t>
-            </a:r>
-          </a:p>
-          <a:p>
-            <a:r>
-              <a:rPr lang="en-US" baseline="0" dirty="0" smtClean="0"/>
-              <a:t>		Expose new methods</a:t>
-            </a:r>
-          </a:p>
-          <a:p>
-            <a:r>
-              <a:rPr lang="en-US" baseline="0" dirty="0" smtClean="0"/>
-              <a:t>	Big (time consuming) bugs should be just reported</a:t>
-            </a:r>
-          </a:p>
-          <a:p>
-            <a:endParaRPr lang="en-US" dirty="0" smtClean="0"/>
+              <a:t> a test for the new feature before the code</a:t>
+            </a:r>
+          </a:p>
+          <a:p>
+            <a:r>
+              <a:rPr lang="en-US" b="0" baseline="0" dirty="0" smtClean="0"/>
+              <a:t>	Make sure that the new test fails</a:t>
+            </a:r>
+          </a:p>
+          <a:p>
+            <a:r>
+              <a:rPr lang="en-US" b="0" baseline="0" dirty="0" smtClean="0"/>
+              <a:t>	Step by step add code that implements the feature until tests run green</a:t>
+            </a:r>
+          </a:p>
+          <a:p>
+            <a:r>
+              <a:rPr lang="en-US" b="0" baseline="0" dirty="0" smtClean="0"/>
+              <a:t>	Take small steps – they are easy to revert if you happen to introduce regression</a:t>
+            </a:r>
+          </a:p>
+          <a:p>
+            <a:r>
+              <a:rPr lang="en-US" b="0" baseline="0" dirty="0" smtClean="0"/>
+              <a:t>	Execute tests after each small change, so that you know you didn’t break anything</a:t>
+            </a:r>
+          </a:p>
+          <a:p>
+            <a:r>
+              <a:rPr lang="en-US" b="1" baseline="0" dirty="0" smtClean="0"/>
+              <a:t>Scope Of Testing: Do you have to put the whole system into a harness in one go?</a:t>
+            </a:r>
+          </a:p>
+          <a:p>
+            <a:r>
+              <a:rPr lang="en-US" b="1" baseline="0" dirty="0" smtClean="0"/>
+              <a:t>	</a:t>
+            </a:r>
+            <a:r>
+              <a:rPr lang="en-US" b="0" baseline="0" dirty="0" smtClean="0"/>
+              <a:t>Change is usually feature driven</a:t>
+            </a:r>
+          </a:p>
+          <a:p>
+            <a:r>
+              <a:rPr lang="en-US" b="0" baseline="0" dirty="0" smtClean="0"/>
+              <a:t>	Identify the change points of what you are trying to do</a:t>
+            </a:r>
+          </a:p>
+          <a:p>
+            <a:r>
+              <a:rPr lang="en-US" b="0" baseline="0" dirty="0" smtClean="0"/>
+              <a:t>	Test the system around the change points</a:t>
+            </a:r>
+            <a:endParaRPr lang="en-US" b="1" baseline="0" dirty="0" smtClean="0"/>
+          </a:p>
+          <a:p>
+            <a:r>
+              <a:rPr lang="en-US" b="0" baseline="0" dirty="0" smtClean="0"/>
+              <a:t>	Add new feature with tests</a:t>
+            </a:r>
+          </a:p>
+          <a:p>
+            <a:r>
+              <a:rPr lang="en-US" b="1" baseline="0" dirty="0" smtClean="0"/>
+              <a:t>	</a:t>
+            </a:r>
+            <a:r>
+              <a:rPr lang="en-US" b="0" baseline="0" dirty="0" smtClean="0"/>
+              <a:t>Gradually </a:t>
+            </a:r>
+            <a:r>
+              <a:rPr lang="en-US" b="1" baseline="0" dirty="0" smtClean="0"/>
+              <a:t>islands of tested code</a:t>
+            </a:r>
+            <a:r>
+              <a:rPr lang="en-US" b="0" baseline="0" dirty="0" smtClean="0"/>
+              <a:t> will emerge. Eventually these islands </a:t>
+            </a:r>
+            <a:r>
+              <a:rPr lang="en-US" b="1" baseline="0" dirty="0" smtClean="0"/>
+              <a:t>will grow and form continents</a:t>
+            </a:r>
+            <a:r>
+              <a:rPr lang="en-US" b="0" baseline="0" dirty="0" smtClean="0"/>
+              <a:t>.</a:t>
+            </a:r>
           </a:p>
         </p:txBody>
       </p:sp>
@@ -1019,7 +1459,7 @@
           <a:p>
             <a:fld id="{3F1331FF-126C-4FC3-9F1A-C541E08AAB65}" type="slidenum">
               <a:rPr lang="en-GB" smtClean="0"/>
-              <a:t>15</a:t>
+              <a:t>12</a:t>
             </a:fld>
             <a:endParaRPr lang="en-GB"/>
           </a:p>
@@ -1028,7 +1468,7 @@
     </p:spTree>
     <p:extLst>
       <p:ext uri="{BB962C8B-B14F-4D97-AF65-F5344CB8AC3E}">
-        <p14:creationId xmlns:p14="http://schemas.microsoft.com/office/powerpoint/2010/main" val="168222994"/>
+        <p14:creationId xmlns:p14="http://schemas.microsoft.com/office/powerpoint/2010/main" val="4126437750"/>
       </p:ext>
     </p:extLst>
   </p:cSld>
@@ -1083,23 +1523,57 @@
           <a:lstStyle/>
           <a:p>
             <a:r>
+              <a:rPr lang="en-US" b="1" dirty="0" smtClean="0"/>
+              <a:t>(Hristo)</a:t>
+            </a:r>
+          </a:p>
+          <a:p>
+            <a:endParaRPr lang="en-US" dirty="0" smtClean="0"/>
+          </a:p>
+          <a:p>
+            <a:r>
               <a:rPr lang="en-US" dirty="0" smtClean="0"/>
-              <a:t>Makes it easier to accommodate change</a:t>
+              <a:t>Tests</a:t>
             </a:r>
           </a:p>
           <a:p>
             <a:r>
               <a:rPr lang="en-US" dirty="0" smtClean="0"/>
-              <a:t>	add new functionality</a:t>
-            </a:r>
+              <a:t>	will guarantee we do</a:t>
+            </a:r>
+            <a:r>
+              <a:rPr lang="en-US" baseline="0" dirty="0" smtClean="0"/>
+              <a:t> not break code</a:t>
+            </a:r>
+          </a:p>
+          <a:p>
+            <a:r>
+              <a:rPr lang="en-US" baseline="0" dirty="0" smtClean="0"/>
+              <a:t>	enable change</a:t>
+            </a:r>
+            <a:endParaRPr lang="en-US" dirty="0" smtClean="0"/>
           </a:p>
           <a:p>
             <a:r>
               <a:rPr lang="en-US" dirty="0" smtClean="0"/>
-              <a:t>	work with</a:t>
-            </a:r>
-          </a:p>
-          <a:p>
+              <a:t>No code changes or bug fixes</a:t>
+            </a:r>
+          </a:p>
+          <a:p>
+            <a:r>
+              <a:rPr lang="en-US" dirty="0" smtClean="0"/>
+              <a:t>	bugs are part of the API - customers rely on it</a:t>
+            </a:r>
+          </a:p>
+          <a:p>
+            <a:r>
+              <a:rPr lang="en-US" dirty="0" smtClean="0"/>
+              <a:t>	we have no tests yet – cannot guarantee we don’t</a:t>
+            </a:r>
+            <a:r>
+              <a:rPr lang="en-US" baseline="0" dirty="0" smtClean="0"/>
+              <a:t> break code</a:t>
+            </a:r>
             <a:endParaRPr lang="en-GB" dirty="0"/>
           </a:p>
         </p:txBody>
@@ -1121,7 +1595,7 @@
           <a:p>
             <a:fld id="{3F1331FF-126C-4FC3-9F1A-C541E08AAB65}" type="slidenum">
               <a:rPr lang="en-GB" smtClean="0"/>
-              <a:t>18</a:t>
+              <a:t>13</a:t>
             </a:fld>
             <a:endParaRPr lang="en-GB"/>
           </a:p>
@@ -1130,7 +1604,7 @@
     </p:spTree>
     <p:extLst>
       <p:ext uri="{BB962C8B-B14F-4D97-AF65-F5344CB8AC3E}">
-        <p14:creationId xmlns:p14="http://schemas.microsoft.com/office/powerpoint/2010/main" val="2154520111"/>
+        <p14:creationId xmlns:p14="http://schemas.microsoft.com/office/powerpoint/2010/main" val="2505129343"/>
       </p:ext>
     </p:extLst>
   </p:cSld>
@@ -1184,152 +1658,57 @@
           <a:bodyPr/>
           <a:lstStyle/>
           <a:p>
-            <a:pPr marL="0" marR="0" indent="0" algn="l" defTabSz="914400" rtl="0" eaLnBrk="1" fontAlgn="auto" latinLnBrk="0" hangingPunct="1">
-              <a:lnSpc>
-                <a:spcPct val="100000"/>
-              </a:lnSpc>
-              <a:spcBef>
-                <a:spcPts val="0"/>
-              </a:spcBef>
-              <a:spcAft>
-                <a:spcPts val="0"/>
-              </a:spcAft>
-              <a:buClrTx/>
-              <a:buSzTx/>
-              <a:buFontTx/>
-              <a:buNone/>
-              <a:tabLst/>
-              <a:defRPr/>
-            </a:pPr>
+            <a:r>
+              <a:rPr lang="en-US" b="1" dirty="0" smtClean="0"/>
+              <a:t>(Hristo)</a:t>
+            </a:r>
+          </a:p>
+          <a:p>
+            <a:endParaRPr lang="en-US" dirty="0" smtClean="0"/>
+          </a:p>
+          <a:p>
             <a:r>
               <a:rPr lang="en-US" dirty="0" smtClean="0"/>
-              <a:t>Refactor ≠ Rewrite</a:t>
+              <a:t>Tests</a:t>
             </a:r>
           </a:p>
           <a:p>
             <a:r>
               <a:rPr lang="en-US" dirty="0" smtClean="0"/>
-              <a:t>	change internal structure</a:t>
-            </a:r>
+              <a:t>	will guarantee we do</a:t>
+            </a:r>
+            <a:r>
+              <a:rPr lang="en-US" baseline="0" dirty="0" smtClean="0"/>
+              <a:t> not break code</a:t>
+            </a:r>
+          </a:p>
+          <a:p>
+            <a:r>
+              <a:rPr lang="en-US" baseline="0" dirty="0" smtClean="0"/>
+              <a:t>	enable change</a:t>
+            </a:r>
+            <a:endParaRPr lang="en-US" dirty="0" smtClean="0"/>
           </a:p>
           <a:p>
             <a:r>
               <a:rPr lang="en-US" dirty="0" smtClean="0"/>
-              <a:t>	keep observable</a:t>
+              <a:t>No code changes or bug fixes</a:t>
+            </a:r>
+          </a:p>
+          <a:p>
+            <a:r>
+              <a:rPr lang="en-US" dirty="0" smtClean="0"/>
+              <a:t>	bugs are part of the API - customers rely on it</a:t>
+            </a:r>
+          </a:p>
+          <a:p>
+            <a:r>
+              <a:rPr lang="en-US" dirty="0" smtClean="0"/>
+              <a:t>	we have no tests yet – cannot guarantee we don’t</a:t>
             </a:r>
             <a:r>
               <a:rPr lang="en-US" baseline="0" dirty="0" smtClean="0"/>
-              <a:t> behaviour</a:t>
-            </a:r>
-          </a:p>
-          <a:p>
-            <a:r>
-              <a:rPr lang="en-US" dirty="0" smtClean="0"/>
-              <a:t>Run existing tests</a:t>
-            </a:r>
-          </a:p>
-          <a:p>
-            <a:r>
-              <a:rPr lang="en-US" dirty="0" smtClean="0"/>
-              <a:t>	constantly run the existing tests</a:t>
-            </a:r>
-          </a:p>
-          <a:p>
-            <a:pPr lvl="1"/>
-            <a:r>
-              <a:rPr lang="en-US" dirty="0" smtClean="0"/>
-              <a:t>	guarantee correctness</a:t>
-            </a:r>
-          </a:p>
-          <a:p>
-            <a:pPr lvl="1"/>
-            <a:r>
-              <a:rPr lang="en-US" dirty="0" smtClean="0"/>
-              <a:t>	increase confidence</a:t>
-            </a:r>
-            <a:endParaRPr lang="en-GB" dirty="0" smtClean="0"/>
-          </a:p>
-          <a:p>
-            <a:pPr marL="0" marR="0" indent="0" algn="l" defTabSz="914400" rtl="0" eaLnBrk="1" fontAlgn="auto" latinLnBrk="0" hangingPunct="1">
-              <a:lnSpc>
-                <a:spcPct val="100000"/>
-              </a:lnSpc>
-              <a:spcBef>
-                <a:spcPts val="0"/>
-              </a:spcBef>
-              <a:spcAft>
-                <a:spcPts val="0"/>
-              </a:spcAft>
-              <a:buClrTx/>
-              <a:buSzTx/>
-              <a:buFontTx/>
-              <a:buNone/>
-              <a:tabLst/>
-              <a:defRPr/>
-            </a:pPr>
-            <a:r>
-              <a:rPr lang="en-US" dirty="0" smtClean="0"/>
-              <a:t>Take small steps</a:t>
-            </a:r>
-          </a:p>
-          <a:p>
-            <a:pPr lvl="1"/>
-            <a:r>
-              <a:rPr lang="en-US" dirty="0" smtClean="0"/>
-              <a:t>	allows to step back, revert</a:t>
-            </a:r>
-            <a:r>
-              <a:rPr lang="en-US" baseline="0" dirty="0" smtClean="0"/>
-              <a:t> or rethink your approach</a:t>
-            </a:r>
-            <a:endParaRPr lang="en-US" dirty="0" smtClean="0"/>
-          </a:p>
-          <a:p>
-            <a:pPr lvl="1"/>
-            <a:r>
-              <a:rPr lang="en-GB" dirty="0" smtClean="0"/>
-              <a:t>	localizes defects</a:t>
-            </a:r>
-          </a:p>
-          <a:p>
-            <a:pPr lvl="1"/>
-            <a:r>
-              <a:rPr lang="en-GB" dirty="0" smtClean="0"/>
-              <a:t>	detects unintended change</a:t>
-            </a:r>
-          </a:p>
-          <a:p>
-            <a:pPr lvl="1"/>
-            <a:r>
-              <a:rPr lang="en-US" dirty="0" smtClean="0"/>
-              <a:t>	</a:t>
-            </a:r>
-            <a:endParaRPr lang="en-GB" dirty="0" smtClean="0"/>
-          </a:p>
-          <a:p>
-            <a:pPr marL="0" marR="0" indent="0" algn="l" defTabSz="914400" rtl="0" eaLnBrk="1" fontAlgn="auto" latinLnBrk="0" hangingPunct="1">
-              <a:lnSpc>
-                <a:spcPct val="100000"/>
-              </a:lnSpc>
-              <a:spcBef>
-                <a:spcPts val="0"/>
-              </a:spcBef>
-              <a:spcAft>
-                <a:spcPts val="0"/>
-              </a:spcAft>
-              <a:buClrTx/>
-              <a:buSzTx/>
-              <a:buFontTx/>
-              <a:buNone/>
-              <a:tabLst/>
-              <a:defRPr/>
-            </a:pPr>
-            <a:endParaRPr lang="en-US" dirty="0" smtClean="0"/>
-          </a:p>
-          <a:p>
-            <a:r>
-              <a:rPr lang="en-US" dirty="0" smtClean="0"/>
-              <a:t>	</a:t>
+              <a:t> break code</a:t>
             </a:r>
             <a:endParaRPr lang="en-GB" dirty="0"/>
           </a:p>
@@ -1352,7 +1731,7 @@
           <a:p>
             <a:fld id="{3F1331FF-126C-4FC3-9F1A-C541E08AAB65}" type="slidenum">
               <a:rPr lang="en-GB" smtClean="0"/>
-              <a:t>20</a:t>
+              <a:t>14</a:t>
             </a:fld>
             <a:endParaRPr lang="en-GB"/>
           </a:p>
@@ -1361,7 +1740,7 @@
     </p:spTree>
     <p:extLst>
       <p:ext uri="{BB962C8B-B14F-4D97-AF65-F5344CB8AC3E}">
-        <p14:creationId xmlns:p14="http://schemas.microsoft.com/office/powerpoint/2010/main" val="447082675"/>
+        <p14:creationId xmlns:p14="http://schemas.microsoft.com/office/powerpoint/2010/main" val="2505129343"/>
       </p:ext>
     </p:extLst>
   </p:cSld>
@@ -1415,7 +1794,91 @@
           <a:bodyPr/>
           <a:lstStyle/>
           <a:p>
-            <a:endParaRPr lang="en-GB" dirty="0"/>
+            <a:r>
+              <a:rPr lang="en-US" b="1" dirty="0" smtClean="0"/>
+              <a:t>(Georgi)</a:t>
+            </a:r>
+          </a:p>
+          <a:p>
+            <a:endParaRPr lang="en-US" dirty="0" smtClean="0"/>
+          </a:p>
+          <a:p>
+            <a:r>
+              <a:rPr lang="en-US" dirty="0" smtClean="0"/>
+              <a:t>Scrap</a:t>
+            </a:r>
+            <a:r>
+              <a:rPr lang="en-US" baseline="0" dirty="0" smtClean="0"/>
+              <a:t> functionality</a:t>
+            </a:r>
+          </a:p>
+          <a:p>
+            <a:r>
+              <a:rPr lang="en-US" baseline="0" dirty="0" smtClean="0"/>
+              <a:t>	best before</a:t>
+            </a:r>
+          </a:p>
+          <a:p>
+            <a:r>
+              <a:rPr lang="en-US" baseline="0" dirty="0" smtClean="0"/>
+              <a:t>	scrap items</a:t>
+            </a:r>
+          </a:p>
+          <a:p>
+            <a:r>
+              <a:rPr lang="en-US" dirty="0" smtClean="0"/>
+              <a:t>TDD</a:t>
+            </a:r>
+          </a:p>
+          <a:p>
+            <a:r>
+              <a:rPr lang="en-US" dirty="0" smtClean="0"/>
+              <a:t>	possible because we have tests for the code</a:t>
+            </a:r>
+          </a:p>
+          <a:p>
+            <a:r>
+              <a:rPr lang="en-US" dirty="0" smtClean="0"/>
+              <a:t>	code</a:t>
+            </a:r>
+            <a:r>
+              <a:rPr lang="en-US" baseline="0" dirty="0" smtClean="0"/>
+              <a:t> is testable</a:t>
+            </a:r>
+            <a:endParaRPr lang="en-US" dirty="0" smtClean="0"/>
+          </a:p>
+          <a:p>
+            <a:r>
+              <a:rPr lang="en-US" baseline="0" dirty="0" smtClean="0"/>
+              <a:t>Bugs</a:t>
+            </a:r>
+          </a:p>
+          <a:p>
+            <a:r>
+              <a:rPr lang="en-US" baseline="0" dirty="0" smtClean="0"/>
+              <a:t>	Fix with care</a:t>
+            </a:r>
+          </a:p>
+          <a:p>
+            <a:r>
+              <a:rPr lang="en-US" baseline="0" dirty="0" smtClean="0"/>
+              <a:t>	Do not change behaviour – customers may depend on it</a:t>
+            </a:r>
+          </a:p>
+          <a:p>
+            <a:r>
+              <a:rPr lang="en-US" baseline="0" dirty="0" smtClean="0"/>
+              <a:t>		Expose new methods</a:t>
+            </a:r>
+          </a:p>
+          <a:p>
+            <a:r>
+              <a:rPr lang="en-US" baseline="0" dirty="0" smtClean="0"/>
+              <a:t>	Big (time consuming) bugs should be just reported</a:t>
+            </a:r>
+          </a:p>
+          <a:p>
+            <a:endParaRPr lang="en-US" dirty="0" smtClean="0"/>
           </a:p>
         </p:txBody>
       </p:sp>
@@ -1436,7 +1899,7 @@
           <a:p>
             <a:fld id="{3F1331FF-126C-4FC3-9F1A-C541E08AAB65}" type="slidenum">
               <a:rPr lang="en-GB" smtClean="0"/>
-              <a:t>21</a:t>
+              <a:t>15</a:t>
             </a:fld>
             <a:endParaRPr lang="en-GB"/>
           </a:p>
@@ -1445,7 +1908,7 @@
     </p:spTree>
     <p:extLst>
       <p:ext uri="{BB962C8B-B14F-4D97-AF65-F5344CB8AC3E}">
-        <p14:creationId xmlns:p14="http://schemas.microsoft.com/office/powerpoint/2010/main" val="837032729"/>
+        <p14:creationId xmlns:p14="http://schemas.microsoft.com/office/powerpoint/2010/main" val="168222994"/>
       </p:ext>
     </p:extLst>
   </p:cSld>
@@ -1500,90 +1963,9 @@
           <a:lstStyle/>
           <a:p>
             <a:r>
-              <a:rPr lang="en-GB" dirty="0" smtClean="0"/>
-              <a:t>very simple program</a:t>
-            </a:r>
-          </a:p>
-          <a:p>
-            <a:pPr lvl="1"/>
-            <a:r>
-              <a:rPr lang="en-GB" dirty="0" smtClean="0"/>
-              <a:t>explore potential solutions </a:t>
-            </a:r>
-          </a:p>
-          <a:p>
-            <a:pPr lvl="1"/>
-            <a:r>
-              <a:rPr lang="en-GB" dirty="0" smtClean="0"/>
-              <a:t>addresses only the problem under examination </a:t>
-            </a:r>
-          </a:p>
-          <a:p>
-            <a:pPr lvl="1"/>
-            <a:r>
-              <a:rPr lang="en-GB" dirty="0" smtClean="0"/>
-              <a:t>ignores all other concerns</a:t>
-            </a:r>
-          </a:p>
-          <a:p>
-            <a:r>
-              <a:rPr lang="en-GB" dirty="0" smtClean="0"/>
-              <a:t>not good enough to keep</a:t>
-            </a:r>
-          </a:p>
-          <a:p>
-            <a:pPr lvl="1"/>
-            <a:r>
-              <a:rPr lang="en-GB" dirty="0" smtClean="0"/>
-              <a:t>expect to throw it away</a:t>
-            </a:r>
-          </a:p>
-          <a:p>
-            <a:pPr marL="0" marR="0" indent="0" algn="l" defTabSz="914400" rtl="0" eaLnBrk="1" fontAlgn="auto" latinLnBrk="0" hangingPunct="1">
-              <a:lnSpc>
-                <a:spcPct val="100000"/>
-              </a:lnSpc>
-              <a:spcBef>
-                <a:spcPts val="0"/>
-              </a:spcBef>
-              <a:spcAft>
-                <a:spcPts val="0"/>
-              </a:spcAft>
-              <a:buClrTx/>
-              <a:buSzTx/>
-              <a:buFontTx/>
-              <a:buNone/>
-              <a:tabLst/>
-              <a:defRPr/>
-            </a:pPr>
-            <a:r>
-              <a:rPr lang="en-US" dirty="0" smtClean="0"/>
-              <a:t>Risk/Estimation management</a:t>
-            </a:r>
-            <a:endParaRPr lang="en-GB" dirty="0" smtClean="0"/>
-          </a:p>
-          <a:p>
-            <a:pPr lvl="1"/>
-            <a:r>
-              <a:rPr lang="en-GB" dirty="0" smtClean="0"/>
-              <a:t>reduce the risk of a technical problem </a:t>
-            </a:r>
-          </a:p>
-          <a:p>
-            <a:pPr lvl="1"/>
-            <a:r>
-              <a:rPr lang="en-GB" dirty="0" smtClean="0"/>
-              <a:t>increase the reliability of an estimate</a:t>
-            </a:r>
-            <a:endParaRPr lang="en-GB" dirty="0" smtClean="0">
-              <a:hlinkClick r:id="rId3"/>
-            </a:endParaRPr>
-          </a:p>
-          <a:p>
-            <a:endParaRPr lang="en-GB" dirty="0" smtClean="0"/>
-          </a:p>
-          <a:p>
-            <a:endParaRPr lang="en-GB" dirty="0"/>
+              <a:rPr lang="en-US" b="1" dirty="0" smtClean="0"/>
+              <a:t>(Georgi)</a:t>
+            </a:r>
           </a:p>
         </p:txBody>
       </p:sp>
@@ -1604,7 +1986,7 @@
           <a:p>
             <a:fld id="{3F1331FF-126C-4FC3-9F1A-C541E08AAB65}" type="slidenum">
               <a:rPr lang="en-GB" smtClean="0"/>
-              <a:t>22</a:t>
+              <a:t>16</a:t>
             </a:fld>
             <a:endParaRPr lang="en-GB"/>
           </a:p>
@@ -1613,7 +1995,7 @@
     </p:spTree>
     <p:extLst>
       <p:ext uri="{BB962C8B-B14F-4D97-AF65-F5344CB8AC3E}">
-        <p14:creationId xmlns:p14="http://schemas.microsoft.com/office/powerpoint/2010/main" val="1392270352"/>
+        <p14:creationId xmlns:p14="http://schemas.microsoft.com/office/powerpoint/2010/main" val="986517499"/>
       </p:ext>
     </p:extLst>
   </p:cSld>
@@ -1667,154 +2049,11 @@
           <a:bodyPr/>
           <a:lstStyle/>
           <a:p>
-            <a:pPr marL="0" marR="0" indent="0" algn="l" defTabSz="914400" rtl="0" eaLnBrk="1" fontAlgn="auto" latinLnBrk="0" hangingPunct="1">
-              <a:lnSpc>
-                <a:spcPct val="100000"/>
-              </a:lnSpc>
-              <a:spcBef>
-                <a:spcPts val="0"/>
-              </a:spcBef>
-              <a:spcAft>
-                <a:spcPts val="0"/>
-              </a:spcAft>
-              <a:buClrTx/>
-              <a:buSzTx/>
-              <a:buFontTx/>
-              <a:buNone/>
-              <a:tabLst/>
-              <a:defRPr/>
-            </a:pPr>
-            <a:r>
-              <a:rPr lang="en-US" dirty="0" smtClean="0"/>
-              <a:t>Refactor ≠ Rewrite</a:t>
-            </a:r>
-          </a:p>
-          <a:p>
-            <a:r>
-              <a:rPr lang="en-US" dirty="0" smtClean="0"/>
-              <a:t>	change internal structure</a:t>
-            </a:r>
-          </a:p>
-          <a:p>
-            <a:r>
-              <a:rPr lang="en-US" dirty="0" smtClean="0"/>
-              <a:t>	keep observable</a:t>
-            </a:r>
-            <a:r>
-              <a:rPr lang="en-US" baseline="0" dirty="0" smtClean="0"/>
-              <a:t> behaviour</a:t>
-            </a:r>
-          </a:p>
-          <a:p>
-            <a:r>
-              <a:rPr lang="en-US" dirty="0" smtClean="0"/>
-              <a:t>Run existing tests</a:t>
-            </a:r>
-          </a:p>
-          <a:p>
-            <a:r>
-              <a:rPr lang="en-US" dirty="0" smtClean="0"/>
-              <a:t>	constantly run the existing tests</a:t>
-            </a:r>
-          </a:p>
-          <a:p>
-            <a:pPr lvl="1"/>
-            <a:r>
-              <a:rPr lang="en-US" dirty="0" smtClean="0"/>
-              <a:t>	guarantee correctness</a:t>
-            </a:r>
-          </a:p>
-          <a:p>
-            <a:pPr lvl="1"/>
-            <a:r>
-              <a:rPr lang="en-US" dirty="0" smtClean="0"/>
-              <a:t>	increase confidence</a:t>
-            </a:r>
-            <a:endParaRPr lang="en-GB" dirty="0" smtClean="0"/>
-          </a:p>
-          <a:p>
-            <a:pPr marL="0" marR="0" indent="0" algn="l" defTabSz="914400" rtl="0" eaLnBrk="1" fontAlgn="auto" latinLnBrk="0" hangingPunct="1">
-              <a:lnSpc>
-                <a:spcPct val="100000"/>
-              </a:lnSpc>
-              <a:spcBef>
-                <a:spcPts val="0"/>
-              </a:spcBef>
-              <a:spcAft>
-                <a:spcPts val="0"/>
-              </a:spcAft>
-              <a:buClrTx/>
-              <a:buSzTx/>
-              <a:buFontTx/>
-              <a:buNone/>
-              <a:tabLst/>
-              <a:defRPr/>
-            </a:pPr>
-            <a:r>
-              <a:rPr lang="en-US" dirty="0" smtClean="0"/>
-              <a:t>Take small steps</a:t>
-            </a:r>
-          </a:p>
-          <a:p>
-            <a:pPr lvl="1"/>
-            <a:r>
-              <a:rPr lang="en-US" dirty="0" smtClean="0"/>
-              <a:t>	allows to step back, revert</a:t>
-            </a:r>
-            <a:r>
-              <a:rPr lang="en-US" baseline="0" dirty="0" smtClean="0"/>
-              <a:t> or rethink your approach</a:t>
-            </a:r>
-            <a:endParaRPr lang="en-US" dirty="0" smtClean="0"/>
-          </a:p>
-          <a:p>
-            <a:pPr lvl="1"/>
-            <a:r>
-              <a:rPr lang="en-GB" dirty="0" smtClean="0"/>
-              <a:t>	localizes defects</a:t>
-            </a:r>
-          </a:p>
-          <a:p>
-            <a:pPr lvl="1"/>
-            <a:r>
-              <a:rPr lang="en-GB" dirty="0" smtClean="0"/>
-              <a:t>	detects unintended change</a:t>
-            </a:r>
-          </a:p>
-          <a:p>
-            <a:pPr lvl="1"/>
-            <a:r>
-              <a:rPr lang="en-US" dirty="0" smtClean="0"/>
-              <a:t>	</a:t>
-            </a:r>
-            <a:endParaRPr lang="en-GB" dirty="0" smtClean="0"/>
-          </a:p>
-          <a:p>
-            <a:pPr marL="0" marR="0" indent="0" algn="l" defTabSz="914400" rtl="0" eaLnBrk="1" fontAlgn="auto" latinLnBrk="0" hangingPunct="1">
-              <a:lnSpc>
-                <a:spcPct val="100000"/>
-              </a:lnSpc>
-              <a:spcBef>
-                <a:spcPts val="0"/>
-              </a:spcBef>
-              <a:spcAft>
-                <a:spcPts val="0"/>
-              </a:spcAft>
-              <a:buClrTx/>
-              <a:buSzTx/>
-              <a:buFontTx/>
-              <a:buNone/>
-              <a:tabLst/>
-              <a:defRPr/>
-            </a:pPr>
-            <a:endParaRPr lang="en-US" dirty="0" smtClean="0"/>
-          </a:p>
-          <a:p>
-            <a:r>
-              <a:rPr lang="en-US" dirty="0" smtClean="0"/>
-              <a:t>	</a:t>
-            </a:r>
-            <a:endParaRPr lang="en-GB" dirty="0"/>
+            <a:r>
+              <a:rPr lang="en-US" b="1" dirty="0" smtClean="0"/>
+              <a:t>(Georgi)</a:t>
+            </a:r>
+            <a:endParaRPr lang="en-US" b="1" dirty="0"/>
           </a:p>
         </p:txBody>
       </p:sp>
@@ -1835,7 +2074,7 @@
           <a:p>
             <a:fld id="{3F1331FF-126C-4FC3-9F1A-C541E08AAB65}" type="slidenum">
               <a:rPr lang="en-GB" smtClean="0"/>
-              <a:t>24</a:t>
+              <a:t>17</a:t>
             </a:fld>
             <a:endParaRPr lang="en-GB"/>
           </a:p>
@@ -1844,7 +2083,7 @@
     </p:spTree>
     <p:extLst>
       <p:ext uri="{BB962C8B-B14F-4D97-AF65-F5344CB8AC3E}">
-        <p14:creationId xmlns:p14="http://schemas.microsoft.com/office/powerpoint/2010/main" val="447082675"/>
+        <p14:creationId xmlns:p14="http://schemas.microsoft.com/office/powerpoint/2010/main" val="4060160572"/>
       </p:ext>
     </p:extLst>
   </p:cSld>
@@ -1897,6 +2136,36 @@
         <p:txBody>
           <a:bodyPr/>
           <a:lstStyle/>
+          <a:p>
+            <a:pPr marL="0" marR="0" indent="0" algn="l" defTabSz="914400" rtl="0" eaLnBrk="1" fontAlgn="auto" latinLnBrk="0" hangingPunct="1">
+              <a:lnSpc>
+                <a:spcPct val="100000"/>
+              </a:lnSpc>
+              <a:spcBef>
+                <a:spcPts val="0"/>
+              </a:spcBef>
+              <a:spcAft>
+                <a:spcPts val="0"/>
+              </a:spcAft>
+              <a:buClrTx/>
+              <a:buSzTx/>
+              <a:buFontTx/>
+              <a:buNone/>
+              <a:tabLst/>
+              <a:defRPr/>
+            </a:pPr>
+            <a:r>
+              <a:rPr lang="en-US" b="1" dirty="0" smtClean="0"/>
+              <a:t>(Hristo)</a:t>
+            </a:r>
+          </a:p>
+          <a:p>
+            <a:endParaRPr lang="en-US" altLang="en-US" b="1" dirty="0" smtClean="0">
+              <a:solidFill>
+                <a:srgbClr val="FF0000"/>
+              </a:solidFill>
+            </a:endParaRPr>
+          </a:p>
           <a:p>
             <a:r>
               <a:rPr lang="en-US" altLang="en-US" b="1" dirty="0" smtClean="0">
@@ -2015,6 +2284,32 @@
           <a:bodyPr/>
           <a:lstStyle/>
           <a:p>
+            <a:pPr marL="0" marR="0" indent="0" algn="l" defTabSz="914400" rtl="0" eaLnBrk="1" fontAlgn="auto" latinLnBrk="0" hangingPunct="1">
+              <a:lnSpc>
+                <a:spcPct val="100000"/>
+              </a:lnSpc>
+              <a:spcBef>
+                <a:spcPts val="0"/>
+              </a:spcBef>
+              <a:spcAft>
+                <a:spcPts val="0"/>
+              </a:spcAft>
+              <a:buClrTx/>
+              <a:buSzTx/>
+              <a:buFontTx/>
+              <a:buNone/>
+              <a:tabLst/>
+              <a:defRPr/>
+            </a:pPr>
+            <a:r>
+              <a:rPr lang="en-US" b="1" dirty="0" smtClean="0"/>
+              <a:t>(Hristo)</a:t>
+            </a:r>
+          </a:p>
+          <a:p>
+            <a:endParaRPr lang="en-US" b="1" dirty="0" smtClean="0"/>
+          </a:p>
+          <a:p>
             <a:r>
               <a:rPr lang="en-US" b="1" dirty="0" smtClean="0"/>
               <a:t>Hard to write tests</a:t>
@@ -2058,7 +2353,11 @@
             </a:r>
             <a:r>
               <a:rPr lang="en-US" b="0" baseline="0" dirty="0" smtClean="0"/>
-              <a:t> scenarios are complex</a:t>
+              <a:t> scenarios are </a:t>
+            </a:r>
+            <a:r>
+              <a:rPr lang="en-US" b="0" baseline="0" dirty="0" smtClean="0"/>
+              <a:t>complex</a:t>
             </a:r>
           </a:p>
           <a:p>
@@ -2094,7 +2393,7 @@
           <a:p>
             <a:r>
               <a:rPr lang="en-US" b="0" baseline="0" dirty="0" smtClean="0"/>
-              <a:t>	No reproducible tests</a:t>
+              <a:t>	No reproducible tests or continuous integration</a:t>
             </a:r>
           </a:p>
           <a:p>
@@ -2118,7 +2417,7 @@
           <a:p>
             <a:r>
               <a:rPr lang="en-US" b="0" baseline="0" dirty="0" smtClean="0"/>
-              <a:t>	Direct result of manual testing during development</a:t>
+              <a:t>	Direct result of no tests during development</a:t>
             </a:r>
           </a:p>
           <a:p>
@@ -2226,80 +2525,6 @@
           <a:bodyPr/>
           <a:lstStyle/>
           <a:p>
-            <a:r>
-              <a:rPr lang="en-US" altLang="en-US" b="1" dirty="0" smtClean="0"/>
-              <a:t>Code testability for free</a:t>
-            </a:r>
-          </a:p>
-          <a:p>
-            <a:r>
-              <a:rPr lang="en-US" altLang="en-US" b="1" dirty="0" smtClean="0"/>
-              <a:t>	</a:t>
-            </a:r>
-            <a:r>
-              <a:rPr lang="en-US" altLang="en-US" b="0" dirty="0" smtClean="0"/>
-              <a:t>Tests</a:t>
-            </a:r>
-            <a:r>
-              <a:rPr lang="en-US" altLang="en-US" b="0" baseline="0" dirty="0" smtClean="0"/>
-              <a:t> written before code =&gt; code is naturally testable</a:t>
-            </a:r>
-          </a:p>
-          <a:p>
-            <a:r>
-              <a:rPr lang="en-US" altLang="en-US" b="0" baseline="0" dirty="0" smtClean="0"/>
-              <a:t>	No additional effort to unit test – just follow usual process (TDD)</a:t>
-            </a:r>
-            <a:endParaRPr lang="en-US" altLang="en-US" b="1" dirty="0" smtClean="0"/>
-          </a:p>
-          <a:p>
-            <a:r>
-              <a:rPr lang="en-US" altLang="en-US" b="1" dirty="0" smtClean="0"/>
-              <a:t>Fast test execution</a:t>
-            </a:r>
-          </a:p>
-          <a:p>
-            <a:r>
-              <a:rPr lang="en-US" altLang="en-US" b="1" dirty="0" smtClean="0"/>
-              <a:t>	</a:t>
-            </a:r>
-            <a:r>
-              <a:rPr lang="en-US" altLang="en-US" b="0" dirty="0" smtClean="0"/>
-              <a:t>Tests</a:t>
-            </a:r>
-            <a:r>
-              <a:rPr lang="en-US" altLang="en-US" b="0" baseline="0" dirty="0" smtClean="0"/>
-              <a:t> execute for a fraction of  a second</a:t>
-            </a:r>
-          </a:p>
-          <a:p>
-            <a:r>
-              <a:rPr lang="en-US" altLang="en-US" b="0" baseline="0" dirty="0" smtClean="0"/>
-              <a:t>	Tests do not use real systems, nut test units in isolation</a:t>
-            </a:r>
-            <a:endParaRPr lang="en-US" altLang="en-US" b="1" dirty="0" smtClean="0"/>
-          </a:p>
-          <a:p>
-            <a:r>
-              <a:rPr lang="en-US" altLang="en-US" b="1" dirty="0" smtClean="0"/>
-              <a:t>Controlled development process</a:t>
-            </a:r>
-          </a:p>
-          <a:p>
-            <a:r>
-              <a:rPr lang="en-US" altLang="en-US" b="1" dirty="0" smtClean="0"/>
-              <a:t>	</a:t>
-            </a:r>
-            <a:r>
-              <a:rPr lang="en-US" altLang="en-US" b="0" dirty="0" smtClean="0"/>
-              <a:t>No</a:t>
-            </a:r>
-            <a:r>
-              <a:rPr lang="en-US" altLang="en-US" b="0" baseline="0" dirty="0" smtClean="0"/>
-              <a:t> feature is added without a test for it	</a:t>
-            </a:r>
-          </a:p>
-          <a:p>
             <a:pPr marL="0" marR="0" indent="0" algn="l" defTabSz="914400" rtl="0" eaLnBrk="1" fontAlgn="auto" latinLnBrk="0" hangingPunct="1">
               <a:lnSpc>
                 <a:spcPct val="100000"/>
@@ -2318,8 +2543,108 @@
               <a:defRPr/>
             </a:pPr>
             <a:r>
+              <a:rPr lang="en-US" b="1" dirty="0" smtClean="0"/>
+              <a:t>(Georgi)</a:t>
+            </a:r>
+          </a:p>
+          <a:p>
+            <a:endParaRPr lang="en-US" altLang="en-US" b="1" dirty="0" smtClean="0"/>
+          </a:p>
+          <a:p>
+            <a:r>
+              <a:rPr lang="en-US" altLang="en-US" b="1" dirty="0" smtClean="0"/>
+              <a:t>Code testability for free</a:t>
+            </a:r>
+          </a:p>
+          <a:p>
+            <a:r>
+              <a:rPr lang="en-US" altLang="en-US" b="1" dirty="0" smtClean="0"/>
+              <a:t>	</a:t>
+            </a:r>
+            <a:r>
+              <a:rPr lang="en-US" altLang="en-US" b="0" dirty="0" smtClean="0"/>
+              <a:t>Tests</a:t>
+            </a:r>
+            <a:r>
               <a:rPr lang="en-US" altLang="en-US" b="0" baseline="0" dirty="0" smtClean="0"/>
-              <a:t>	New features get tested early</a:t>
+              <a:t> written before code =&gt; code is naturally testable</a:t>
+            </a:r>
+          </a:p>
+          <a:p>
+            <a:r>
+              <a:rPr lang="en-US" altLang="en-US" b="0" baseline="0" dirty="0" smtClean="0"/>
+              <a:t>	No additional effort to unit test – just follow usual process (TDD)</a:t>
+            </a:r>
+            <a:endParaRPr lang="en-US" altLang="en-US" b="1" dirty="0" smtClean="0"/>
+          </a:p>
+          <a:p>
+            <a:r>
+              <a:rPr lang="en-US" altLang="en-US" b="1" dirty="0" smtClean="0"/>
+              <a:t>Fast test execution</a:t>
+            </a:r>
+          </a:p>
+          <a:p>
+            <a:r>
+              <a:rPr lang="en-US" altLang="en-US" b="1" dirty="0" smtClean="0"/>
+              <a:t>	</a:t>
+            </a:r>
+            <a:r>
+              <a:rPr lang="en-US" altLang="en-US" b="0" dirty="0" smtClean="0"/>
+              <a:t>Tests</a:t>
+            </a:r>
+            <a:r>
+              <a:rPr lang="en-US" altLang="en-US" b="0" baseline="0" dirty="0" smtClean="0"/>
+              <a:t> execute for a fraction of  a second</a:t>
+            </a:r>
+          </a:p>
+          <a:p>
+            <a:r>
+              <a:rPr lang="en-US" altLang="en-US" b="0" baseline="0" dirty="0" smtClean="0"/>
+              <a:t>	Tests do not use real systems, but test units in isolation</a:t>
+            </a:r>
+            <a:endParaRPr lang="en-US" altLang="en-US" b="1" dirty="0" smtClean="0"/>
+          </a:p>
+          <a:p>
+            <a:r>
+              <a:rPr lang="en-US" altLang="en-US" b="1" dirty="0" smtClean="0"/>
+              <a:t>Controlled development process</a:t>
+            </a:r>
+          </a:p>
+          <a:p>
+            <a:r>
+              <a:rPr lang="en-US" altLang="en-US" b="1" dirty="0" smtClean="0"/>
+              <a:t>	</a:t>
+            </a:r>
+            <a:r>
+              <a:rPr lang="en-US" altLang="en-US" b="0" dirty="0" smtClean="0"/>
+              <a:t>No</a:t>
+            </a:r>
+            <a:r>
+              <a:rPr lang="en-US" altLang="en-US" b="0" baseline="0" dirty="0" smtClean="0"/>
+              <a:t> feature is added without a test for it	</a:t>
+            </a:r>
+          </a:p>
+          <a:p>
+            <a:pPr marL="0" marR="0" indent="0" algn="l" defTabSz="914400" rtl="0" eaLnBrk="1" fontAlgn="auto" latinLnBrk="0" hangingPunct="1">
+              <a:lnSpc>
+                <a:spcPct val="100000"/>
+              </a:lnSpc>
+              <a:spcBef>
+                <a:spcPts val="0"/>
+              </a:spcBef>
+              <a:spcAft>
+                <a:spcPts val="0"/>
+              </a:spcAft>
+              <a:buClrTx/>
+              <a:buSzTx/>
+              <a:buFontTx/>
+              <a:buNone/>
+              <a:tabLst/>
+              <a:defRPr/>
+            </a:pPr>
+            <a:r>
+              <a:rPr lang="en-US" altLang="en-US" b="0" baseline="0" dirty="0" smtClean="0"/>
+              <a:t>	New features get tested early (feedback)</a:t>
             </a:r>
             <a:endParaRPr lang="en-US" altLang="en-US" b="1" dirty="0" smtClean="0"/>
           </a:p>
@@ -2453,51 +2778,35 @@
           <a:bodyPr/>
           <a:lstStyle/>
           <a:p>
-            <a:r>
-              <a:rPr lang="en-GB" b="1" dirty="0" smtClean="0"/>
-              <a:t>People</a:t>
-            </a:r>
-            <a:r>
-              <a:rPr lang="en-GB" b="1" baseline="0" dirty="0" smtClean="0"/>
-              <a:t> argue that unit testing takes too much time </a:t>
-            </a:r>
-          </a:p>
-          <a:p>
-            <a:r>
-              <a:rPr lang="en-GB" b="0" baseline="0" dirty="0" smtClean="0"/>
-              <a:t>	It does</a:t>
-            </a:r>
-          </a:p>
-          <a:p>
-            <a:r>
-              <a:rPr lang="en-GB" b="1" baseline="0" dirty="0" smtClean="0"/>
-              <a:t>Do I need to unit test?</a:t>
-            </a:r>
-          </a:p>
-          <a:p>
-            <a:r>
-              <a:rPr lang="en-GB" b="0" baseline="0" dirty="0" smtClean="0"/>
-              <a:t>	Throwaway prototypes probably don’t need to be written TDD</a:t>
-            </a:r>
-            <a:endParaRPr lang="en-GB" b="1" dirty="0" smtClean="0"/>
-          </a:p>
-          <a:p>
-            <a:r>
-              <a:rPr lang="en-GB" b="0" dirty="0" smtClean="0"/>
-              <a:t>	Full scale long lived systems must be thoroughly tested.</a:t>
-            </a:r>
-            <a:endParaRPr lang="en-GB" b="1" dirty="0" smtClean="0"/>
-          </a:p>
-          <a:p>
-            <a:r>
-              <a:rPr lang="en-GB" b="1" dirty="0" smtClean="0"/>
-              <a:t>TDD is an investment that pays off in the long run</a:t>
-            </a:r>
-          </a:p>
-          <a:p>
-            <a:r>
-              <a:rPr lang="en-GB" dirty="0" smtClean="0"/>
-              <a:t>	Exponential vs Linear growth of cost</a:t>
+            <a:pPr marL="0" marR="0" indent="0" algn="l" defTabSz="914400" rtl="0" eaLnBrk="1" fontAlgn="auto" latinLnBrk="0" hangingPunct="1">
+              <a:lnSpc>
+                <a:spcPct val="100000"/>
+              </a:lnSpc>
+              <a:spcBef>
+                <a:spcPts val="0"/>
+              </a:spcBef>
+              <a:spcAft>
+                <a:spcPts val="0"/>
+              </a:spcAft>
+              <a:buClrTx/>
+              <a:buSzTx/>
+              <a:buFontTx/>
+              <a:buNone/>
+              <a:tabLst/>
+              <a:defRPr/>
+            </a:pPr>
+            <a:r>
+              <a:rPr lang="en-US" b="1" dirty="0" smtClean="0"/>
+              <a:t>(Georgi)</a:t>
+            </a:r>
+          </a:p>
+          <a:p>
+            <a:endParaRPr lang="en-US" dirty="0" smtClean="0"/>
+          </a:p>
+          <a:p>
+            <a:r>
+              <a:rPr lang="en-US" dirty="0" smtClean="0"/>
+              <a:t>Executable documentation (BDD)</a:t>
             </a:r>
             <a:endParaRPr lang="en-GB" dirty="0"/>
           </a:p>
@@ -2529,7 +2838,7 @@
     </p:spTree>
     <p:extLst>
       <p:ext uri="{BB962C8B-B14F-4D97-AF65-F5344CB8AC3E}">
-        <p14:creationId xmlns:p14="http://schemas.microsoft.com/office/powerpoint/2010/main" val="2520947473"/>
+        <p14:creationId xmlns:p14="http://schemas.microsoft.com/office/powerpoint/2010/main" val="4232958613"/>
       </p:ext>
     </p:extLst>
   </p:cSld>
@@ -2583,9 +2892,77 @@
           <a:bodyPr/>
           <a:lstStyle/>
           <a:p>
-            <a:r>
-              <a:rPr lang="en-US" dirty="0" smtClean="0"/>
-              <a:t>Executable documentation (BDD)</a:t>
+            <a:pPr marL="0" marR="0" indent="0" algn="l" defTabSz="914400" rtl="0" eaLnBrk="1" fontAlgn="auto" latinLnBrk="0" hangingPunct="1">
+              <a:lnSpc>
+                <a:spcPct val="100000"/>
+              </a:lnSpc>
+              <a:spcBef>
+                <a:spcPts val="0"/>
+              </a:spcBef>
+              <a:spcAft>
+                <a:spcPts val="0"/>
+              </a:spcAft>
+              <a:buClrTx/>
+              <a:buSzTx/>
+              <a:buFontTx/>
+              <a:buNone/>
+              <a:tabLst/>
+              <a:defRPr/>
+            </a:pPr>
+            <a:r>
+              <a:rPr lang="en-US" b="1" dirty="0" smtClean="0"/>
+              <a:t>(Georgi)</a:t>
+            </a:r>
+          </a:p>
+          <a:p>
+            <a:endParaRPr lang="en-GB" b="1" dirty="0" smtClean="0"/>
+          </a:p>
+          <a:p>
+            <a:r>
+              <a:rPr lang="en-GB" b="1" dirty="0" smtClean="0"/>
+              <a:t>People</a:t>
+            </a:r>
+            <a:r>
+              <a:rPr lang="en-GB" b="1" baseline="0" dirty="0" smtClean="0"/>
+              <a:t> argue that unit testing takes too much time </a:t>
+            </a:r>
+          </a:p>
+          <a:p>
+            <a:r>
+              <a:rPr lang="en-GB" b="0" baseline="0" dirty="0" smtClean="0"/>
+              <a:t>	It does</a:t>
+            </a:r>
+          </a:p>
+          <a:p>
+            <a:r>
+              <a:rPr lang="en-GB" b="1" baseline="0" dirty="0" smtClean="0"/>
+              <a:t>Do I need to unit test?</a:t>
+            </a:r>
+          </a:p>
+          <a:p>
+            <a:r>
+              <a:rPr lang="en-GB" b="0" baseline="0" dirty="0" smtClean="0"/>
+              <a:t>	Throwaway prototypes probably don’t need to be written TDD</a:t>
+            </a:r>
+            <a:endParaRPr lang="en-GB" b="1" dirty="0" smtClean="0"/>
+          </a:p>
+          <a:p>
+            <a:r>
+              <a:rPr lang="en-GB" b="0" dirty="0" smtClean="0"/>
+              <a:t>	Full scale long lived systems must be thoroughly tested.</a:t>
+            </a:r>
+            <a:endParaRPr lang="en-GB" b="1" dirty="0" smtClean="0"/>
+          </a:p>
+          <a:p>
+            <a:r>
+              <a:rPr lang="en-GB" b="1" dirty="0" smtClean="0"/>
+              <a:t>TDD is an investment that pays off in the long run</a:t>
+            </a:r>
+          </a:p>
+          <a:p>
+            <a:r>
+              <a:rPr lang="en-GB" dirty="0" smtClean="0"/>
+              <a:t>	Exponential vs Linear growth of cost</a:t>
             </a:r>
             <a:endParaRPr lang="en-GB" dirty="0"/>
           </a:p>
@@ -2617,7 +2994,7 @@
     </p:spTree>
     <p:extLst>
       <p:ext uri="{BB962C8B-B14F-4D97-AF65-F5344CB8AC3E}">
-        <p14:creationId xmlns:p14="http://schemas.microsoft.com/office/powerpoint/2010/main" val="4232958613"/>
+        <p14:creationId xmlns:p14="http://schemas.microsoft.com/office/powerpoint/2010/main" val="2520947473"/>
       </p:ext>
     </p:extLst>
   </p:cSld>
@@ -2671,110 +3048,30 @@
           <a:bodyPr/>
           <a:lstStyle/>
           <a:p>
+            <a:pPr marL="0" marR="0" indent="0" algn="l" defTabSz="914400" rtl="0" eaLnBrk="1" fontAlgn="auto" latinLnBrk="0" hangingPunct="1">
+              <a:lnSpc>
+                <a:spcPct val="100000"/>
+              </a:lnSpc>
+              <a:spcBef>
+                <a:spcPts val="0"/>
+              </a:spcBef>
+              <a:spcAft>
+                <a:spcPts val="0"/>
+              </a:spcAft>
+              <a:buClrTx/>
+              <a:buSzTx/>
+              <a:buFontTx/>
+              <a:buNone/>
+              <a:tabLst/>
+              <a:defRPr/>
+            </a:pPr>
             <a:r>
               <a:rPr lang="en-US" b="1" dirty="0" smtClean="0"/>
-              <a:t>Coding</a:t>
-            </a:r>
-            <a:r>
-              <a:rPr lang="en-US" b="1" baseline="0" dirty="0" smtClean="0"/>
-              <a:t> is like walking on a line</a:t>
-            </a:r>
-            <a:endParaRPr lang="en-US" b="1" dirty="0" smtClean="0"/>
-          </a:p>
-          <a:p>
-            <a:r>
-              <a:rPr lang="en-US" b="0" baseline="0" dirty="0" smtClean="0"/>
-              <a:t>	Balance between adding new features and introducing no regressions</a:t>
-            </a:r>
-          </a:p>
-          <a:p>
-            <a:r>
-              <a:rPr lang="en-US" b="0" baseline="0" dirty="0" smtClean="0"/>
-              <a:t>	Constant danger to lose balance =&gt; fear to make changes</a:t>
-            </a:r>
-          </a:p>
-          <a:p>
-            <a:r>
-              <a:rPr lang="en-US" b="0" baseline="0" dirty="0" smtClean="0"/>
-              <a:t>	Fearful development causes the code to rot and grow out of control</a:t>
-            </a:r>
-          </a:p>
-          <a:p>
-            <a:endParaRPr lang="en-US" b="0" dirty="0" smtClean="0"/>
-          </a:p>
-          <a:p>
-            <a:r>
-              <a:rPr lang="en-US" b="1" dirty="0" smtClean="0"/>
-              <a:t>TDD is your safety net</a:t>
-            </a:r>
-          </a:p>
-          <a:p>
-            <a:r>
-              <a:rPr lang="en-US" b="1" dirty="0" smtClean="0"/>
-              <a:t>	</a:t>
-            </a:r>
-            <a:r>
-              <a:rPr lang="en-US" b="0" dirty="0" smtClean="0"/>
-              <a:t>Anyone</a:t>
-            </a:r>
-            <a:r>
-              <a:rPr lang="en-US" b="0" baseline="0" dirty="0" smtClean="0"/>
-              <a:t> would try walking the line if there is a safety net</a:t>
-            </a:r>
-          </a:p>
-          <a:p>
-            <a:r>
-              <a:rPr lang="en-US" b="0" baseline="0" dirty="0" smtClean="0"/>
-              <a:t>	It becomes fun when you know you’re safe</a:t>
-            </a:r>
-          </a:p>
-          <a:p>
-            <a:r>
-              <a:rPr lang="en-US" b="0" baseline="0" dirty="0" smtClean="0"/>
-              <a:t>	When you have a good test harness coding becomes a fun thing to do.</a:t>
-            </a:r>
-          </a:p>
-          <a:p>
-            <a:r>
-              <a:rPr lang="en-US" b="0" baseline="0" dirty="0" smtClean="0"/>
-              <a:t>	</a:t>
-            </a:r>
-          </a:p>
-          <a:p>
-            <a:r>
-              <a:rPr lang="en-US" b="1" baseline="0" dirty="0" smtClean="0"/>
-              <a:t>However</a:t>
-            </a:r>
-            <a:endParaRPr lang="en-US" b="1" dirty="0" smtClean="0"/>
-          </a:p>
-          <a:p>
-            <a:r>
-              <a:rPr lang="en-US" dirty="0" smtClean="0"/>
-              <a:t>	TDD</a:t>
-            </a:r>
-            <a:r>
-              <a:rPr lang="en-US" baseline="0" dirty="0" smtClean="0"/>
-              <a:t> is no silver bullet – you still need integration tests</a:t>
-            </a:r>
-          </a:p>
-          <a:p>
-            <a:r>
-              <a:rPr lang="en-US" baseline="0" dirty="0" smtClean="0"/>
-              <a:t>	It takes time and effort to build a good harness</a:t>
-            </a:r>
-          </a:p>
-          <a:p>
-            <a:r>
-              <a:rPr lang="en-US" baseline="0" dirty="0" smtClean="0"/>
-              <a:t>	A bad harness does not make a good safety net</a:t>
-            </a:r>
-          </a:p>
-          <a:p>
-            <a:r>
-              <a:rPr lang="en-US" baseline="0" dirty="0" smtClean="0"/>
-              <a:t>	If not applied correctly TDD may not work – openness and willingness to learn and experiment is required</a:t>
-            </a:r>
-            <a:endParaRPr lang="en-US" dirty="0" smtClean="0"/>
+              <a:t>(Hristo)</a:t>
+            </a:r>
+          </a:p>
+          <a:p>
+            <a:endParaRPr lang="en-US" dirty="0"/>
           </a:p>
         </p:txBody>
       </p:sp>
@@ -2795,7 +3092,7 @@
           <a:p>
             <a:fld id="{3F1331FF-126C-4FC3-9F1A-C541E08AAB65}" type="slidenum">
               <a:rPr lang="en-GB" smtClean="0"/>
-              <a:t>10</a:t>
+              <a:t>7</a:t>
             </a:fld>
             <a:endParaRPr lang="en-GB"/>
           </a:p>
@@ -2804,7 +3101,7 @@
     </p:spTree>
     <p:extLst>
       <p:ext uri="{BB962C8B-B14F-4D97-AF65-F5344CB8AC3E}">
-        <p14:creationId xmlns:p14="http://schemas.microsoft.com/office/powerpoint/2010/main" val="2993459532"/>
+        <p14:creationId xmlns:p14="http://schemas.microsoft.com/office/powerpoint/2010/main" val="2392063258"/>
       </p:ext>
     </p:extLst>
   </p:cSld>
@@ -2858,148 +3155,6 @@
           <a:bodyPr/>
           <a:lstStyle/>
           <a:p>
-            <a:r>
-              <a:rPr lang="en-US" b="1" dirty="0" smtClean="0"/>
-              <a:t>Topic Modulation</a:t>
-            </a:r>
-          </a:p>
-          <a:p>
-            <a:r>
-              <a:rPr lang="en-US" b="1" dirty="0" smtClean="0"/>
-              <a:t>	</a:t>
-            </a:r>
-            <a:r>
-              <a:rPr lang="en-US" b="0" dirty="0" smtClean="0"/>
-              <a:t>We</a:t>
-            </a:r>
-            <a:r>
-              <a:rPr lang="en-US" b="0" baseline="0" dirty="0" smtClean="0"/>
-              <a:t> saw a little TDD in previous part with its benefits and its price</a:t>
-            </a:r>
-          </a:p>
-          <a:p>
-            <a:r>
-              <a:rPr lang="en-US" b="0" baseline="0" dirty="0" smtClean="0"/>
-              <a:t>	Can you start immediately doing TDD in the project you’re working on – probably not.</a:t>
-            </a:r>
-          </a:p>
-          <a:p>
-            <a:r>
-              <a:rPr lang="en-US" b="1" baseline="0" dirty="0" smtClean="0"/>
-              <a:t>Filling in the gaps</a:t>
-            </a:r>
-          </a:p>
-          <a:p>
-            <a:r>
-              <a:rPr lang="en-US" b="1" baseline="0" dirty="0" smtClean="0"/>
-              <a:t>	</a:t>
-            </a:r>
-            <a:r>
-              <a:rPr lang="en-US" b="0" baseline="0" dirty="0" smtClean="0"/>
-              <a:t>If we start fresh TDD is relatively easy to pick up</a:t>
-            </a:r>
-          </a:p>
-          <a:p>
-            <a:r>
-              <a:rPr lang="en-US" b="0" baseline="0" dirty="0" smtClean="0"/>
-              <a:t>	What should we do in real projects that were started the old-fashioned way?</a:t>
-            </a:r>
-          </a:p>
-          <a:p>
-            <a:r>
-              <a:rPr lang="en-US" b="1" baseline="0" dirty="0" smtClean="0"/>
-              <a:t>Problems</a:t>
-            </a:r>
-          </a:p>
-          <a:p>
-            <a:r>
-              <a:rPr lang="en-US" b="1" baseline="0" dirty="0" smtClean="0"/>
-              <a:t>	</a:t>
-            </a:r>
-            <a:r>
-              <a:rPr lang="en-US" b="0" baseline="0" dirty="0" smtClean="0"/>
-              <a:t>Code is not testable.</a:t>
-            </a:r>
-          </a:p>
-          <a:p>
-            <a:r>
-              <a:rPr lang="en-US" b="0" baseline="0" dirty="0" smtClean="0"/>
-              <a:t>	We do not understand what the code does.</a:t>
-            </a:r>
-          </a:p>
-          <a:p>
-            <a:r>
-              <a:rPr lang="en-US" b="0" baseline="0" dirty="0" smtClean="0"/>
-              <a:t>	We are afraid to change the code because we may break something.</a:t>
-            </a:r>
-          </a:p>
-          <a:p>
-            <a:r>
-              <a:rPr lang="en-US" b="1" baseline="0" dirty="0" smtClean="0"/>
-              <a:t>Legacy Code = Code without tests</a:t>
-            </a:r>
-          </a:p>
-          <a:p>
-            <a:r>
-              <a:rPr lang="en-US" b="1" baseline="0" dirty="0" smtClean="0"/>
-              <a:t>Codebase with tests</a:t>
-            </a:r>
-          </a:p>
-          <a:p>
-            <a:r>
-              <a:rPr lang="en-US" b="0" baseline="0" dirty="0" smtClean="0"/>
-              <a:t>	Relatively easy to add new tests</a:t>
-            </a:r>
-          </a:p>
-          <a:p>
-            <a:r>
-              <a:rPr lang="en-US" b="0" baseline="0" dirty="0" smtClean="0"/>
-              <a:t>	We can make changes and be relatively sure we are not introducing regression</a:t>
-            </a:r>
-          </a:p>
-          <a:p>
-            <a:r>
-              <a:rPr lang="en-US" b="0" baseline="0" dirty="0" smtClean="0"/>
-              <a:t>	If the codebase is ugly, imperfect, has bugs, </a:t>
-            </a:r>
-            <a:r>
-              <a:rPr lang="en-US" b="0" baseline="0" dirty="0" err="1" smtClean="0"/>
-              <a:t>etc</a:t>
-            </a:r>
-            <a:r>
-              <a:rPr lang="en-US" b="0" baseline="0" dirty="0" smtClean="0"/>
-              <a:t>, we have the confidence to improve it (refactor)</a:t>
-            </a:r>
-          </a:p>
-          <a:p>
-            <a:r>
-              <a:rPr lang="en-US" b="1" baseline="0" dirty="0" smtClean="0"/>
-              <a:t>Codebase without tests</a:t>
-            </a:r>
-          </a:p>
-          <a:p>
-            <a:r>
-              <a:rPr lang="en-US" b="1" baseline="0" dirty="0" smtClean="0"/>
-              <a:t>	</a:t>
-            </a:r>
-            <a:r>
-              <a:rPr lang="en-US" b="0" baseline="0" dirty="0" smtClean="0"/>
-              <a:t>Code not testable, which means it is hard to write tests</a:t>
-            </a:r>
-          </a:p>
-          <a:p>
-            <a:r>
-              <a:rPr lang="en-US" b="0" baseline="0" dirty="0" smtClean="0"/>
-              <a:t>	No tests make it hard to guarantee that we do not introduce regression</a:t>
-            </a:r>
-          </a:p>
-          <a:p>
-            <a:r>
-              <a:rPr lang="en-US" b="0" baseline="0" dirty="0" smtClean="0"/>
-              <a:t>	This make us reluctant and afraid to make changes</a:t>
-            </a:r>
-          </a:p>
-          <a:p>
             <a:pPr marL="0" marR="0" indent="0" algn="l" defTabSz="914400" rtl="0" eaLnBrk="1" fontAlgn="auto" latinLnBrk="0" hangingPunct="1">
               <a:lnSpc>
                 <a:spcPct val="100000"/>
@@ -3018,42 +3173,9 @@
               <a:defRPr/>
             </a:pPr>
             <a:r>
-              <a:rPr lang="en-US" b="0" baseline="0" dirty="0" smtClean="0"/>
-              <a:t>	Fearful development causes the code to rot and grow out of control</a:t>
-            </a:r>
-          </a:p>
-          <a:p>
-            <a:pPr marL="0" marR="0" indent="0" algn="l" defTabSz="914400" rtl="0" eaLnBrk="1" fontAlgn="auto" latinLnBrk="0" hangingPunct="1">
-              <a:lnSpc>
-                <a:spcPct val="100000"/>
-              </a:lnSpc>
-              <a:spcBef>
-                <a:spcPts val="0"/>
-              </a:spcBef>
-              <a:spcAft>
-                <a:spcPts val="0"/>
-              </a:spcAft>
-              <a:buClrTx/>
-              <a:buSzTx/>
-              <a:buFontTx/>
-              <a:buNone/>
-              <a:tabLst/>
-              <a:defRPr/>
-            </a:pPr>
-            <a:r>
-              <a:rPr lang="en-US" b="0" baseline="0" dirty="0" smtClean="0"/>
-              <a:t>	Not to mention that it is not fun at all</a:t>
-            </a:r>
-          </a:p>
-          <a:p>
-            <a:endParaRPr lang="en-US" b="0" baseline="0" dirty="0" smtClean="0"/>
-          </a:p>
-          <a:p>
-            <a:r>
-              <a:rPr lang="en-US" b="0" baseline="0" dirty="0" smtClean="0"/>
-              <a:t>	</a:t>
-            </a:r>
-            <a:endParaRPr lang="en-US" b="1" baseline="0" dirty="0" smtClean="0"/>
+              <a:rPr lang="en-US" b="1" dirty="0" smtClean="0"/>
+              <a:t>(Hristo)</a:t>
+            </a:r>
           </a:p>
           <a:p>
             <a:endParaRPr lang="en-US" dirty="0"/>
@@ -3077,7 +3199,7 @@
           <a:p>
             <a:fld id="{3F1331FF-126C-4FC3-9F1A-C541E08AAB65}" type="slidenum">
               <a:rPr lang="en-GB" smtClean="0"/>
-              <a:t>11</a:t>
+              <a:t>8</a:t>
             </a:fld>
             <a:endParaRPr lang="en-GB"/>
           </a:p>
@@ -3086,7 +3208,7 @@
     </p:spTree>
     <p:extLst>
       <p:ext uri="{BB962C8B-B14F-4D97-AF65-F5344CB8AC3E}">
-        <p14:creationId xmlns:p14="http://schemas.microsoft.com/office/powerpoint/2010/main" val="1675783699"/>
+        <p14:creationId xmlns:p14="http://schemas.microsoft.com/office/powerpoint/2010/main" val="3300127822"/>
       </p:ext>
     </p:extLst>
   </p:cSld>
@@ -3140,189 +3262,30 @@
           <a:bodyPr/>
           <a:lstStyle/>
           <a:p>
+            <a:pPr marL="0" marR="0" indent="0" algn="l" defTabSz="914400" rtl="0" eaLnBrk="1" fontAlgn="auto" latinLnBrk="0" hangingPunct="1">
+              <a:lnSpc>
+                <a:spcPct val="100000"/>
+              </a:lnSpc>
+              <a:spcBef>
+                <a:spcPts val="0"/>
+              </a:spcBef>
+              <a:spcAft>
+                <a:spcPts val="0"/>
+              </a:spcAft>
+              <a:buClrTx/>
+              <a:buSzTx/>
+              <a:buFontTx/>
+              <a:buNone/>
+              <a:tabLst/>
+              <a:defRPr/>
+            </a:pPr>
             <a:r>
               <a:rPr lang="en-US" b="1" dirty="0" smtClean="0"/>
-              <a:t>Make code testable</a:t>
-            </a:r>
-          </a:p>
-          <a:p>
-            <a:r>
-              <a:rPr lang="en-US" dirty="0" smtClean="0"/>
-              <a:t>	Dependency</a:t>
-            </a:r>
-            <a:r>
-              <a:rPr lang="en-US" baseline="0" dirty="0" smtClean="0"/>
-              <a:t> breaking techniques</a:t>
-            </a:r>
-            <a:r>
-              <a:rPr lang="en-US" dirty="0" smtClean="0"/>
-              <a:t> - Dependency Injection, Argument Primitivisation, Stubbs</a:t>
-            </a:r>
-            <a:r>
-              <a:rPr lang="en-US" baseline="0" dirty="0" smtClean="0"/>
-              <a:t> &amp; Mocks</a:t>
-            </a:r>
-          </a:p>
-          <a:p>
-            <a:r>
-              <a:rPr lang="en-US" baseline="0" dirty="0" smtClean="0"/>
-              <a:t>	Test the smallest possible unit in isolation – minimalistic tests are cheaper to write and maintain</a:t>
-            </a:r>
-          </a:p>
-          <a:p>
-            <a:r>
-              <a:rPr lang="en-US" baseline="0" dirty="0" smtClean="0"/>
-              <a:t>	If a unit cannot be easily isolated test the smallest possible system of units</a:t>
-            </a:r>
-          </a:p>
-          <a:p>
-            <a:r>
-              <a:rPr lang="en-US" baseline="0" dirty="0" smtClean="0"/>
-              <a:t>	Make small and conservative changes – we do not have tests yet, so change can be dangerous</a:t>
-            </a:r>
-          </a:p>
-          <a:p>
-            <a:pPr lvl="1"/>
-            <a:r>
-              <a:rPr lang="en-US" dirty="0" smtClean="0"/>
-              <a:t>	Testability over Aesthetics:	code might look uglier, but it should be testable</a:t>
-            </a:r>
-          </a:p>
-          <a:p>
-            <a:r>
-              <a:rPr lang="en-US" b="1" dirty="0" smtClean="0"/>
-              <a:t>Capture behaviour</a:t>
-            </a:r>
-          </a:p>
-          <a:p>
-            <a:r>
-              <a:rPr lang="en-US" dirty="0" smtClean="0"/>
-              <a:t>	Write tests that capture</a:t>
-            </a:r>
-            <a:r>
-              <a:rPr lang="en-US" baseline="0" dirty="0" smtClean="0"/>
-              <a:t> how the system behaves</a:t>
-            </a:r>
-          </a:p>
-          <a:p>
-            <a:r>
-              <a:rPr lang="en-US" baseline="0" dirty="0" smtClean="0"/>
-              <a:t>	Do not fix bugs yet – bugs are part of the code’s behaviour</a:t>
-            </a:r>
-          </a:p>
-          <a:p>
-            <a:r>
-              <a:rPr lang="en-US" b="1" baseline="0" dirty="0" smtClean="0"/>
-              <a:t>Refactor</a:t>
-            </a:r>
-          </a:p>
-          <a:p>
-            <a:r>
-              <a:rPr lang="en-US" b="1" baseline="0" dirty="0" smtClean="0"/>
-              <a:t>	</a:t>
-            </a:r>
-            <a:r>
-              <a:rPr lang="en-US" b="0" baseline="0" dirty="0" smtClean="0"/>
-              <a:t>Once the system is tested we may want to do some refactoring</a:t>
-            </a:r>
-          </a:p>
-          <a:p>
-            <a:r>
-              <a:rPr lang="en-US" b="0" baseline="0" dirty="0" smtClean="0"/>
-              <a:t>	It can improve code’s aesthetics (make it cleaner, more readable)</a:t>
-            </a:r>
-          </a:p>
-          <a:p>
-            <a:r>
-              <a:rPr lang="en-US" b="0" baseline="0" dirty="0" smtClean="0"/>
-              <a:t>	It can adapt the design so that the new feature will be easier to implement</a:t>
-            </a:r>
-            <a:endParaRPr lang="en-US" b="1" baseline="0" dirty="0" smtClean="0"/>
-          </a:p>
-          <a:p>
-            <a:r>
-              <a:rPr lang="en-US" b="1" dirty="0" smtClean="0"/>
-              <a:t>Add new features</a:t>
-            </a:r>
-          </a:p>
-          <a:p>
-            <a:r>
-              <a:rPr lang="en-US" dirty="0" smtClean="0"/>
-              <a:t>	Write</a:t>
-            </a:r>
-            <a:r>
-              <a:rPr lang="en-US" baseline="0" dirty="0" smtClean="0"/>
-              <a:t> a test for the new feature before the code</a:t>
-            </a:r>
-          </a:p>
-          <a:p>
-            <a:r>
-              <a:rPr lang="en-US" b="0" baseline="0" dirty="0" smtClean="0"/>
-              <a:t>	Make sure that the new test fails</a:t>
-            </a:r>
-          </a:p>
-          <a:p>
-            <a:r>
-              <a:rPr lang="en-US" b="0" baseline="0" dirty="0" smtClean="0"/>
-              <a:t>	Step by step add code that implements the feature until tests run green</a:t>
-            </a:r>
-          </a:p>
-          <a:p>
-            <a:r>
-              <a:rPr lang="en-US" b="0" baseline="0" dirty="0" smtClean="0"/>
-              <a:t>	Take small steps – they are easy to revert if you happen to introduce regression</a:t>
-            </a:r>
-          </a:p>
-          <a:p>
-            <a:r>
-              <a:rPr lang="en-US" b="0" baseline="0" dirty="0" smtClean="0"/>
-              <a:t>	Execute tests after each small change, so that you know you didn’t break anything</a:t>
-            </a:r>
-          </a:p>
-          <a:p>
-            <a:r>
-              <a:rPr lang="en-US" b="1" baseline="0" dirty="0" smtClean="0"/>
-              <a:t>Scope Of Testing: Do you have to put the whole system into a harness in one go?</a:t>
-            </a:r>
-          </a:p>
-          <a:p>
-            <a:r>
-              <a:rPr lang="en-US" b="1" baseline="0" dirty="0" smtClean="0"/>
-              <a:t>	</a:t>
-            </a:r>
-            <a:r>
-              <a:rPr lang="en-US" b="0" baseline="0" dirty="0" smtClean="0"/>
-              <a:t>Change is usually feature driven</a:t>
-            </a:r>
-          </a:p>
-          <a:p>
-            <a:r>
-              <a:rPr lang="en-US" b="0" baseline="0" dirty="0" smtClean="0"/>
-              <a:t>	Identify the change points of what you are trying to do</a:t>
-            </a:r>
-          </a:p>
-          <a:p>
-            <a:r>
-              <a:rPr lang="en-US" b="0" baseline="0" dirty="0" smtClean="0"/>
-              <a:t>	Test the system around the change points</a:t>
-            </a:r>
-            <a:endParaRPr lang="en-US" b="1" baseline="0" dirty="0" smtClean="0"/>
-          </a:p>
-          <a:p>
-            <a:r>
-              <a:rPr lang="en-US" b="0" baseline="0" dirty="0" smtClean="0"/>
-              <a:t>	Add new feature with tests</a:t>
-            </a:r>
-          </a:p>
-          <a:p>
-            <a:r>
-              <a:rPr lang="en-US" b="1" baseline="0" dirty="0" smtClean="0"/>
-              <a:t>	</a:t>
-            </a:r>
-            <a:r>
-              <a:rPr lang="en-US" b="0" baseline="0" dirty="0" smtClean="0"/>
-              <a:t>Gradually islands of tested code will emerge. Eventually these islands will grow and form continents.</a:t>
-            </a:r>
+              <a:t>(Hristo)</a:t>
+            </a:r>
+          </a:p>
+          <a:p>
+            <a:endParaRPr lang="en-US" dirty="0"/>
           </a:p>
         </p:txBody>
       </p:sp>
@@ -3343,7 +3306,7 @@
           <a:p>
             <a:fld id="{3F1331FF-126C-4FC3-9F1A-C541E08AAB65}" type="slidenum">
               <a:rPr lang="en-GB" smtClean="0"/>
-              <a:t>12</a:t>
+              <a:t>9</a:t>
             </a:fld>
             <a:endParaRPr lang="en-GB"/>
           </a:p>
@@ -3352,7 +3315,7 @@
     </p:spTree>
     <p:extLst>
       <p:ext uri="{BB962C8B-B14F-4D97-AF65-F5344CB8AC3E}">
-        <p14:creationId xmlns:p14="http://schemas.microsoft.com/office/powerpoint/2010/main" val="4126437750"/>
+        <p14:creationId xmlns:p14="http://schemas.microsoft.com/office/powerpoint/2010/main" val="2392063258"/>
       </p:ext>
     </p:extLst>
   </p:cSld>
@@ -3543,7 +3506,7 @@
           <a:p>
             <a:fld id="{85BC1F4D-59B5-447D-A3E9-B3DA201CA772}" type="datetimeFigureOut">
               <a:rPr lang="en-GB" smtClean="0"/>
-              <a:t>12/11/2014</a:t>
+              <a:t>17/11/2014</a:t>
             </a:fld>
             <a:endParaRPr lang="en-GB"/>
           </a:p>
@@ -3713,7 +3676,7 @@
           <a:p>
             <a:fld id="{85BC1F4D-59B5-447D-A3E9-B3DA201CA772}" type="datetimeFigureOut">
               <a:rPr lang="en-GB" smtClean="0"/>
-              <a:t>12/11/2014</a:t>
+              <a:t>17/11/2014</a:t>
             </a:fld>
             <a:endParaRPr lang="en-GB"/>
           </a:p>
@@ -3893,7 +3856,7 @@
           <a:p>
             <a:fld id="{85BC1F4D-59B5-447D-A3E9-B3DA201CA772}" type="datetimeFigureOut">
               <a:rPr lang="en-GB" smtClean="0"/>
-              <a:t>12/11/2014</a:t>
+              <a:t>17/11/2014</a:t>
             </a:fld>
             <a:endParaRPr lang="en-GB"/>
           </a:p>
@@ -4063,7 +4026,7 @@
           <a:p>
             <a:fld id="{85BC1F4D-59B5-447D-A3E9-B3DA201CA772}" type="datetimeFigureOut">
               <a:rPr lang="en-GB" smtClean="0"/>
-              <a:t>12/11/2014</a:t>
+              <a:t>17/11/2014</a:t>
             </a:fld>
             <a:endParaRPr lang="en-GB"/>
           </a:p>
@@ -4309,7 +4272,7 @@
           <a:p>
             <a:fld id="{85BC1F4D-59B5-447D-A3E9-B3DA201CA772}" type="datetimeFigureOut">
               <a:rPr lang="en-GB" smtClean="0"/>
-              <a:t>12/11/2014</a:t>
+              <a:t>17/11/2014</a:t>
             </a:fld>
             <a:endParaRPr lang="en-GB"/>
           </a:p>
@@ -4597,7 +4560,7 @@
           <a:p>
             <a:fld id="{85BC1F4D-59B5-447D-A3E9-B3DA201CA772}" type="datetimeFigureOut">
               <a:rPr lang="en-GB" smtClean="0"/>
-              <a:t>12/11/2014</a:t>
+              <a:t>17/11/2014</a:t>
             </a:fld>
             <a:endParaRPr lang="en-GB"/>
           </a:p>
@@ -5019,7 +4982,7 @@
           <a:p>
             <a:fld id="{85BC1F4D-59B5-447D-A3E9-B3DA201CA772}" type="datetimeFigureOut">
               <a:rPr lang="en-GB" smtClean="0"/>
-              <a:t>12/11/2014</a:t>
+              <a:t>17/11/2014</a:t>
             </a:fld>
             <a:endParaRPr lang="en-GB"/>
           </a:p>
@@ -5137,7 +5100,7 @@
           <a:p>
             <a:fld id="{85BC1F4D-59B5-447D-A3E9-B3DA201CA772}" type="datetimeFigureOut">
               <a:rPr lang="en-GB" smtClean="0"/>
-              <a:t>12/11/2014</a:t>
+              <a:t>17/11/2014</a:t>
             </a:fld>
             <a:endParaRPr lang="en-GB"/>
           </a:p>
@@ -5232,7 +5195,7 @@
           <a:p>
             <a:fld id="{85BC1F4D-59B5-447D-A3E9-B3DA201CA772}" type="datetimeFigureOut">
               <a:rPr lang="en-GB" smtClean="0"/>
-              <a:t>12/11/2014</a:t>
+              <a:t>17/11/2014</a:t>
             </a:fld>
             <a:endParaRPr lang="en-GB"/>
           </a:p>
@@ -5509,7 +5472,7 @@
           <a:p>
             <a:fld id="{85BC1F4D-59B5-447D-A3E9-B3DA201CA772}" type="datetimeFigureOut">
               <a:rPr lang="en-GB" smtClean="0"/>
-              <a:t>12/11/2014</a:t>
+              <a:t>17/11/2014</a:t>
             </a:fld>
             <a:endParaRPr lang="en-GB"/>
           </a:p>
@@ -5762,7 +5725,7 @@
           <a:p>
             <a:fld id="{85BC1F4D-59B5-447D-A3E9-B3DA201CA772}" type="datetimeFigureOut">
               <a:rPr lang="en-GB" smtClean="0"/>
-              <a:t>12/11/2014</a:t>
+              <a:t>17/11/2014</a:t>
             </a:fld>
             <a:endParaRPr lang="en-GB"/>
           </a:p>
@@ -5975,7 +5938,7 @@
           <a:p>
             <a:fld id="{85BC1F4D-59B5-447D-A3E9-B3DA201CA772}" type="datetimeFigureOut">
               <a:rPr lang="en-GB" smtClean="0"/>
-              <a:t>12/11/2014</a:t>
+              <a:t>17/11/2014</a:t>
             </a:fld>
             <a:endParaRPr lang="en-GB"/>
           </a:p>
@@ -6711,8 +6674,13 @@
           <a:p>
             <a:r>
               <a:rPr lang="en-US" dirty="0" smtClean="0"/>
-              <a:t>Capture behaviour</a:t>
-            </a:r>
+              <a:t>Capture </a:t>
+            </a:r>
+            <a:r>
+              <a:rPr lang="en-US" dirty="0" err="1" smtClean="0"/>
+              <a:t>behaviour</a:t>
+            </a:r>
+            <a:endParaRPr lang="en-US" dirty="0" smtClean="0"/>
           </a:p>
           <a:p>
             <a:r>
@@ -6751,7 +6719,226 @@
   <p:timing>
     <p:tnLst>
       <p:par>
-        <p:cTn id="1" dur="indefinite" restart="never" nodeType="tmRoot"/>
+        <p:cTn id="1" dur="indefinite" restart="never" nodeType="tmRoot">
+          <p:childTnLst>
+            <p:seq concurrent="1" nextAc="seek">
+              <p:cTn id="2" dur="indefinite" nodeType="mainSeq">
+                <p:childTnLst>
+                  <p:par>
+                    <p:cTn id="3" fill="hold">
+                      <p:stCondLst>
+                        <p:cond delay="indefinite"/>
+                      </p:stCondLst>
+                      <p:childTnLst>
+                        <p:par>
+                          <p:cTn id="4" fill="hold">
+                            <p:stCondLst>
+                              <p:cond delay="0"/>
+                            </p:stCondLst>
+                            <p:childTnLst>
+                              <p:par>
+                                <p:cTn id="5" presetID="1" presetClass="entr" presetSubtype="0" fill="hold" nodeType="clickEffect">
+                                  <p:stCondLst>
+                                    <p:cond delay="0"/>
+                                  </p:stCondLst>
+                                  <p:childTnLst>
+                                    <p:set>
+                                      <p:cBhvr>
+                                        <p:cTn id="6" dur="1" fill="hold">
+                                          <p:stCondLst>
+                                            <p:cond delay="0"/>
+                                          </p:stCondLst>
+                                        </p:cTn>
+                                        <p:tgtEl>
+                                          <p:spTgt spid="3">
+                                            <p:txEl>
+                                              <p:pRg st="0" end="0"/>
+                                            </p:txEl>
+                                          </p:spTgt>
+                                        </p:tgtEl>
+                                        <p:attrNameLst>
+                                          <p:attrName>style.visibility</p:attrName>
+                                        </p:attrNameLst>
+                                      </p:cBhvr>
+                                      <p:to>
+                                        <p:strVal val="visible"/>
+                                      </p:to>
+                                    </p:set>
+                                  </p:childTnLst>
+                                </p:cTn>
+                              </p:par>
+                            </p:childTnLst>
+                          </p:cTn>
+                        </p:par>
+                      </p:childTnLst>
+                    </p:cTn>
+                  </p:par>
+                  <p:par>
+                    <p:cTn id="7" fill="hold">
+                      <p:stCondLst>
+                        <p:cond delay="indefinite"/>
+                      </p:stCondLst>
+                      <p:childTnLst>
+                        <p:par>
+                          <p:cTn id="8" fill="hold">
+                            <p:stCondLst>
+                              <p:cond delay="0"/>
+                            </p:stCondLst>
+                            <p:childTnLst>
+                              <p:par>
+                                <p:cTn id="9" presetID="1" presetClass="entr" presetSubtype="0" fill="hold" nodeType="clickEffect">
+                                  <p:stCondLst>
+                                    <p:cond delay="0"/>
+                                  </p:stCondLst>
+                                  <p:childTnLst>
+                                    <p:set>
+                                      <p:cBhvr>
+                                        <p:cTn id="10" dur="1" fill="hold">
+                                          <p:stCondLst>
+                                            <p:cond delay="0"/>
+                                          </p:stCondLst>
+                                        </p:cTn>
+                                        <p:tgtEl>
+                                          <p:spTgt spid="3">
+                                            <p:txEl>
+                                              <p:pRg st="1" end="1"/>
+                                            </p:txEl>
+                                          </p:spTgt>
+                                        </p:tgtEl>
+                                        <p:attrNameLst>
+                                          <p:attrName>style.visibility</p:attrName>
+                                        </p:attrNameLst>
+                                      </p:cBhvr>
+                                      <p:to>
+                                        <p:strVal val="visible"/>
+                                      </p:to>
+                                    </p:set>
+                                  </p:childTnLst>
+                                </p:cTn>
+                              </p:par>
+                            </p:childTnLst>
+                          </p:cTn>
+                        </p:par>
+                      </p:childTnLst>
+                    </p:cTn>
+                  </p:par>
+                  <p:par>
+                    <p:cTn id="11" fill="hold">
+                      <p:stCondLst>
+                        <p:cond delay="indefinite"/>
+                      </p:stCondLst>
+                      <p:childTnLst>
+                        <p:par>
+                          <p:cTn id="12" fill="hold">
+                            <p:stCondLst>
+                              <p:cond delay="0"/>
+                            </p:stCondLst>
+                            <p:childTnLst>
+                              <p:par>
+                                <p:cTn id="13" presetID="1" presetClass="entr" presetSubtype="0" fill="hold" nodeType="clickEffect">
+                                  <p:stCondLst>
+                                    <p:cond delay="0"/>
+                                  </p:stCondLst>
+                                  <p:childTnLst>
+                                    <p:set>
+                                      <p:cBhvr>
+                                        <p:cTn id="14" dur="1" fill="hold">
+                                          <p:stCondLst>
+                                            <p:cond delay="0"/>
+                                          </p:stCondLst>
+                                        </p:cTn>
+                                        <p:tgtEl>
+                                          <p:spTgt spid="3">
+                                            <p:txEl>
+                                              <p:pRg st="2" end="2"/>
+                                            </p:txEl>
+                                          </p:spTgt>
+                                        </p:tgtEl>
+                                        <p:attrNameLst>
+                                          <p:attrName>style.visibility</p:attrName>
+                                        </p:attrNameLst>
+                                      </p:cBhvr>
+                                      <p:to>
+                                        <p:strVal val="visible"/>
+                                      </p:to>
+                                    </p:set>
+                                  </p:childTnLst>
+                                </p:cTn>
+                              </p:par>
+                            </p:childTnLst>
+                          </p:cTn>
+                        </p:par>
+                      </p:childTnLst>
+                    </p:cTn>
+                  </p:par>
+                  <p:par>
+                    <p:cTn id="15" fill="hold">
+                      <p:stCondLst>
+                        <p:cond delay="indefinite"/>
+                      </p:stCondLst>
+                      <p:childTnLst>
+                        <p:par>
+                          <p:cTn id="16" fill="hold">
+                            <p:stCondLst>
+                              <p:cond delay="0"/>
+                            </p:stCondLst>
+                            <p:childTnLst>
+                              <p:par>
+                                <p:cTn id="17" presetID="1" presetClass="entr" presetSubtype="0" fill="hold" nodeType="clickEffect">
+                                  <p:stCondLst>
+                                    <p:cond delay="0"/>
+                                  </p:stCondLst>
+                                  <p:childTnLst>
+                                    <p:set>
+                                      <p:cBhvr>
+                                        <p:cTn id="18" dur="1" fill="hold">
+                                          <p:stCondLst>
+                                            <p:cond delay="0"/>
+                                          </p:stCondLst>
+                                        </p:cTn>
+                                        <p:tgtEl>
+                                          <p:spTgt spid="3">
+                                            <p:txEl>
+                                              <p:pRg st="3" end="3"/>
+                                            </p:txEl>
+                                          </p:spTgt>
+                                        </p:tgtEl>
+                                        <p:attrNameLst>
+                                          <p:attrName>style.visibility</p:attrName>
+                                        </p:attrNameLst>
+                                      </p:cBhvr>
+                                      <p:to>
+                                        <p:strVal val="visible"/>
+                                      </p:to>
+                                    </p:set>
+                                  </p:childTnLst>
+                                </p:cTn>
+                              </p:par>
+                            </p:childTnLst>
+                          </p:cTn>
+                        </p:par>
+                      </p:childTnLst>
+                    </p:cTn>
+                  </p:par>
+                </p:childTnLst>
+              </p:cTn>
+              <p:prevCondLst>
+                <p:cond evt="onPrev" delay="0">
+                  <p:tgtEl>
+                    <p:sldTgt/>
+                  </p:tgtEl>
+                </p:cond>
+              </p:prevCondLst>
+              <p:nextCondLst>
+                <p:cond evt="onNext" delay="0">
+                  <p:tgtEl>
+                    <p:sldTgt/>
+                  </p:tgtEl>
+                </p:cond>
+              </p:nextCondLst>
+            </p:seq>
+          </p:childTnLst>
+        </p:cTn>
       </p:par>
     </p:tnLst>
   </p:timing>
@@ -6785,14 +6972,112 @@
             <p:ph type="title"/>
           </p:nvPr>
         </p:nvSpPr>
-        <p:spPr/>
+        <p:spPr>
+          <a:xfrm>
+            <a:off x="457200" y="269776"/>
+            <a:ext cx="8229600" cy="1143000"/>
+          </a:xfrm>
+        </p:spPr>
         <p:txBody>
           <a:bodyPr/>
           <a:lstStyle/>
           <a:p>
             <a:r>
               <a:rPr lang="en-US" dirty="0" smtClean="0"/>
-              <a:t>Your turn … 1/3</a:t>
+              <a:t>Example</a:t>
+            </a:r>
+            <a:endParaRPr lang="en-GB" dirty="0"/>
+          </a:p>
+        </p:txBody>
+      </p:sp>
+      <p:pic>
+        <p:nvPicPr>
+          <p:cNvPr id="11" name="Content Placeholder 10"/>
+          <p:cNvPicPr>
+            <a:picLocks noGrp="1" noChangeAspect="1"/>
+          </p:cNvPicPr>
+          <p:nvPr>
+            <p:ph idx="1"/>
+          </p:nvPr>
+        </p:nvPicPr>
+        <p:blipFill>
+          <a:blip r:embed="rId3">
+            <a:extLst>
+              <a:ext uri="{28A0092B-C50C-407E-A947-70E740481C1C}">
+                <a14:useLocalDpi xmlns:a14="http://schemas.microsoft.com/office/drawing/2010/main" val="0"/>
+              </a:ext>
+            </a:extLst>
+          </a:blip>
+          <a:stretch>
+            <a:fillRect/>
+          </a:stretch>
+        </p:blipFill>
+        <p:spPr>
+          <a:xfrm>
+            <a:off x="-29096" y="1196752"/>
+            <a:ext cx="9173096" cy="4536504"/>
+          </a:xfrm>
+        </p:spPr>
+      </p:pic>
+    </p:spTree>
+    <p:extLst>
+      <p:ext uri="{BB962C8B-B14F-4D97-AF65-F5344CB8AC3E}">
+        <p14:creationId xmlns:p14="http://schemas.microsoft.com/office/powerpoint/2010/main" val="4121852257"/>
+      </p:ext>
+    </p:extLst>
+  </p:cSld>
+  <p:clrMapOvr>
+    <a:masterClrMapping/>
+  </p:clrMapOvr>
+  <p:timing>
+    <p:tnLst>
+      <p:par>
+        <p:cTn id="1" dur="indefinite" restart="never" nodeType="tmRoot"/>
+      </p:par>
+    </p:tnLst>
+  </p:timing>
+</p:sld>
+</file>
+
+<file path=ppt/slides/slide14.xml><?xml version="1.0" encoding="utf-8"?>
+<p:sld xmlns:a="http://schemas.openxmlformats.org/drawingml/2006/main" xmlns:r="http://schemas.openxmlformats.org/officeDocument/2006/relationships" xmlns:p="http://schemas.openxmlformats.org/presentationml/2006/main">
+  <p:cSld>
+    <p:spTree>
+      <p:nvGrpSpPr>
+        <p:cNvPr id="1" name=""/>
+        <p:cNvGrpSpPr/>
+        <p:nvPr/>
+      </p:nvGrpSpPr>
+      <p:grpSpPr>
+        <a:xfrm>
+          <a:off x="0" y="0"/>
+          <a:ext cx="0" cy="0"/>
+          <a:chOff x="0" y="0"/>
+          <a:chExt cx="0" cy="0"/>
+        </a:xfrm>
+      </p:grpSpPr>
+      <p:sp>
+        <p:nvSpPr>
+          <p:cNvPr id="2" name="Title 1"/>
+          <p:cNvSpPr>
+            <a:spLocks noGrp="1"/>
+          </p:cNvSpPr>
+          <p:nvPr>
+            <p:ph type="title"/>
+          </p:nvPr>
+        </p:nvSpPr>
+        <p:spPr/>
+        <p:txBody>
+          <a:bodyPr/>
+          <a:lstStyle/>
+          <a:p>
+            <a:r>
+              <a:rPr lang="en-US" dirty="0" smtClean="0"/>
+              <a:t>Your turn … </a:t>
+            </a:r>
+            <a:r>
+              <a:rPr lang="en-US" dirty="0" smtClean="0"/>
+              <a:t>1/2</a:t>
             </a:r>
             <a:endParaRPr lang="en-GB" dirty="0"/>
           </a:p>
@@ -6907,159 +7192,7 @@
     </p:spTree>
     <p:extLst>
       <p:ext uri="{BB962C8B-B14F-4D97-AF65-F5344CB8AC3E}">
-        <p14:creationId xmlns:p14="http://schemas.microsoft.com/office/powerpoint/2010/main" val="4121852257"/>
-      </p:ext>
-    </p:extLst>
-  </p:cSld>
-  <p:clrMapOvr>
-    <a:masterClrMapping/>
-  </p:clrMapOvr>
-  <p:timing>
-    <p:tnLst>
-      <p:par>
-        <p:cTn id="1" dur="indefinite" restart="never" nodeType="tmRoot"/>
-      </p:par>
-    </p:tnLst>
-  </p:timing>
-</p:sld>
-</file>
-
-<file path=ppt/slides/slide14.xml><?xml version="1.0" encoding="utf-8"?>
-<p:sld xmlns:a="http://schemas.openxmlformats.org/drawingml/2006/main" xmlns:r="http://schemas.openxmlformats.org/officeDocument/2006/relationships" xmlns:p="http://schemas.openxmlformats.org/presentationml/2006/main">
-  <p:cSld>
-    <p:spTree>
-      <p:nvGrpSpPr>
-        <p:cNvPr id="1" name=""/>
-        <p:cNvGrpSpPr/>
-        <p:nvPr/>
-      </p:nvGrpSpPr>
-      <p:grpSpPr>
-        <a:xfrm>
-          <a:off x="0" y="0"/>
-          <a:ext cx="0" cy="0"/>
-          <a:chOff x="0" y="0"/>
-          <a:chExt cx="0" cy="0"/>
-        </a:xfrm>
-      </p:grpSpPr>
-      <p:sp>
-        <p:nvSpPr>
-          <p:cNvPr id="2" name="Title 1"/>
-          <p:cNvSpPr>
-            <a:spLocks noGrp="1"/>
-          </p:cNvSpPr>
-          <p:nvPr>
-            <p:ph type="title"/>
-          </p:nvPr>
-        </p:nvSpPr>
-        <p:spPr/>
-        <p:txBody>
-          <a:bodyPr/>
-          <a:lstStyle/>
-          <a:p>
-            <a:r>
-              <a:rPr lang="en-US" dirty="0" smtClean="0"/>
-              <a:t>Your turn … 2/3</a:t>
-            </a:r>
-            <a:endParaRPr lang="en-GB" dirty="0"/>
-          </a:p>
-        </p:txBody>
-      </p:sp>
-      <p:sp>
-        <p:nvSpPr>
-          <p:cNvPr id="3" name="Content Placeholder 2"/>
-          <p:cNvSpPr>
-            <a:spLocks noGrp="1"/>
-          </p:cNvSpPr>
-          <p:nvPr>
-            <p:ph idx="1"/>
-          </p:nvPr>
-        </p:nvSpPr>
-        <p:spPr/>
-        <p:txBody>
-          <a:bodyPr>
-            <a:normAutofit/>
-          </a:bodyPr>
-          <a:lstStyle/>
-          <a:p>
-            <a:r>
-              <a:rPr lang="en-US" dirty="0" smtClean="0"/>
-              <a:t>What to do?</a:t>
-            </a:r>
-          </a:p>
-          <a:p>
-            <a:pPr lvl="1"/>
-            <a:r>
-              <a:rPr lang="en-US" dirty="0" smtClean="0"/>
-              <a:t>Refactor</a:t>
-            </a:r>
-          </a:p>
-          <a:p>
-            <a:r>
-              <a:rPr lang="en-US" dirty="0" smtClean="0"/>
-              <a:t>How?</a:t>
-            </a:r>
-          </a:p>
-          <a:p>
-            <a:pPr lvl="1"/>
-            <a:r>
-              <a:rPr lang="en-US" dirty="0" smtClean="0"/>
-              <a:t>Dependency injection</a:t>
-            </a:r>
-          </a:p>
-          <a:p>
-            <a:pPr lvl="1"/>
-            <a:r>
-              <a:rPr lang="en-US" dirty="0" smtClean="0"/>
-              <a:t>Simplify arguments</a:t>
-            </a:r>
-          </a:p>
-        </p:txBody>
-      </p:sp>
-      <p:pic>
-        <p:nvPicPr>
-          <p:cNvPr id="4" name="Picture 2" descr="C:\Users\i024099\AppData\Local\Microsoft\Windows\Temporary Internet Files\Content.IE5\DFQQ12XG\MP900414068[1].jpg"/>
-          <p:cNvPicPr>
-            <a:picLocks noChangeAspect="1" noChangeArrowheads="1"/>
-          </p:cNvPicPr>
-          <p:nvPr/>
-        </p:nvPicPr>
-        <p:blipFill>
-          <a:blip r:embed="rId3" cstate="print">
-            <a:extLst>
-              <a:ext uri="{28A0092B-C50C-407E-A947-70E740481C1C}">
-                <a14:useLocalDpi xmlns:a14="http://schemas.microsoft.com/office/drawing/2010/main" val="0"/>
-              </a:ext>
-            </a:extLst>
-          </a:blip>
-          <a:srcRect/>
-          <a:stretch>
-            <a:fillRect/>
-          </a:stretch>
-        </p:blipFill>
-        <p:spPr bwMode="auto">
-          <a:xfrm>
-            <a:off x="4716016" y="1916832"/>
-            <a:ext cx="4091533" cy="3273227"/>
-          </a:xfrm>
-          <a:prstGeom prst="rect">
-            <a:avLst/>
-          </a:prstGeom>
-          <a:noFill/>
-          <a:extLst>
-            <a:ext uri="{909E8E84-426E-40DD-AFC4-6F175D3DCCD1}">
-              <a14:hiddenFill xmlns:a14="http://schemas.microsoft.com/office/drawing/2010/main">
-                <a:solidFill>
-                  <a:srgbClr val="FFFFFF"/>
-                </a:solidFill>
-              </a14:hiddenFill>
-            </a:ext>
-          </a:extLst>
-        </p:spPr>
-      </p:pic>
-    </p:spTree>
-    <p:extLst>
-      <p:ext uri="{BB962C8B-B14F-4D97-AF65-F5344CB8AC3E}">
-        <p14:creationId xmlns:p14="http://schemas.microsoft.com/office/powerpoint/2010/main" val="3917878295"/>
+        <p14:creationId xmlns:p14="http://schemas.microsoft.com/office/powerpoint/2010/main" val="332054639"/>
       </p:ext>
     </p:extLst>
   </p:cSld>
@@ -7113,12 +7246,8 @@
               <a:t>Your turn … </a:t>
             </a:r>
             <a:r>
-              <a:rPr lang="en-US" dirty="0"/>
-              <a:t>3</a:t>
-            </a:r>
-            <a:r>
               <a:rPr lang="en-US" dirty="0" smtClean="0"/>
-              <a:t>/3</a:t>
+              <a:t>2/2</a:t>
             </a:r>
             <a:endParaRPr lang="en-GB" dirty="0"/>
           </a:p>
@@ -7164,6 +7293,13 @@
             <a:r>
               <a:rPr lang="en-US" dirty="0" smtClean="0"/>
               <a:t>TDD</a:t>
+            </a:r>
+          </a:p>
+          <a:p>
+            <a:pPr lvl="1"/>
+            <a:r>
+              <a:rPr lang="en-US" dirty="0" smtClean="0"/>
+              <a:t>Refactoring</a:t>
             </a:r>
             <a:endParaRPr lang="en-US" dirty="0"/>
           </a:p>
@@ -7296,7 +7432,7 @@
               <a:buNone/>
             </a:pPr>
             <a:endParaRPr lang="en-GB" dirty="0" smtClean="0">
-              <a:hlinkClick r:id="rId2"/>
+              <a:hlinkClick r:id="rId3"/>
             </a:endParaRPr>
           </a:p>
           <a:p>
@@ -7304,7 +7440,7 @@
               <a:buNone/>
             </a:pPr>
             <a:endParaRPr lang="en-GB" dirty="0">
-              <a:hlinkClick r:id="rId2"/>
+              <a:hlinkClick r:id="rId3"/>
             </a:endParaRPr>
           </a:p>
           <a:p>
@@ -7312,7 +7448,7 @@
               <a:buNone/>
             </a:pPr>
             <a:endParaRPr lang="en-GB" dirty="0" smtClean="0">
-              <a:hlinkClick r:id="rId2"/>
+              <a:hlinkClick r:id="rId3"/>
             </a:endParaRPr>
           </a:p>
           <a:p>
@@ -7321,19 +7457,19 @@
             </a:pPr>
             <a:r>
               <a:rPr lang="en-GB" dirty="0" smtClean="0">
-                <a:hlinkClick r:id="rId2"/>
+                <a:hlinkClick r:id="rId3"/>
               </a:rPr>
               <a:t>https</a:t>
             </a:r>
             <a:r>
               <a:rPr lang="en-GB" dirty="0">
-                <a:hlinkClick r:id="rId2"/>
+                <a:hlinkClick r:id="rId3"/>
               </a:rPr>
               <a:t>://</a:t>
             </a:r>
             <a:r>
               <a:rPr lang="en-GB" dirty="0" smtClean="0">
-                <a:hlinkClick r:id="rId2"/>
+                <a:hlinkClick r:id="rId3"/>
               </a:rPr>
               <a:t>github.com/gsabev/ista2014</a:t>
             </a:r>
@@ -7357,6 +7493,13 @@
   <p:clrMapOvr>
     <a:masterClrMapping/>
   </p:clrMapOvr>
+  <p:timing>
+    <p:tnLst>
+      <p:par>
+        <p:cTn id="1" dur="indefinite" restart="never" nodeType="tmRoot"/>
+      </p:par>
+    </p:tnLst>
+  </p:timing>
 </p:sld>
 </file>
 
@@ -7409,7 +7552,7 @@
           <p:nvPr/>
         </p:nvPicPr>
         <p:blipFill>
-          <a:blip r:embed="rId2">
+          <a:blip r:embed="rId3">
             <a:extLst>
               <a:ext uri="{28A0092B-C50C-407E-A947-70E740481C1C}">
                 <a14:useLocalDpi xmlns:a14="http://schemas.microsoft.com/office/drawing/2010/main" val="0"/>
@@ -7457,7 +7600,7 @@
           <p:nvPr/>
         </p:nvPicPr>
         <p:blipFill>
-          <a:blip r:embed="rId3">
+          <a:blip r:embed="rId4">
             <a:extLst>
               <a:ext uri="{28A0092B-C50C-407E-A947-70E740481C1C}">
                 <a14:useLocalDpi xmlns:a14="http://schemas.microsoft.com/office/drawing/2010/main" val="0"/>
@@ -7510,7 +7653,7 @@
           <p:nvPr/>
         </p:nvPicPr>
         <p:blipFill>
-          <a:blip r:embed="rId4" cstate="print">
+          <a:blip r:embed="rId5" cstate="print">
             <a:extLst>
               <a:ext uri="{28A0092B-C50C-407E-A947-70E740481C1C}">
                 <a14:useLocalDpi xmlns:a14="http://schemas.microsoft.com/office/drawing/2010/main" val="0"/>
@@ -7569,271 +7712,6 @@
 </p:sld>
 </file>
 
-<file path=ppt/slides/slide18.xml><?xml version="1.0" encoding="utf-8"?>
-<p:sld xmlns:a="http://schemas.openxmlformats.org/drawingml/2006/main" xmlns:r="http://schemas.openxmlformats.org/officeDocument/2006/relationships" xmlns:p="http://schemas.openxmlformats.org/presentationml/2006/main">
-  <p:cSld>
-    <p:spTree>
-      <p:nvGrpSpPr>
-        <p:cNvPr id="1" name=""/>
-        <p:cNvGrpSpPr/>
-        <p:nvPr/>
-      </p:nvGrpSpPr>
-      <p:grpSpPr>
-        <a:xfrm>
-          <a:off x="0" y="0"/>
-          <a:ext cx="0" cy="0"/>
-          <a:chOff x="0" y="0"/>
-          <a:chExt cx="0" cy="0"/>
-        </a:xfrm>
-      </p:grpSpPr>
-      <p:sp>
-        <p:nvSpPr>
-          <p:cNvPr id="2" name="Title 1"/>
-          <p:cNvSpPr>
-            <a:spLocks noGrp="1"/>
-          </p:cNvSpPr>
-          <p:nvPr>
-            <p:ph type="title"/>
-          </p:nvPr>
-        </p:nvSpPr>
-        <p:spPr/>
-        <p:txBody>
-          <a:bodyPr/>
-          <a:lstStyle/>
-          <a:p>
-            <a:r>
-              <a:rPr lang="en-US" dirty="0" smtClean="0"/>
-              <a:t>Refactoring</a:t>
-            </a:r>
-            <a:endParaRPr lang="en-GB" dirty="0"/>
-          </a:p>
-        </p:txBody>
-      </p:sp>
-      <p:sp>
-        <p:nvSpPr>
-          <p:cNvPr id="3" name="Content Placeholder 2"/>
-          <p:cNvSpPr>
-            <a:spLocks noGrp="1"/>
-          </p:cNvSpPr>
-          <p:nvPr>
-            <p:ph idx="1"/>
-          </p:nvPr>
-        </p:nvSpPr>
-        <p:spPr/>
-        <p:txBody>
-          <a:bodyPr>
-            <a:normAutofit/>
-          </a:bodyPr>
-          <a:lstStyle/>
-          <a:p>
-            <a:pPr marL="0" indent="0" algn="just">
-              <a:buNone/>
-            </a:pPr>
-            <a:endParaRPr lang="en-US" dirty="0" smtClean="0"/>
-          </a:p>
-          <a:p>
-            <a:pPr marL="0" indent="0" algn="ctr">
-              <a:buNone/>
-            </a:pPr>
-            <a:endParaRPr lang="en-US" dirty="0" smtClean="0"/>
-          </a:p>
-          <a:p>
-            <a:pPr marL="0" indent="0" algn="ctr">
-              <a:buNone/>
-            </a:pPr>
-            <a:endParaRPr lang="en-GB" sz="4000" b="1" dirty="0" smtClean="0"/>
-          </a:p>
-          <a:p>
-            <a:pPr marL="0" indent="0" algn="ctr">
-              <a:buNone/>
-            </a:pPr>
-            <a:r>
-              <a:rPr lang="en-GB" sz="4000" b="1" dirty="0" smtClean="0"/>
-              <a:t>Improves the design</a:t>
-            </a:r>
-          </a:p>
-        </p:txBody>
-      </p:sp>
-    </p:spTree>
-    <p:extLst>
-      <p:ext uri="{BB962C8B-B14F-4D97-AF65-F5344CB8AC3E}">
-        <p14:creationId xmlns:p14="http://schemas.microsoft.com/office/powerpoint/2010/main" val="3616500080"/>
-      </p:ext>
-    </p:extLst>
-  </p:cSld>
-  <p:clrMapOvr>
-    <a:masterClrMapping/>
-  </p:clrMapOvr>
-  <p:timing>
-    <p:tnLst>
-      <p:par>
-        <p:cTn id="1" dur="indefinite" restart="never" nodeType="tmRoot"/>
-      </p:par>
-    </p:tnLst>
-  </p:timing>
-</p:sld>
-</file>
-
-<file path=ppt/slides/slide19.xml><?xml version="1.0" encoding="utf-8"?>
-<p:sld xmlns:a="http://schemas.openxmlformats.org/drawingml/2006/main" xmlns:r="http://schemas.openxmlformats.org/officeDocument/2006/relationships" xmlns:p="http://schemas.openxmlformats.org/presentationml/2006/main">
-  <p:cSld>
-    <p:spTree>
-      <p:nvGrpSpPr>
-        <p:cNvPr id="1" name=""/>
-        <p:cNvGrpSpPr/>
-        <p:nvPr/>
-      </p:nvGrpSpPr>
-      <p:grpSpPr>
-        <a:xfrm>
-          <a:off x="0" y="0"/>
-          <a:ext cx="0" cy="0"/>
-          <a:chOff x="0" y="0"/>
-          <a:chExt cx="0" cy="0"/>
-        </a:xfrm>
-      </p:grpSpPr>
-      <p:sp>
-        <p:nvSpPr>
-          <p:cNvPr id="2" name="Title 1"/>
-          <p:cNvSpPr>
-            <a:spLocks noGrp="1"/>
-          </p:cNvSpPr>
-          <p:nvPr>
-            <p:ph type="title"/>
-          </p:nvPr>
-        </p:nvSpPr>
-        <p:spPr/>
-        <p:txBody>
-          <a:bodyPr/>
-          <a:lstStyle/>
-          <a:p>
-            <a:r>
-              <a:rPr lang="en-US" dirty="0" smtClean="0"/>
-              <a:t>Your turn …</a:t>
-            </a:r>
-            <a:endParaRPr lang="en-GB" dirty="0"/>
-          </a:p>
-        </p:txBody>
-      </p:sp>
-      <p:sp>
-        <p:nvSpPr>
-          <p:cNvPr id="3" name="Content Placeholder 2"/>
-          <p:cNvSpPr>
-            <a:spLocks noGrp="1"/>
-          </p:cNvSpPr>
-          <p:nvPr>
-            <p:ph idx="1"/>
-          </p:nvPr>
-        </p:nvSpPr>
-        <p:spPr/>
-        <p:txBody>
-          <a:bodyPr>
-            <a:normAutofit/>
-          </a:bodyPr>
-          <a:lstStyle/>
-          <a:p>
-            <a:r>
-              <a:rPr lang="en-US" dirty="0" smtClean="0"/>
-              <a:t>What to do?</a:t>
-            </a:r>
-          </a:p>
-          <a:p>
-            <a:pPr lvl="1"/>
-            <a:r>
-              <a:rPr lang="en-US" dirty="0" smtClean="0"/>
-              <a:t>Resize Set on add</a:t>
-            </a:r>
-          </a:p>
-          <a:p>
-            <a:r>
-              <a:rPr lang="en-US" dirty="0" smtClean="0"/>
-              <a:t>How?</a:t>
-            </a:r>
-          </a:p>
-          <a:p>
-            <a:pPr lvl="1"/>
-            <a:r>
-              <a:rPr lang="en-US" dirty="0"/>
-              <a:t>O</a:t>
-            </a:r>
-            <a:r>
-              <a:rPr lang="en-US" dirty="0" smtClean="0"/>
-              <a:t>nly if needed</a:t>
-            </a:r>
-          </a:p>
-          <a:p>
-            <a:pPr lvl="1"/>
-            <a:r>
-              <a:rPr lang="en-US" dirty="0" smtClean="0"/>
-              <a:t>Small steps (TDD)</a:t>
-            </a:r>
-          </a:p>
-          <a:p>
-            <a:pPr lvl="2"/>
-            <a:endParaRPr lang="en-GB" dirty="0"/>
-          </a:p>
-        </p:txBody>
-      </p:sp>
-      <p:pic>
-        <p:nvPicPr>
-          <p:cNvPr id="4" name="Picture 2" descr="C:\Users\i024099\AppData\Local\Microsoft\Windows\Temporary Internet Files\Content.IE5\DFQQ12XG\MP900414068[1].jpg"/>
-          <p:cNvPicPr>
-            <a:picLocks noChangeAspect="1" noChangeArrowheads="1"/>
-          </p:cNvPicPr>
-          <p:nvPr/>
-        </p:nvPicPr>
-        <p:blipFill>
-          <a:blip r:embed="rId2" cstate="print">
-            <a:extLst>
-              <a:ext uri="{28A0092B-C50C-407E-A947-70E740481C1C}">
-                <a14:useLocalDpi xmlns:a14="http://schemas.microsoft.com/office/drawing/2010/main" val="0"/>
-              </a:ext>
-            </a:extLst>
-          </a:blip>
-          <a:srcRect/>
-          <a:stretch>
-            <a:fillRect/>
-          </a:stretch>
-        </p:blipFill>
-        <p:spPr bwMode="auto">
-          <a:xfrm>
-            <a:off x="4716016" y="1916832"/>
-            <a:ext cx="4091533" cy="3273227"/>
-          </a:xfrm>
-          <a:prstGeom prst="rect">
-            <a:avLst/>
-          </a:prstGeom>
-          <a:noFill/>
-          <a:extLst>
-            <a:ext uri="{909E8E84-426E-40DD-AFC4-6F175D3DCCD1}">
-              <a14:hiddenFill xmlns:a14="http://schemas.microsoft.com/office/drawing/2010/main">
-                <a:solidFill>
-                  <a:srgbClr val="FFFFFF"/>
-                </a:solidFill>
-              </a14:hiddenFill>
-            </a:ext>
-          </a:extLst>
-        </p:spPr>
-      </p:pic>
-    </p:spTree>
-    <p:extLst>
-      <p:ext uri="{BB962C8B-B14F-4D97-AF65-F5344CB8AC3E}">
-        <p14:creationId xmlns:p14="http://schemas.microsoft.com/office/powerpoint/2010/main" val="3041885288"/>
-      </p:ext>
-    </p:extLst>
-  </p:cSld>
-  <p:clrMapOvr>
-    <a:masterClrMapping/>
-  </p:clrMapOvr>
-  <p:timing>
-    <p:tnLst>
-      <p:par>
-        <p:cTn id="1" dur="indefinite" restart="never" nodeType="tmRoot"/>
-      </p:par>
-    </p:tnLst>
-  </p:timing>
-</p:sld>
-</file>
-
 <file path=ppt/slides/slide2.xml><?xml version="1.0" encoding="utf-8"?>
 <p:sld xmlns:a="http://schemas.openxmlformats.org/drawingml/2006/main" xmlns:r="http://schemas.openxmlformats.org/officeDocument/2006/relationships" xmlns:p="http://schemas.openxmlformats.org/presentationml/2006/main">
   <p:cSld>
@@ -7936,661 +7814,6 @@
     <p:extLst>
       <p:ext uri="{BB962C8B-B14F-4D97-AF65-F5344CB8AC3E}">
         <p14:creationId xmlns:p14="http://schemas.microsoft.com/office/powerpoint/2010/main" val="96995213"/>
-      </p:ext>
-    </p:extLst>
-  </p:cSld>
-  <p:clrMapOvr>
-    <a:masterClrMapping/>
-  </p:clrMapOvr>
-  <p:timing>
-    <p:tnLst>
-      <p:par>
-        <p:cTn id="1" dur="indefinite" restart="never" nodeType="tmRoot"/>
-      </p:par>
-    </p:tnLst>
-  </p:timing>
-</p:sld>
-</file>
-
-<file path=ppt/slides/slide20.xml><?xml version="1.0" encoding="utf-8"?>
-<p:sld xmlns:a="http://schemas.openxmlformats.org/drawingml/2006/main" xmlns:r="http://schemas.openxmlformats.org/officeDocument/2006/relationships" xmlns:p="http://schemas.openxmlformats.org/presentationml/2006/main">
-  <p:cSld>
-    <p:spTree>
-      <p:nvGrpSpPr>
-        <p:cNvPr id="1" name=""/>
-        <p:cNvGrpSpPr/>
-        <p:nvPr/>
-      </p:nvGrpSpPr>
-      <p:grpSpPr>
-        <a:xfrm>
-          <a:off x="0" y="0"/>
-          <a:ext cx="0" cy="0"/>
-          <a:chOff x="0" y="0"/>
-          <a:chExt cx="0" cy="0"/>
-        </a:xfrm>
-      </p:grpSpPr>
-      <p:sp>
-        <p:nvSpPr>
-          <p:cNvPr id="2" name="Title 1"/>
-          <p:cNvSpPr>
-            <a:spLocks noGrp="1"/>
-          </p:cNvSpPr>
-          <p:nvPr>
-            <p:ph type="title"/>
-          </p:nvPr>
-        </p:nvSpPr>
-        <p:spPr/>
-        <p:txBody>
-          <a:bodyPr/>
-          <a:lstStyle/>
-          <a:p>
-            <a:r>
-              <a:rPr lang="en-US" dirty="0" smtClean="0"/>
-              <a:t>Refactoring replay</a:t>
-            </a:r>
-            <a:endParaRPr lang="en-GB" dirty="0"/>
-          </a:p>
-        </p:txBody>
-      </p:sp>
-      <p:sp>
-        <p:nvSpPr>
-          <p:cNvPr id="3" name="Content Placeholder 2"/>
-          <p:cNvSpPr>
-            <a:spLocks noGrp="1"/>
-          </p:cNvSpPr>
-          <p:nvPr>
-            <p:ph idx="1"/>
-          </p:nvPr>
-        </p:nvSpPr>
-        <p:spPr/>
-        <p:txBody>
-          <a:bodyPr>
-            <a:normAutofit/>
-          </a:bodyPr>
-          <a:lstStyle/>
-          <a:p>
-            <a:r>
-              <a:rPr lang="en-US" dirty="0" smtClean="0"/>
-              <a:t>Refactor ≠ Rewrite</a:t>
-            </a:r>
-          </a:p>
-          <a:p>
-            <a:r>
-              <a:rPr lang="en-US" dirty="0" smtClean="0"/>
-              <a:t>Run existing tests</a:t>
-            </a:r>
-          </a:p>
-          <a:p>
-            <a:r>
-              <a:rPr lang="en-US" dirty="0" smtClean="0"/>
-              <a:t>Take small steps</a:t>
-            </a:r>
-          </a:p>
-          <a:p>
-            <a:pPr marL="457200" lvl="1" indent="0">
-              <a:buNone/>
-            </a:pPr>
-            <a:endParaRPr lang="en-US" dirty="0" smtClean="0"/>
-          </a:p>
-        </p:txBody>
-      </p:sp>
-      <p:pic>
-        <p:nvPicPr>
-          <p:cNvPr id="4" name="Picture 3" descr="C:\Users\i024099\AppData\Local\Microsoft\Windows\Temporary Internet Files\Content.IE5\DFQQ12XG\MP900401301[1].jpg"/>
-          <p:cNvPicPr>
-            <a:picLocks noChangeAspect="1" noChangeArrowheads="1"/>
-          </p:cNvPicPr>
-          <p:nvPr/>
-        </p:nvPicPr>
-        <p:blipFill>
-          <a:blip r:embed="rId3" cstate="print">
-            <a:extLst>
-              <a:ext uri="{28A0092B-C50C-407E-A947-70E740481C1C}">
-                <a14:useLocalDpi xmlns:a14="http://schemas.microsoft.com/office/drawing/2010/main" val="0"/>
-              </a:ext>
-            </a:extLst>
-          </a:blip>
-          <a:srcRect/>
-          <a:stretch>
-            <a:fillRect/>
-          </a:stretch>
-        </p:blipFill>
-        <p:spPr bwMode="auto">
-          <a:xfrm>
-            <a:off x="5796136" y="4062670"/>
-            <a:ext cx="3159454" cy="2527564"/>
-          </a:xfrm>
-          <a:prstGeom prst="rect">
-            <a:avLst/>
-          </a:prstGeom>
-          <a:noFill/>
-          <a:extLst>
-            <a:ext uri="{909E8E84-426E-40DD-AFC4-6F175D3DCCD1}">
-              <a14:hiddenFill xmlns:a14="http://schemas.microsoft.com/office/drawing/2010/main">
-                <a:solidFill>
-                  <a:srgbClr val="FFFFFF"/>
-                </a:solidFill>
-              </a14:hiddenFill>
-            </a:ext>
-          </a:extLst>
-        </p:spPr>
-      </p:pic>
-    </p:spTree>
-    <p:extLst>
-      <p:ext uri="{BB962C8B-B14F-4D97-AF65-F5344CB8AC3E}">
-        <p14:creationId xmlns:p14="http://schemas.microsoft.com/office/powerpoint/2010/main" val="2977976142"/>
-      </p:ext>
-    </p:extLst>
-  </p:cSld>
-  <p:clrMapOvr>
-    <a:masterClrMapping/>
-  </p:clrMapOvr>
-  <p:timing>
-    <p:tnLst>
-      <p:par>
-        <p:cTn id="1" dur="indefinite" restart="never" nodeType="tmRoot"/>
-      </p:par>
-    </p:tnLst>
-  </p:timing>
-</p:sld>
-</file>
-
-<file path=ppt/slides/slide21.xml><?xml version="1.0" encoding="utf-8"?>
-<p:sld xmlns:a="http://schemas.openxmlformats.org/drawingml/2006/main" xmlns:r="http://schemas.openxmlformats.org/officeDocument/2006/relationships" xmlns:p="http://schemas.openxmlformats.org/presentationml/2006/main">
-  <p:cSld>
-    <p:spTree>
-      <p:nvGrpSpPr>
-        <p:cNvPr id="1" name=""/>
-        <p:cNvGrpSpPr/>
-        <p:nvPr/>
-      </p:nvGrpSpPr>
-      <p:grpSpPr>
-        <a:xfrm>
-          <a:off x="0" y="0"/>
-          <a:ext cx="0" cy="0"/>
-          <a:chOff x="0" y="0"/>
-          <a:chExt cx="0" cy="0"/>
-        </a:xfrm>
-      </p:grpSpPr>
-      <p:sp>
-        <p:nvSpPr>
-          <p:cNvPr id="2" name="Title 1"/>
-          <p:cNvSpPr>
-            <a:spLocks noGrp="1"/>
-          </p:cNvSpPr>
-          <p:nvPr>
-            <p:ph type="title"/>
-          </p:nvPr>
-        </p:nvSpPr>
-        <p:spPr/>
-        <p:txBody>
-          <a:bodyPr/>
-          <a:lstStyle/>
-          <a:p>
-            <a:r>
-              <a:rPr lang="en-US" dirty="0" smtClean="0"/>
-              <a:t>Spike</a:t>
-            </a:r>
-            <a:endParaRPr lang="en-GB" dirty="0"/>
-          </a:p>
-        </p:txBody>
-      </p:sp>
-      <p:sp>
-        <p:nvSpPr>
-          <p:cNvPr id="3" name="Content Placeholder 2"/>
-          <p:cNvSpPr>
-            <a:spLocks noGrp="1"/>
-          </p:cNvSpPr>
-          <p:nvPr>
-            <p:ph idx="1"/>
-          </p:nvPr>
-        </p:nvSpPr>
-        <p:spPr/>
-        <p:txBody>
-          <a:bodyPr>
-            <a:normAutofit/>
-          </a:bodyPr>
-          <a:lstStyle/>
-          <a:p>
-            <a:pPr marL="0" indent="0" algn="ctr">
-              <a:buNone/>
-            </a:pPr>
-            <a:endParaRPr lang="en-GB" dirty="0" smtClean="0"/>
-          </a:p>
-          <a:p>
-            <a:pPr marL="0" indent="0" algn="ctr">
-              <a:buNone/>
-            </a:pPr>
-            <a:endParaRPr lang="en-GB" dirty="0"/>
-          </a:p>
-          <a:p>
-            <a:pPr marL="0" indent="0" algn="ctr">
-              <a:buNone/>
-            </a:pPr>
-            <a:endParaRPr lang="en-GB" dirty="0" smtClean="0"/>
-          </a:p>
-          <a:p>
-            <a:pPr marL="0" indent="0" algn="ctr">
-              <a:buNone/>
-            </a:pPr>
-            <a:r>
-              <a:rPr lang="en-GB" sz="3600" b="1" dirty="0" smtClean="0"/>
-              <a:t>Figure out tough technical or design problems</a:t>
-            </a:r>
-          </a:p>
-        </p:txBody>
-      </p:sp>
-    </p:spTree>
-    <p:extLst>
-      <p:ext uri="{BB962C8B-B14F-4D97-AF65-F5344CB8AC3E}">
-        <p14:creationId xmlns:p14="http://schemas.microsoft.com/office/powerpoint/2010/main" val="1876190192"/>
-      </p:ext>
-    </p:extLst>
-  </p:cSld>
-  <p:clrMapOvr>
-    <a:masterClrMapping/>
-  </p:clrMapOvr>
-  <p:timing>
-    <p:tnLst>
-      <p:par>
-        <p:cTn id="1" dur="indefinite" restart="never" nodeType="tmRoot"/>
-      </p:par>
-    </p:tnLst>
-  </p:timing>
-</p:sld>
-</file>
-
-<file path=ppt/slides/slide22.xml><?xml version="1.0" encoding="utf-8"?>
-<p:sld xmlns:a="http://schemas.openxmlformats.org/drawingml/2006/main" xmlns:r="http://schemas.openxmlformats.org/officeDocument/2006/relationships" xmlns:p="http://schemas.openxmlformats.org/presentationml/2006/main">
-  <p:cSld>
-    <p:spTree>
-      <p:nvGrpSpPr>
-        <p:cNvPr id="1" name=""/>
-        <p:cNvGrpSpPr/>
-        <p:nvPr/>
-      </p:nvGrpSpPr>
-      <p:grpSpPr>
-        <a:xfrm>
-          <a:off x="0" y="0"/>
-          <a:ext cx="0" cy="0"/>
-          <a:chOff x="0" y="0"/>
-          <a:chExt cx="0" cy="0"/>
-        </a:xfrm>
-      </p:grpSpPr>
-      <p:sp>
-        <p:nvSpPr>
-          <p:cNvPr id="2" name="Title 1"/>
-          <p:cNvSpPr>
-            <a:spLocks noGrp="1"/>
-          </p:cNvSpPr>
-          <p:nvPr>
-            <p:ph type="title"/>
-          </p:nvPr>
-        </p:nvSpPr>
-        <p:spPr/>
-        <p:txBody>
-          <a:bodyPr/>
-          <a:lstStyle/>
-          <a:p>
-            <a:r>
-              <a:rPr lang="en-US" dirty="0" smtClean="0"/>
-              <a:t>Spike</a:t>
-            </a:r>
-            <a:endParaRPr lang="en-GB" dirty="0"/>
-          </a:p>
-        </p:txBody>
-      </p:sp>
-      <p:sp>
-        <p:nvSpPr>
-          <p:cNvPr id="3" name="Content Placeholder 2"/>
-          <p:cNvSpPr>
-            <a:spLocks noGrp="1"/>
-          </p:cNvSpPr>
-          <p:nvPr>
-            <p:ph idx="1"/>
-          </p:nvPr>
-        </p:nvSpPr>
-        <p:spPr/>
-        <p:txBody>
-          <a:bodyPr>
-            <a:normAutofit/>
-          </a:bodyPr>
-          <a:lstStyle/>
-          <a:p>
-            <a:endParaRPr lang="en-GB" dirty="0" smtClean="0"/>
-          </a:p>
-          <a:p>
-            <a:r>
-              <a:rPr lang="en-GB" dirty="0" smtClean="0"/>
-              <a:t>Very </a:t>
-            </a:r>
-            <a:r>
-              <a:rPr lang="en-GB" dirty="0"/>
-              <a:t>simple program</a:t>
-            </a:r>
-          </a:p>
-          <a:p>
-            <a:r>
-              <a:rPr lang="en-GB" dirty="0"/>
-              <a:t>N</a:t>
-            </a:r>
-            <a:r>
-              <a:rPr lang="en-GB" dirty="0" smtClean="0"/>
-              <a:t>ot </a:t>
-            </a:r>
-            <a:r>
-              <a:rPr lang="en-GB" dirty="0"/>
-              <a:t>good enough to keep</a:t>
-            </a:r>
-          </a:p>
-          <a:p>
-            <a:r>
-              <a:rPr lang="en-US" dirty="0" smtClean="0"/>
-              <a:t>Risk/Estimation management</a:t>
-            </a:r>
-            <a:endParaRPr lang="en-GB" dirty="0"/>
-          </a:p>
-          <a:p>
-            <a:endParaRPr lang="en-GB" dirty="0"/>
-          </a:p>
-          <a:p>
-            <a:endParaRPr lang="en-GB" dirty="0"/>
-          </a:p>
-        </p:txBody>
-      </p:sp>
-    </p:spTree>
-    <p:extLst>
-      <p:ext uri="{BB962C8B-B14F-4D97-AF65-F5344CB8AC3E}">
-        <p14:creationId xmlns:p14="http://schemas.microsoft.com/office/powerpoint/2010/main" val="1237427179"/>
-      </p:ext>
-    </p:extLst>
-  </p:cSld>
-  <p:clrMapOvr>
-    <a:masterClrMapping/>
-  </p:clrMapOvr>
-  <p:timing>
-    <p:tnLst>
-      <p:par>
-        <p:cTn id="1" dur="indefinite" restart="never" nodeType="tmRoot"/>
-      </p:par>
-    </p:tnLst>
-  </p:timing>
-</p:sld>
-</file>
-
-<file path=ppt/slides/slide23.xml><?xml version="1.0" encoding="utf-8"?>
-<p:sld xmlns:a="http://schemas.openxmlformats.org/drawingml/2006/main" xmlns:r="http://schemas.openxmlformats.org/officeDocument/2006/relationships" xmlns:p="http://schemas.openxmlformats.org/presentationml/2006/main">
-  <p:cSld>
-    <p:spTree>
-      <p:nvGrpSpPr>
-        <p:cNvPr id="1" name=""/>
-        <p:cNvGrpSpPr/>
-        <p:nvPr/>
-      </p:nvGrpSpPr>
-      <p:grpSpPr>
-        <a:xfrm>
-          <a:off x="0" y="0"/>
-          <a:ext cx="0" cy="0"/>
-          <a:chOff x="0" y="0"/>
-          <a:chExt cx="0" cy="0"/>
-        </a:xfrm>
-      </p:grpSpPr>
-      <p:sp>
-        <p:nvSpPr>
-          <p:cNvPr id="2" name="Title 1"/>
-          <p:cNvSpPr>
-            <a:spLocks noGrp="1"/>
-          </p:cNvSpPr>
-          <p:nvPr>
-            <p:ph type="title"/>
-          </p:nvPr>
-        </p:nvSpPr>
-        <p:spPr/>
-        <p:txBody>
-          <a:bodyPr/>
-          <a:lstStyle/>
-          <a:p>
-            <a:r>
-              <a:rPr lang="en-US" dirty="0" smtClean="0"/>
-              <a:t>Your turn …</a:t>
-            </a:r>
-            <a:endParaRPr lang="en-GB" dirty="0"/>
-          </a:p>
-        </p:txBody>
-      </p:sp>
-      <p:sp>
-        <p:nvSpPr>
-          <p:cNvPr id="3" name="Content Placeholder 2"/>
-          <p:cNvSpPr>
-            <a:spLocks noGrp="1"/>
-          </p:cNvSpPr>
-          <p:nvPr>
-            <p:ph idx="1"/>
-          </p:nvPr>
-        </p:nvSpPr>
-        <p:spPr/>
-        <p:txBody>
-          <a:bodyPr>
-            <a:normAutofit/>
-          </a:bodyPr>
-          <a:lstStyle/>
-          <a:p>
-            <a:r>
-              <a:rPr lang="en-US" dirty="0" smtClean="0"/>
-              <a:t>What to do?</a:t>
-            </a:r>
-          </a:p>
-          <a:p>
-            <a:pPr lvl="1"/>
-            <a:r>
-              <a:rPr lang="en-US" dirty="0" smtClean="0"/>
-              <a:t>Add Iterator in Set</a:t>
-            </a:r>
-          </a:p>
-          <a:p>
-            <a:r>
-              <a:rPr lang="en-US" dirty="0" smtClean="0"/>
-              <a:t>How?</a:t>
-            </a:r>
-          </a:p>
-          <a:p>
-            <a:pPr lvl="1"/>
-            <a:r>
-              <a:rPr lang="en-US" dirty="0" smtClean="0"/>
-              <a:t>Check Iterator doc</a:t>
-            </a:r>
-          </a:p>
-          <a:p>
-            <a:pPr lvl="1"/>
-            <a:r>
-              <a:rPr lang="en-US" dirty="0" smtClean="0"/>
-              <a:t>Try several ways</a:t>
-            </a:r>
-          </a:p>
-        </p:txBody>
-      </p:sp>
-      <p:pic>
-        <p:nvPicPr>
-          <p:cNvPr id="4" name="Picture 2" descr="C:\Users\i024099\AppData\Local\Microsoft\Windows\Temporary Internet Files\Content.IE5\DFQQ12XG\MP900414068[1].jpg"/>
-          <p:cNvPicPr>
-            <a:picLocks noChangeAspect="1" noChangeArrowheads="1"/>
-          </p:cNvPicPr>
-          <p:nvPr/>
-        </p:nvPicPr>
-        <p:blipFill>
-          <a:blip r:embed="rId2" cstate="print">
-            <a:extLst>
-              <a:ext uri="{28A0092B-C50C-407E-A947-70E740481C1C}">
-                <a14:useLocalDpi xmlns:a14="http://schemas.microsoft.com/office/drawing/2010/main" val="0"/>
-              </a:ext>
-            </a:extLst>
-          </a:blip>
-          <a:srcRect/>
-          <a:stretch>
-            <a:fillRect/>
-          </a:stretch>
-        </p:blipFill>
-        <p:spPr bwMode="auto">
-          <a:xfrm>
-            <a:off x="4716016" y="1916832"/>
-            <a:ext cx="4091533" cy="3273227"/>
-          </a:xfrm>
-          <a:prstGeom prst="rect">
-            <a:avLst/>
-          </a:prstGeom>
-          <a:noFill/>
-          <a:extLst>
-            <a:ext uri="{909E8E84-426E-40DD-AFC4-6F175D3DCCD1}">
-              <a14:hiddenFill xmlns:a14="http://schemas.microsoft.com/office/drawing/2010/main">
-                <a:solidFill>
-                  <a:srgbClr val="FFFFFF"/>
-                </a:solidFill>
-              </a14:hiddenFill>
-            </a:ext>
-          </a:extLst>
-        </p:spPr>
-      </p:pic>
-    </p:spTree>
-    <p:extLst>
-      <p:ext uri="{BB962C8B-B14F-4D97-AF65-F5344CB8AC3E}">
-        <p14:creationId xmlns:p14="http://schemas.microsoft.com/office/powerpoint/2010/main" val="1212284585"/>
-      </p:ext>
-    </p:extLst>
-  </p:cSld>
-  <p:clrMapOvr>
-    <a:masterClrMapping/>
-  </p:clrMapOvr>
-  <p:timing>
-    <p:tnLst>
-      <p:par>
-        <p:cTn id="1" dur="indefinite" restart="never" nodeType="tmRoot"/>
-      </p:par>
-    </p:tnLst>
-  </p:timing>
-</p:sld>
-</file>
-
-<file path=ppt/slides/slide24.xml><?xml version="1.0" encoding="utf-8"?>
-<p:sld xmlns:a="http://schemas.openxmlformats.org/drawingml/2006/main" xmlns:r="http://schemas.openxmlformats.org/officeDocument/2006/relationships" xmlns:p="http://schemas.openxmlformats.org/presentationml/2006/main">
-  <p:cSld>
-    <p:spTree>
-      <p:nvGrpSpPr>
-        <p:cNvPr id="1" name=""/>
-        <p:cNvGrpSpPr/>
-        <p:nvPr/>
-      </p:nvGrpSpPr>
-      <p:grpSpPr>
-        <a:xfrm>
-          <a:off x="0" y="0"/>
-          <a:ext cx="0" cy="0"/>
-          <a:chOff x="0" y="0"/>
-          <a:chExt cx="0" cy="0"/>
-        </a:xfrm>
-      </p:grpSpPr>
-      <p:sp>
-        <p:nvSpPr>
-          <p:cNvPr id="2" name="Title 1"/>
-          <p:cNvSpPr>
-            <a:spLocks noGrp="1"/>
-          </p:cNvSpPr>
-          <p:nvPr>
-            <p:ph type="title"/>
-          </p:nvPr>
-        </p:nvSpPr>
-        <p:spPr/>
-        <p:txBody>
-          <a:bodyPr/>
-          <a:lstStyle/>
-          <a:p>
-            <a:r>
-              <a:rPr lang="en-US" dirty="0" smtClean="0"/>
-              <a:t>Spike replay</a:t>
-            </a:r>
-            <a:endParaRPr lang="en-GB" dirty="0"/>
-          </a:p>
-        </p:txBody>
-      </p:sp>
-      <p:sp>
-        <p:nvSpPr>
-          <p:cNvPr id="3" name="Content Placeholder 2"/>
-          <p:cNvSpPr>
-            <a:spLocks noGrp="1"/>
-          </p:cNvSpPr>
-          <p:nvPr>
-            <p:ph idx="1"/>
-          </p:nvPr>
-        </p:nvSpPr>
-        <p:spPr/>
-        <p:txBody>
-          <a:bodyPr>
-            <a:normAutofit/>
-          </a:bodyPr>
-          <a:lstStyle/>
-          <a:p>
-            <a:r>
-              <a:rPr lang="en-US" dirty="0" smtClean="0"/>
-              <a:t>Spike ≠ Beta implementation</a:t>
-            </a:r>
-          </a:p>
-          <a:p>
-            <a:r>
-              <a:rPr lang="en-US" dirty="0" smtClean="0"/>
-              <a:t>Reduces risks</a:t>
-            </a:r>
-          </a:p>
-          <a:p>
-            <a:pPr marL="457200" lvl="1" indent="0">
-              <a:buNone/>
-            </a:pPr>
-            <a:endParaRPr lang="en-US" dirty="0" smtClean="0"/>
-          </a:p>
-        </p:txBody>
-      </p:sp>
-      <p:pic>
-        <p:nvPicPr>
-          <p:cNvPr id="4" name="Picture 3" descr="C:\Users\i024099\AppData\Local\Microsoft\Windows\Temporary Internet Files\Content.IE5\DFQQ12XG\MP900401301[1].jpg"/>
-          <p:cNvPicPr>
-            <a:picLocks noChangeAspect="1" noChangeArrowheads="1"/>
-          </p:cNvPicPr>
-          <p:nvPr/>
-        </p:nvPicPr>
-        <p:blipFill>
-          <a:blip r:embed="rId3" cstate="print">
-            <a:extLst>
-              <a:ext uri="{28A0092B-C50C-407E-A947-70E740481C1C}">
-                <a14:useLocalDpi xmlns:a14="http://schemas.microsoft.com/office/drawing/2010/main" val="0"/>
-              </a:ext>
-            </a:extLst>
-          </a:blip>
-          <a:srcRect/>
-          <a:stretch>
-            <a:fillRect/>
-          </a:stretch>
-        </p:blipFill>
-        <p:spPr bwMode="auto">
-          <a:xfrm>
-            <a:off x="5796136" y="4062670"/>
-            <a:ext cx="3159454" cy="2527564"/>
-          </a:xfrm>
-          <a:prstGeom prst="rect">
-            <a:avLst/>
-          </a:prstGeom>
-          <a:noFill/>
-          <a:extLst>
-            <a:ext uri="{909E8E84-426E-40DD-AFC4-6F175D3DCCD1}">
-              <a14:hiddenFill xmlns:a14="http://schemas.microsoft.com/office/drawing/2010/main">
-                <a:solidFill>
-                  <a:srgbClr val="FFFFFF"/>
-                </a:solidFill>
-              </a14:hiddenFill>
-            </a:ext>
-          </a:extLst>
-        </p:spPr>
-      </p:pic>
-    </p:spTree>
-    <p:extLst>
-      <p:ext uri="{BB962C8B-B14F-4D97-AF65-F5344CB8AC3E}">
-        <p14:creationId xmlns:p14="http://schemas.microsoft.com/office/powerpoint/2010/main" val="2078699851"/>
       </p:ext>
     </p:extLst>
   </p:cSld>
@@ -8727,7 +7950,6 @@
               <a:rPr lang="en-US" altLang="en-US" dirty="0" smtClean="0"/>
               <a:t>Bus factor</a:t>
             </a:r>
-            <a:endParaRPr lang="en-US" altLang="en-US" dirty="0"/>
           </a:p>
           <a:p>
             <a:pPr marL="0" indent="0">
@@ -8750,7 +7972,226 @@
   <p:timing>
     <p:tnLst>
       <p:par>
-        <p:cTn id="1" dur="indefinite" restart="never" nodeType="tmRoot"/>
+        <p:cTn id="1" dur="indefinite" restart="never" nodeType="tmRoot">
+          <p:childTnLst>
+            <p:seq concurrent="1" nextAc="seek">
+              <p:cTn id="2" dur="indefinite" nodeType="mainSeq">
+                <p:childTnLst>
+                  <p:par>
+                    <p:cTn id="3" fill="hold">
+                      <p:stCondLst>
+                        <p:cond delay="indefinite"/>
+                      </p:stCondLst>
+                      <p:childTnLst>
+                        <p:par>
+                          <p:cTn id="4" fill="hold">
+                            <p:stCondLst>
+                              <p:cond delay="0"/>
+                            </p:stCondLst>
+                            <p:childTnLst>
+                              <p:par>
+                                <p:cTn id="5" presetID="1" presetClass="entr" presetSubtype="0" fill="hold" nodeType="clickEffect">
+                                  <p:stCondLst>
+                                    <p:cond delay="0"/>
+                                  </p:stCondLst>
+                                  <p:childTnLst>
+                                    <p:set>
+                                      <p:cBhvr>
+                                        <p:cTn id="6" dur="1" fill="hold">
+                                          <p:stCondLst>
+                                            <p:cond delay="0"/>
+                                          </p:stCondLst>
+                                        </p:cTn>
+                                        <p:tgtEl>
+                                          <p:spTgt spid="3">
+                                            <p:txEl>
+                                              <p:pRg st="2" end="2"/>
+                                            </p:txEl>
+                                          </p:spTgt>
+                                        </p:tgtEl>
+                                        <p:attrNameLst>
+                                          <p:attrName>style.visibility</p:attrName>
+                                        </p:attrNameLst>
+                                      </p:cBhvr>
+                                      <p:to>
+                                        <p:strVal val="visible"/>
+                                      </p:to>
+                                    </p:set>
+                                  </p:childTnLst>
+                                </p:cTn>
+                              </p:par>
+                            </p:childTnLst>
+                          </p:cTn>
+                        </p:par>
+                      </p:childTnLst>
+                    </p:cTn>
+                  </p:par>
+                  <p:par>
+                    <p:cTn id="7" fill="hold">
+                      <p:stCondLst>
+                        <p:cond delay="indefinite"/>
+                      </p:stCondLst>
+                      <p:childTnLst>
+                        <p:par>
+                          <p:cTn id="8" fill="hold">
+                            <p:stCondLst>
+                              <p:cond delay="0"/>
+                            </p:stCondLst>
+                            <p:childTnLst>
+                              <p:par>
+                                <p:cTn id="9" presetID="1" presetClass="entr" presetSubtype="0" fill="hold" nodeType="clickEffect">
+                                  <p:stCondLst>
+                                    <p:cond delay="0"/>
+                                  </p:stCondLst>
+                                  <p:childTnLst>
+                                    <p:set>
+                                      <p:cBhvr>
+                                        <p:cTn id="10" dur="1" fill="hold">
+                                          <p:stCondLst>
+                                            <p:cond delay="0"/>
+                                          </p:stCondLst>
+                                        </p:cTn>
+                                        <p:tgtEl>
+                                          <p:spTgt spid="3">
+                                            <p:txEl>
+                                              <p:pRg st="3" end="3"/>
+                                            </p:txEl>
+                                          </p:spTgt>
+                                        </p:tgtEl>
+                                        <p:attrNameLst>
+                                          <p:attrName>style.visibility</p:attrName>
+                                        </p:attrNameLst>
+                                      </p:cBhvr>
+                                      <p:to>
+                                        <p:strVal val="visible"/>
+                                      </p:to>
+                                    </p:set>
+                                  </p:childTnLst>
+                                </p:cTn>
+                              </p:par>
+                            </p:childTnLst>
+                          </p:cTn>
+                        </p:par>
+                      </p:childTnLst>
+                    </p:cTn>
+                  </p:par>
+                  <p:par>
+                    <p:cTn id="11" fill="hold">
+                      <p:stCondLst>
+                        <p:cond delay="indefinite"/>
+                      </p:stCondLst>
+                      <p:childTnLst>
+                        <p:par>
+                          <p:cTn id="12" fill="hold">
+                            <p:stCondLst>
+                              <p:cond delay="0"/>
+                            </p:stCondLst>
+                            <p:childTnLst>
+                              <p:par>
+                                <p:cTn id="13" presetID="1" presetClass="entr" presetSubtype="0" fill="hold" nodeType="clickEffect">
+                                  <p:stCondLst>
+                                    <p:cond delay="0"/>
+                                  </p:stCondLst>
+                                  <p:childTnLst>
+                                    <p:set>
+                                      <p:cBhvr>
+                                        <p:cTn id="14" dur="1" fill="hold">
+                                          <p:stCondLst>
+                                            <p:cond delay="0"/>
+                                          </p:stCondLst>
+                                        </p:cTn>
+                                        <p:tgtEl>
+                                          <p:spTgt spid="3">
+                                            <p:txEl>
+                                              <p:pRg st="4" end="4"/>
+                                            </p:txEl>
+                                          </p:spTgt>
+                                        </p:tgtEl>
+                                        <p:attrNameLst>
+                                          <p:attrName>style.visibility</p:attrName>
+                                        </p:attrNameLst>
+                                      </p:cBhvr>
+                                      <p:to>
+                                        <p:strVal val="visible"/>
+                                      </p:to>
+                                    </p:set>
+                                  </p:childTnLst>
+                                </p:cTn>
+                              </p:par>
+                            </p:childTnLst>
+                          </p:cTn>
+                        </p:par>
+                      </p:childTnLst>
+                    </p:cTn>
+                  </p:par>
+                  <p:par>
+                    <p:cTn id="15" fill="hold">
+                      <p:stCondLst>
+                        <p:cond delay="indefinite"/>
+                      </p:stCondLst>
+                      <p:childTnLst>
+                        <p:par>
+                          <p:cTn id="16" fill="hold">
+                            <p:stCondLst>
+                              <p:cond delay="0"/>
+                            </p:stCondLst>
+                            <p:childTnLst>
+                              <p:par>
+                                <p:cTn id="17" presetID="1" presetClass="entr" presetSubtype="0" fill="hold" nodeType="clickEffect">
+                                  <p:stCondLst>
+                                    <p:cond delay="0"/>
+                                  </p:stCondLst>
+                                  <p:childTnLst>
+                                    <p:set>
+                                      <p:cBhvr>
+                                        <p:cTn id="18" dur="1" fill="hold">
+                                          <p:stCondLst>
+                                            <p:cond delay="0"/>
+                                          </p:stCondLst>
+                                        </p:cTn>
+                                        <p:tgtEl>
+                                          <p:spTgt spid="3">
+                                            <p:txEl>
+                                              <p:pRg st="5" end="5"/>
+                                            </p:txEl>
+                                          </p:spTgt>
+                                        </p:tgtEl>
+                                        <p:attrNameLst>
+                                          <p:attrName>style.visibility</p:attrName>
+                                        </p:attrNameLst>
+                                      </p:cBhvr>
+                                      <p:to>
+                                        <p:strVal val="visible"/>
+                                      </p:to>
+                                    </p:set>
+                                  </p:childTnLst>
+                                </p:cTn>
+                              </p:par>
+                            </p:childTnLst>
+                          </p:cTn>
+                        </p:par>
+                      </p:childTnLst>
+                    </p:cTn>
+                  </p:par>
+                </p:childTnLst>
+              </p:cTn>
+              <p:prevCondLst>
+                <p:cond evt="onPrev" delay="0">
+                  <p:tgtEl>
+                    <p:sldTgt/>
+                  </p:tgtEl>
+                </p:cond>
+              </p:prevCondLst>
+              <p:nextCondLst>
+                <p:cond evt="onNext" delay="0">
+                  <p:tgtEl>
+                    <p:sldTgt/>
+                  </p:tgtEl>
+                </p:cond>
+              </p:nextCondLst>
+            </p:seq>
+          </p:childTnLst>
+        </p:cTn>
       </p:par>
     </p:tnLst>
   </p:timing>
@@ -8793,7 +8234,7 @@
           <a:p>
             <a:r>
               <a:rPr lang="en-US" dirty="0" smtClean="0"/>
-              <a:t>Test First</a:t>
+              <a:t>Test First / TDD</a:t>
             </a:r>
             <a:endParaRPr lang="en-GB" dirty="0"/>
           </a:p>
@@ -8852,6 +8293,315 @@
     <p:extLst>
       <p:ext uri="{BB962C8B-B14F-4D97-AF65-F5344CB8AC3E}">
         <p14:creationId xmlns:p14="http://schemas.microsoft.com/office/powerpoint/2010/main" val="961627372"/>
+      </p:ext>
+    </p:extLst>
+  </p:cSld>
+  <p:clrMapOvr>
+    <a:masterClrMapping/>
+  </p:clrMapOvr>
+  <p:timing>
+    <p:tnLst>
+      <p:par>
+        <p:cTn id="1" dur="indefinite" restart="never" nodeType="tmRoot">
+          <p:childTnLst>
+            <p:seq concurrent="1" nextAc="seek">
+              <p:cTn id="2" dur="indefinite" nodeType="mainSeq">
+                <p:childTnLst>
+                  <p:par>
+                    <p:cTn id="3" fill="hold">
+                      <p:stCondLst>
+                        <p:cond delay="indefinite"/>
+                      </p:stCondLst>
+                      <p:childTnLst>
+                        <p:par>
+                          <p:cTn id="4" fill="hold">
+                            <p:stCondLst>
+                              <p:cond delay="0"/>
+                            </p:stCondLst>
+                            <p:childTnLst>
+                              <p:par>
+                                <p:cTn id="5" presetID="1" presetClass="entr" presetSubtype="0" fill="hold" nodeType="clickEffect">
+                                  <p:stCondLst>
+                                    <p:cond delay="0"/>
+                                  </p:stCondLst>
+                                  <p:childTnLst>
+                                    <p:set>
+                                      <p:cBhvr>
+                                        <p:cTn id="6" dur="1" fill="hold">
+                                          <p:stCondLst>
+                                            <p:cond delay="0"/>
+                                          </p:stCondLst>
+                                        </p:cTn>
+                                        <p:tgtEl>
+                                          <p:spTgt spid="3">
+                                            <p:txEl>
+                                              <p:pRg st="1" end="1"/>
+                                            </p:txEl>
+                                          </p:spTgt>
+                                        </p:tgtEl>
+                                        <p:attrNameLst>
+                                          <p:attrName>style.visibility</p:attrName>
+                                        </p:attrNameLst>
+                                      </p:cBhvr>
+                                      <p:to>
+                                        <p:strVal val="visible"/>
+                                      </p:to>
+                                    </p:set>
+                                  </p:childTnLst>
+                                </p:cTn>
+                              </p:par>
+                            </p:childTnLst>
+                          </p:cTn>
+                        </p:par>
+                      </p:childTnLst>
+                    </p:cTn>
+                  </p:par>
+                  <p:par>
+                    <p:cTn id="7" fill="hold">
+                      <p:stCondLst>
+                        <p:cond delay="indefinite"/>
+                      </p:stCondLst>
+                      <p:childTnLst>
+                        <p:par>
+                          <p:cTn id="8" fill="hold">
+                            <p:stCondLst>
+                              <p:cond delay="0"/>
+                            </p:stCondLst>
+                            <p:childTnLst>
+                              <p:par>
+                                <p:cTn id="9" presetID="1" presetClass="entr" presetSubtype="0" fill="hold" nodeType="clickEffect">
+                                  <p:stCondLst>
+                                    <p:cond delay="0"/>
+                                  </p:stCondLst>
+                                  <p:childTnLst>
+                                    <p:set>
+                                      <p:cBhvr>
+                                        <p:cTn id="10" dur="1" fill="hold">
+                                          <p:stCondLst>
+                                            <p:cond delay="0"/>
+                                          </p:stCondLst>
+                                        </p:cTn>
+                                        <p:tgtEl>
+                                          <p:spTgt spid="3">
+                                            <p:txEl>
+                                              <p:pRg st="2" end="2"/>
+                                            </p:txEl>
+                                          </p:spTgt>
+                                        </p:tgtEl>
+                                        <p:attrNameLst>
+                                          <p:attrName>style.visibility</p:attrName>
+                                        </p:attrNameLst>
+                                      </p:cBhvr>
+                                      <p:to>
+                                        <p:strVal val="visible"/>
+                                      </p:to>
+                                    </p:set>
+                                  </p:childTnLst>
+                                </p:cTn>
+                              </p:par>
+                            </p:childTnLst>
+                          </p:cTn>
+                        </p:par>
+                      </p:childTnLst>
+                    </p:cTn>
+                  </p:par>
+                  <p:par>
+                    <p:cTn id="11" fill="hold">
+                      <p:stCondLst>
+                        <p:cond delay="indefinite"/>
+                      </p:stCondLst>
+                      <p:childTnLst>
+                        <p:par>
+                          <p:cTn id="12" fill="hold">
+                            <p:stCondLst>
+                              <p:cond delay="0"/>
+                            </p:stCondLst>
+                            <p:childTnLst>
+                              <p:par>
+                                <p:cTn id="13" presetID="1" presetClass="entr" presetSubtype="0" fill="hold" nodeType="clickEffect">
+                                  <p:stCondLst>
+                                    <p:cond delay="0"/>
+                                  </p:stCondLst>
+                                  <p:childTnLst>
+                                    <p:set>
+                                      <p:cBhvr>
+                                        <p:cTn id="14" dur="1" fill="hold">
+                                          <p:stCondLst>
+                                            <p:cond delay="0"/>
+                                          </p:stCondLst>
+                                        </p:cTn>
+                                        <p:tgtEl>
+                                          <p:spTgt spid="3">
+                                            <p:txEl>
+                                              <p:pRg st="3" end="3"/>
+                                            </p:txEl>
+                                          </p:spTgt>
+                                        </p:tgtEl>
+                                        <p:attrNameLst>
+                                          <p:attrName>style.visibility</p:attrName>
+                                        </p:attrNameLst>
+                                      </p:cBhvr>
+                                      <p:to>
+                                        <p:strVal val="visible"/>
+                                      </p:to>
+                                    </p:set>
+                                  </p:childTnLst>
+                                </p:cTn>
+                              </p:par>
+                            </p:childTnLst>
+                          </p:cTn>
+                        </p:par>
+                      </p:childTnLst>
+                    </p:cTn>
+                  </p:par>
+                  <p:par>
+                    <p:cTn id="15" fill="hold">
+                      <p:stCondLst>
+                        <p:cond delay="indefinite"/>
+                      </p:stCondLst>
+                      <p:childTnLst>
+                        <p:par>
+                          <p:cTn id="16" fill="hold">
+                            <p:stCondLst>
+                              <p:cond delay="0"/>
+                            </p:stCondLst>
+                            <p:childTnLst>
+                              <p:par>
+                                <p:cTn id="17" presetID="1" presetClass="entr" presetSubtype="0" fill="hold" nodeType="clickEffect">
+                                  <p:stCondLst>
+                                    <p:cond delay="0"/>
+                                  </p:stCondLst>
+                                  <p:childTnLst>
+                                    <p:set>
+                                      <p:cBhvr>
+                                        <p:cTn id="18" dur="1" fill="hold">
+                                          <p:stCondLst>
+                                            <p:cond delay="0"/>
+                                          </p:stCondLst>
+                                        </p:cTn>
+                                        <p:tgtEl>
+                                          <p:spTgt spid="3">
+                                            <p:txEl>
+                                              <p:pRg st="4" end="4"/>
+                                            </p:txEl>
+                                          </p:spTgt>
+                                        </p:tgtEl>
+                                        <p:attrNameLst>
+                                          <p:attrName>style.visibility</p:attrName>
+                                        </p:attrNameLst>
+                                      </p:cBhvr>
+                                      <p:to>
+                                        <p:strVal val="visible"/>
+                                      </p:to>
+                                    </p:set>
+                                  </p:childTnLst>
+                                </p:cTn>
+                              </p:par>
+                            </p:childTnLst>
+                          </p:cTn>
+                        </p:par>
+                      </p:childTnLst>
+                    </p:cTn>
+                  </p:par>
+                </p:childTnLst>
+              </p:cTn>
+              <p:prevCondLst>
+                <p:cond evt="onPrev" delay="0">
+                  <p:tgtEl>
+                    <p:sldTgt/>
+                  </p:tgtEl>
+                </p:cond>
+              </p:prevCondLst>
+              <p:nextCondLst>
+                <p:cond evt="onNext" delay="0">
+                  <p:tgtEl>
+                    <p:sldTgt/>
+                  </p:tgtEl>
+                </p:cond>
+              </p:nextCondLst>
+            </p:seq>
+          </p:childTnLst>
+        </p:cTn>
+      </p:par>
+    </p:tnLst>
+  </p:timing>
+</p:sld>
+</file>
+
+<file path=ppt/slides/slide5.xml><?xml version="1.0" encoding="utf-8"?>
+<p:sld xmlns:a="http://schemas.openxmlformats.org/drawingml/2006/main" xmlns:r="http://schemas.openxmlformats.org/officeDocument/2006/relationships" xmlns:p="http://schemas.openxmlformats.org/presentationml/2006/main">
+  <p:cSld>
+    <p:spTree>
+      <p:nvGrpSpPr>
+        <p:cNvPr id="1" name=""/>
+        <p:cNvGrpSpPr/>
+        <p:nvPr/>
+      </p:nvGrpSpPr>
+      <p:grpSpPr>
+        <a:xfrm>
+          <a:off x="0" y="0"/>
+          <a:ext cx="0" cy="0"/>
+          <a:chOff x="0" y="0"/>
+          <a:chExt cx="0" cy="0"/>
+        </a:xfrm>
+      </p:grpSpPr>
+      <p:sp>
+        <p:nvSpPr>
+          <p:cNvPr id="2" name="Title 1"/>
+          <p:cNvSpPr>
+            <a:spLocks noGrp="1"/>
+          </p:cNvSpPr>
+          <p:nvPr>
+            <p:ph type="title"/>
+          </p:nvPr>
+        </p:nvSpPr>
+        <p:spPr/>
+        <p:txBody>
+          <a:bodyPr/>
+          <a:lstStyle/>
+          <a:p>
+            <a:r>
+              <a:rPr lang="en-US" dirty="0" smtClean="0"/>
+              <a:t>Intent</a:t>
+            </a:r>
+            <a:endParaRPr lang="en-GB" dirty="0"/>
+          </a:p>
+        </p:txBody>
+      </p:sp>
+      <p:pic>
+        <p:nvPicPr>
+          <p:cNvPr id="3" name="Picture 2"/>
+          <p:cNvPicPr>
+            <a:picLocks noChangeAspect="1"/>
+          </p:cNvPicPr>
+          <p:nvPr/>
+        </p:nvPicPr>
+        <p:blipFill>
+          <a:blip r:embed="rId3">
+            <a:extLst>
+              <a:ext uri="{28A0092B-C50C-407E-A947-70E740481C1C}">
+                <a14:useLocalDpi xmlns:a14="http://schemas.microsoft.com/office/drawing/2010/main" val="0"/>
+              </a:ext>
+            </a:extLst>
+          </a:blip>
+          <a:stretch>
+            <a:fillRect/>
+          </a:stretch>
+        </p:blipFill>
+        <p:spPr>
+          <a:xfrm>
+            <a:off x="261056" y="1949574"/>
+            <a:ext cx="8631424" cy="4071714"/>
+          </a:xfrm>
+          <a:prstGeom prst="rect">
+            <a:avLst/>
+          </a:prstGeom>
+        </p:spPr>
+      </p:pic>
+    </p:spTree>
+    <p:extLst>
+      <p:ext uri="{BB962C8B-B14F-4D97-AF65-F5344CB8AC3E}">
+        <p14:creationId xmlns:p14="http://schemas.microsoft.com/office/powerpoint/2010/main" val="3412372087"/>
       </p:ext>
     </p:extLst>
   </p:cSld>
@@ -8868,7 +8618,7 @@
 </p:sld>
 </file>
 
-<file path=ppt/slides/slide5.xml><?xml version="1.0" encoding="utf-8"?>
+<file path=ppt/slides/slide6.xml><?xml version="1.0" encoding="utf-8"?>
 <p:sld xmlns:a="http://schemas.openxmlformats.org/drawingml/2006/main" xmlns:r="http://schemas.openxmlformats.org/officeDocument/2006/relationships" xmlns:p="http://schemas.openxmlformats.org/presentationml/2006/main">
   <p:cSld>
     <p:spTree>
@@ -10131,96 +9881,6 @@
 </p:sld>
 </file>
 
-<file path=ppt/slides/slide6.xml><?xml version="1.0" encoding="utf-8"?>
-<p:sld xmlns:a="http://schemas.openxmlformats.org/drawingml/2006/main" xmlns:r="http://schemas.openxmlformats.org/officeDocument/2006/relationships" xmlns:p="http://schemas.openxmlformats.org/presentationml/2006/main">
-  <p:cSld>
-    <p:spTree>
-      <p:nvGrpSpPr>
-        <p:cNvPr id="1" name=""/>
-        <p:cNvGrpSpPr/>
-        <p:nvPr/>
-      </p:nvGrpSpPr>
-      <p:grpSpPr>
-        <a:xfrm>
-          <a:off x="0" y="0"/>
-          <a:ext cx="0" cy="0"/>
-          <a:chOff x="0" y="0"/>
-          <a:chExt cx="0" cy="0"/>
-        </a:xfrm>
-      </p:grpSpPr>
-      <p:sp>
-        <p:nvSpPr>
-          <p:cNvPr id="2" name="Title 1"/>
-          <p:cNvSpPr>
-            <a:spLocks noGrp="1"/>
-          </p:cNvSpPr>
-          <p:nvPr>
-            <p:ph type="title"/>
-          </p:nvPr>
-        </p:nvSpPr>
-        <p:spPr/>
-        <p:txBody>
-          <a:bodyPr/>
-          <a:lstStyle/>
-          <a:p>
-            <a:r>
-              <a:rPr lang="en-US" dirty="0" smtClean="0"/>
-              <a:t>Intent</a:t>
-            </a:r>
-            <a:endParaRPr lang="en-GB" dirty="0"/>
-          </a:p>
-        </p:txBody>
-      </p:sp>
-      <p:pic>
-        <p:nvPicPr>
-          <p:cNvPr id="3" name="Picture 2"/>
-          <p:cNvPicPr>
-            <a:picLocks noChangeAspect="1"/>
-          </p:cNvPicPr>
-          <p:nvPr/>
-        </p:nvPicPr>
-        <p:blipFill>
-          <a:blip r:embed="rId3">
-            <a:extLst>
-              <a:ext uri="{28A0092B-C50C-407E-A947-70E740481C1C}">
-                <a14:useLocalDpi xmlns:a14="http://schemas.microsoft.com/office/drawing/2010/main" val="0"/>
-              </a:ext>
-            </a:extLst>
-          </a:blip>
-          <a:stretch>
-            <a:fillRect/>
-          </a:stretch>
-        </p:blipFill>
-        <p:spPr>
-          <a:xfrm>
-            <a:off x="261056" y="1949574"/>
-            <a:ext cx="8631424" cy="4071714"/>
-          </a:xfrm>
-          <a:prstGeom prst="rect">
-            <a:avLst/>
-          </a:prstGeom>
-        </p:spPr>
-      </p:pic>
-    </p:spTree>
-    <p:extLst>
-      <p:ext uri="{BB962C8B-B14F-4D97-AF65-F5344CB8AC3E}">
-        <p14:creationId xmlns:p14="http://schemas.microsoft.com/office/powerpoint/2010/main" val="3412372087"/>
-      </p:ext>
-    </p:extLst>
-  </p:cSld>
-  <p:clrMapOvr>
-    <a:masterClrMapping/>
-  </p:clrMapOvr>
-  <p:timing>
-    <p:tnLst>
-      <p:par>
-        <p:cTn id="1" dur="indefinite" restart="never" nodeType="tmRoot"/>
-      </p:par>
-    </p:tnLst>
-  </p:timing>
-</p:sld>
-</file>
-
 <file path=ppt/slides/slide7.xml><?xml version="1.0" encoding="utf-8"?>
 <p:sld xmlns:a="http://schemas.openxmlformats.org/drawingml/2006/main" xmlns:r="http://schemas.openxmlformats.org/officeDocument/2006/relationships" xmlns:p="http://schemas.openxmlformats.org/presentationml/2006/main">
   <p:cSld>
@@ -10323,8 +9983,13 @@
             </a:r>
             <a:r>
               <a:rPr lang="en-US" i="1" dirty="0" smtClean="0"/>
-              <a:t>size, add, </a:t>
-            </a:r>
+              <a:t>size</a:t>
+            </a:r>
+            <a:r>
+              <a:rPr lang="en-US" i="1" dirty="0" smtClean="0"/>
+              <a:t>, add,</a:t>
+            </a:r>
+            <a:endParaRPr lang="en-US" i="1" dirty="0" smtClean="0"/>
           </a:p>
           <a:p>
             <a:pPr marL="457200" lvl="1" indent="0">
@@ -10369,7 +10034,7 @@
           <p:nvPr/>
         </p:nvPicPr>
         <p:blipFill>
-          <a:blip r:embed="rId2" cstate="print">
+          <a:blip r:embed="rId3" cstate="print">
             <a:extLst>
               <a:ext uri="{28A0092B-C50C-407E-A947-70E740481C1C}">
                 <a14:useLocalDpi xmlns:a14="http://schemas.microsoft.com/office/drawing/2010/main" val="0"/>
@@ -10461,256 +10126,47 @@
           </a:p>
         </p:txBody>
       </p:sp>
-      <p:sp>
-        <p:nvSpPr>
-          <p:cNvPr id="3" name="Content Placeholder 2"/>
-          <p:cNvSpPr>
-            <a:spLocks noGrp="1"/>
-          </p:cNvSpPr>
-          <p:nvPr>
-            <p:ph idx="1"/>
-          </p:nvPr>
-        </p:nvSpPr>
-        <p:spPr/>
-        <p:txBody>
-          <a:bodyPr numCol="1">
-            <a:normAutofit/>
-          </a:bodyPr>
-          <a:lstStyle/>
-          <a:p>
-            <a:pPr marL="0" indent="0">
-              <a:buNone/>
-            </a:pPr>
-            <a:r>
-              <a:rPr lang="en-GB" sz="2800" dirty="0"/>
-              <a:t>@Test</a:t>
-            </a:r>
-          </a:p>
-          <a:p>
-            <a:pPr marL="0" indent="0">
-              <a:buNone/>
-            </a:pPr>
-            <a:r>
-              <a:rPr lang="en-GB" sz="2800" dirty="0" smtClean="0"/>
-              <a:t>public </a:t>
-            </a:r>
-            <a:r>
-              <a:rPr lang="en-GB" sz="2800" dirty="0"/>
-              <a:t>void </a:t>
-            </a:r>
-            <a:r>
-              <a:rPr lang="en-GB" sz="2800" dirty="0" err="1"/>
-              <a:t>isEmpty</a:t>
-            </a:r>
-            <a:r>
-              <a:rPr lang="en-GB" sz="2800" dirty="0"/>
-              <a:t>() {</a:t>
-            </a:r>
-          </a:p>
-          <a:p>
-            <a:pPr marL="0" indent="0">
-              <a:buNone/>
-            </a:pPr>
-            <a:r>
-              <a:rPr lang="en-GB" sz="2800" dirty="0" smtClean="0"/>
-              <a:t>    </a:t>
-            </a:r>
-            <a:r>
-              <a:rPr lang="en-GB" sz="2800" dirty="0" err="1"/>
-              <a:t>assertEquals</a:t>
-            </a:r>
-            <a:r>
-              <a:rPr lang="en-GB" sz="2800" dirty="0"/>
-              <a:t>(0, </a:t>
-            </a:r>
-            <a:r>
-              <a:rPr lang="en-GB" sz="2800" dirty="0" err="1"/>
-              <a:t>emptySet.size</a:t>
-            </a:r>
-            <a:r>
-              <a:rPr lang="en-GB" sz="2800" dirty="0"/>
-              <a:t>());</a:t>
-            </a:r>
-          </a:p>
-          <a:p>
-            <a:pPr marL="0" indent="0">
-              <a:buNone/>
-            </a:pPr>
-            <a:r>
-              <a:rPr lang="en-GB" sz="2800" dirty="0" smtClean="0"/>
-              <a:t>}</a:t>
-            </a:r>
-          </a:p>
-          <a:p>
-            <a:pPr marL="0" indent="0">
-              <a:buNone/>
-            </a:pPr>
-            <a:endParaRPr lang="en-US" sz="2800" dirty="0"/>
-          </a:p>
-          <a:p>
-            <a:pPr marL="0" indent="0">
-              <a:buNone/>
-            </a:pPr>
-            <a:r>
-              <a:rPr lang="en-GB" sz="2800" dirty="0" smtClean="0"/>
-              <a:t>public </a:t>
-            </a:r>
-            <a:r>
-              <a:rPr lang="en-GB" sz="2800" dirty="0" err="1"/>
-              <a:t>int</a:t>
-            </a:r>
-            <a:r>
-              <a:rPr lang="en-GB" sz="2800" dirty="0"/>
-              <a:t> size() {</a:t>
-            </a:r>
-          </a:p>
-          <a:p>
-            <a:pPr marL="0" indent="0">
-              <a:buNone/>
-            </a:pPr>
-            <a:r>
-              <a:rPr lang="en-GB" sz="2800" dirty="0" smtClean="0"/>
-              <a:t>    </a:t>
-            </a:r>
-            <a:r>
-              <a:rPr lang="en-GB" sz="2800" dirty="0"/>
-              <a:t>return </a:t>
-            </a:r>
-            <a:r>
-              <a:rPr lang="en-GB" sz="2800" dirty="0" smtClean="0"/>
-              <a:t>0;</a:t>
-            </a:r>
-            <a:endParaRPr lang="en-GB" sz="2800" dirty="0"/>
-          </a:p>
-          <a:p>
-            <a:pPr marL="0" indent="0">
-              <a:buNone/>
-            </a:pPr>
-            <a:r>
-              <a:rPr lang="en-GB" sz="2800" dirty="0" smtClean="0"/>
-              <a:t>}</a:t>
-            </a:r>
-          </a:p>
-        </p:txBody>
-      </p:sp>
-      <p:cxnSp>
-        <p:nvCxnSpPr>
-          <p:cNvPr id="5" name="Straight Connector 4"/>
-          <p:cNvCxnSpPr/>
+      <p:pic>
+        <p:nvPicPr>
+          <p:cNvPr id="1029" name="Picture 5" descr="C:\Users\i056003\AppData\Local\Microsoft\Windows\Temporary Internet Files\Content.IE5\MR4Z0USH\MC900434828[1].png"/>
+          <p:cNvPicPr>
+            <a:picLocks noChangeAspect="1" noChangeArrowheads="1"/>
+          </p:cNvPicPr>
           <p:nvPr/>
-        </p:nvCxnSpPr>
-        <p:spPr>
+        </p:nvPicPr>
+        <p:blipFill>
+          <a:blip r:embed="rId3">
+            <a:extLst>
+              <a:ext uri="{28A0092B-C50C-407E-A947-70E740481C1C}">
+                <a14:useLocalDpi xmlns:a14="http://schemas.microsoft.com/office/drawing/2010/main" val="0"/>
+              </a:ext>
+            </a:extLst>
+          </a:blip>
+          <a:srcRect/>
+          <a:stretch>
+            <a:fillRect/>
+          </a:stretch>
+        </p:blipFill>
+        <p:spPr bwMode="auto">
           <a:xfrm>
-            <a:off x="683568" y="3861048"/>
-            <a:ext cx="7776864" cy="0"/>
+            <a:off x="2484502" y="1989574"/>
+            <a:ext cx="4247738" cy="4247738"/>
           </a:xfrm>
-          <a:prstGeom prst="line">
+          <a:prstGeom prst="rect">
             <a:avLst/>
           </a:prstGeom>
-          <a:ln w="50800" cap="rnd">
-            <a:prstDash val="dash"/>
-            <a:round/>
-          </a:ln>
+          <a:noFill/>
+          <a:extLst>
+            <a:ext uri="{909E8E84-426E-40DD-AFC4-6F175D3DCCD1}">
+              <a14:hiddenFill xmlns:a14="http://schemas.microsoft.com/office/drawing/2010/main">
+                <a:solidFill>
+                  <a:srgbClr val="FFFFFF"/>
+                </a:solidFill>
+              </a14:hiddenFill>
+            </a:ext>
+          </a:extLst>
         </p:spPr>
-        <p:style>
-          <a:lnRef idx="1">
-            <a:schemeClr val="accent1"/>
-          </a:lnRef>
-          <a:fillRef idx="0">
-            <a:schemeClr val="accent1"/>
-          </a:fillRef>
-          <a:effectRef idx="0">
-            <a:schemeClr val="accent1"/>
-          </a:effectRef>
-          <a:fontRef idx="minor">
-            <a:schemeClr val="tx1"/>
-          </a:fontRef>
-        </p:style>
-      </p:cxnSp>
-      <p:sp>
-        <p:nvSpPr>
-          <p:cNvPr id="6" name="Oval 5"/>
-          <p:cNvSpPr/>
-          <p:nvPr/>
-        </p:nvSpPr>
-        <p:spPr>
-          <a:xfrm>
-            <a:off x="7020272" y="4581128"/>
-            <a:ext cx="1152128" cy="1080120"/>
-          </a:xfrm>
-          <a:prstGeom prst="ellipse">
-            <a:avLst/>
-          </a:prstGeom>
-        </p:spPr>
-        <p:style>
-          <a:lnRef idx="0">
-            <a:schemeClr val="accent3"/>
-          </a:lnRef>
-          <a:fillRef idx="3">
-            <a:schemeClr val="accent3"/>
-          </a:fillRef>
-          <a:effectRef idx="3">
-            <a:schemeClr val="accent3"/>
-          </a:effectRef>
-          <a:fontRef idx="minor">
-            <a:schemeClr val="lt1"/>
-          </a:fontRef>
-        </p:style>
-        <p:txBody>
-          <a:bodyPr rtlCol="0" anchor="ctr"/>
-          <a:lstStyle/>
-          <a:p>
-            <a:pPr algn="ctr"/>
-            <a:r>
-              <a:rPr lang="en-US" dirty="0" smtClean="0"/>
-              <a:t>Green</a:t>
-            </a:r>
-            <a:endParaRPr lang="en-GB" dirty="0"/>
-          </a:p>
-        </p:txBody>
-      </p:sp>
-      <p:sp>
-        <p:nvSpPr>
-          <p:cNvPr id="7" name="Oval 6"/>
-          <p:cNvSpPr/>
-          <p:nvPr/>
-        </p:nvSpPr>
-        <p:spPr>
-          <a:xfrm>
-            <a:off x="6948264" y="1916832"/>
-            <a:ext cx="1152128" cy="1080120"/>
-          </a:xfrm>
-          <a:prstGeom prst="ellipse">
-            <a:avLst/>
-          </a:prstGeom>
-        </p:spPr>
-        <p:style>
-          <a:lnRef idx="0">
-            <a:schemeClr val="accent2"/>
-          </a:lnRef>
-          <a:fillRef idx="3">
-            <a:schemeClr val="accent2"/>
-          </a:fillRef>
-          <a:effectRef idx="3">
-            <a:schemeClr val="accent2"/>
-          </a:effectRef>
-          <a:fontRef idx="minor">
-            <a:schemeClr val="lt1"/>
-          </a:fontRef>
-        </p:style>
-        <p:txBody>
-          <a:bodyPr rtlCol="0" anchor="ctr"/>
-          <a:lstStyle/>
-          <a:p>
-            <a:pPr algn="ctr"/>
-            <a:r>
-              <a:rPr lang="en-US" dirty="0" smtClean="0"/>
-              <a:t>Red</a:t>
-            </a:r>
-            <a:endParaRPr lang="en-GB" dirty="0"/>
-          </a:p>
-        </p:txBody>
-      </p:sp>
+      </p:pic>
     </p:spTree>
     <p:extLst>
       <p:ext uri="{BB962C8B-B14F-4D97-AF65-F5344CB8AC3E}">
@@ -10721,239 +10177,20 @@
   <p:clrMapOvr>
     <a:masterClrMapping/>
   </p:clrMapOvr>
+  <mc:AlternateContent xmlns:mc="http://schemas.openxmlformats.org/markup-compatibility/2006">
+    <mc:Choice xmlns:p14="http://schemas.microsoft.com/office/powerpoint/2010/main" Requires="p14">
+      <p:transition spd="slow" p14:dur="2000"/>
+    </mc:Choice>
+    <mc:Fallback>
+      <p:transition spd="slow"/>
+    </mc:Fallback>
+  </mc:AlternateContent>
   <p:timing>
     <p:tnLst>
       <p:par>
-        <p:cTn id="1" dur="indefinite" restart="never" nodeType="tmRoot">
-          <p:childTnLst>
-            <p:seq concurrent="1" nextAc="seek">
-              <p:cTn id="2" dur="indefinite" nodeType="mainSeq">
-                <p:childTnLst>
-                  <p:par>
-                    <p:cTn id="3" fill="hold">
-                      <p:stCondLst>
-                        <p:cond delay="indefinite"/>
-                      </p:stCondLst>
-                      <p:childTnLst>
-                        <p:par>
-                          <p:cTn id="4" fill="hold">
-                            <p:stCondLst>
-                              <p:cond delay="0"/>
-                            </p:stCondLst>
-                            <p:childTnLst>
-                              <p:par>
-                                <p:cTn id="5" presetID="1" presetClass="entr" presetSubtype="0" fill="hold" nodeType="clickEffect">
-                                  <p:stCondLst>
-                                    <p:cond delay="0"/>
-                                  </p:stCondLst>
-                                  <p:childTnLst>
-                                    <p:set>
-                                      <p:cBhvr>
-                                        <p:cTn id="6" dur="1" fill="hold">
-                                          <p:stCondLst>
-                                            <p:cond delay="0"/>
-                                          </p:stCondLst>
-                                        </p:cTn>
-                                        <p:tgtEl>
-                                          <p:spTgt spid="3">
-                                            <p:txEl>
-                                              <p:pRg st="5" end="5"/>
-                                            </p:txEl>
-                                          </p:spTgt>
-                                        </p:tgtEl>
-                                        <p:attrNameLst>
-                                          <p:attrName>style.visibility</p:attrName>
-                                        </p:attrNameLst>
-                                      </p:cBhvr>
-                                      <p:to>
-                                        <p:strVal val="visible"/>
-                                      </p:to>
-                                    </p:set>
-                                  </p:childTnLst>
-                                </p:cTn>
-                              </p:par>
-                              <p:par>
-                                <p:cTn id="7" presetID="1" presetClass="entr" presetSubtype="0" fill="hold" nodeType="withEffect">
-                                  <p:stCondLst>
-                                    <p:cond delay="0"/>
-                                  </p:stCondLst>
-                                  <p:childTnLst>
-                                    <p:set>
-                                      <p:cBhvr>
-                                        <p:cTn id="8" dur="1" fill="hold">
-                                          <p:stCondLst>
-                                            <p:cond delay="0"/>
-                                          </p:stCondLst>
-                                        </p:cTn>
-                                        <p:tgtEl>
-                                          <p:spTgt spid="3">
-                                            <p:txEl>
-                                              <p:pRg st="6" end="6"/>
-                                            </p:txEl>
-                                          </p:spTgt>
-                                        </p:tgtEl>
-                                        <p:attrNameLst>
-                                          <p:attrName>style.visibility</p:attrName>
-                                        </p:attrNameLst>
-                                      </p:cBhvr>
-                                      <p:to>
-                                        <p:strVal val="visible"/>
-                                      </p:to>
-                                    </p:set>
-                                  </p:childTnLst>
-                                </p:cTn>
-                              </p:par>
-                              <p:par>
-                                <p:cTn id="9" presetID="1" presetClass="entr" presetSubtype="0" fill="hold" nodeType="withEffect">
-                                  <p:stCondLst>
-                                    <p:cond delay="0"/>
-                                  </p:stCondLst>
-                                  <p:childTnLst>
-                                    <p:set>
-                                      <p:cBhvr>
-                                        <p:cTn id="10" dur="1" fill="hold">
-                                          <p:stCondLst>
-                                            <p:cond delay="0"/>
-                                          </p:stCondLst>
-                                        </p:cTn>
-                                        <p:tgtEl>
-                                          <p:spTgt spid="3">
-                                            <p:txEl>
-                                              <p:pRg st="7" end="7"/>
-                                            </p:txEl>
-                                          </p:spTgt>
-                                        </p:tgtEl>
-                                        <p:attrNameLst>
-                                          <p:attrName>style.visibility</p:attrName>
-                                        </p:attrNameLst>
-                                      </p:cBhvr>
-                                      <p:to>
-                                        <p:strVal val="visible"/>
-                                      </p:to>
-                                    </p:set>
-                                  </p:childTnLst>
-                                </p:cTn>
-                              </p:par>
-                              <p:par>
-                                <p:cTn id="11" presetID="1" presetClass="entr" presetSubtype="0" fill="hold" nodeType="withEffect">
-                                  <p:stCondLst>
-                                    <p:cond delay="0"/>
-                                  </p:stCondLst>
-                                  <p:childTnLst>
-                                    <p:set>
-                                      <p:cBhvr>
-                                        <p:cTn id="12" dur="1" fill="hold">
-                                          <p:stCondLst>
-                                            <p:cond delay="0"/>
-                                          </p:stCondLst>
-                                        </p:cTn>
-                                        <p:tgtEl>
-                                          <p:spTgt spid="5"/>
-                                        </p:tgtEl>
-                                        <p:attrNameLst>
-                                          <p:attrName>style.visibility</p:attrName>
-                                        </p:attrNameLst>
-                                      </p:cBhvr>
-                                      <p:to>
-                                        <p:strVal val="visible"/>
-                                      </p:to>
-                                    </p:set>
-                                  </p:childTnLst>
-                                </p:cTn>
-                              </p:par>
-                              <p:par>
-                                <p:cTn id="13" presetID="10" presetClass="exit" presetSubtype="0" fill="hold" grpId="0" nodeType="withEffect">
-                                  <p:stCondLst>
-                                    <p:cond delay="0"/>
-                                  </p:stCondLst>
-                                  <p:childTnLst>
-                                    <p:animEffect transition="out" filter="fade">
-                                      <p:cBhvr>
-                                        <p:cTn id="14" dur="500"/>
-                                        <p:tgtEl>
-                                          <p:spTgt spid="7"/>
-                                        </p:tgtEl>
-                                      </p:cBhvr>
-                                    </p:animEffect>
-                                    <p:set>
-                                      <p:cBhvr>
-                                        <p:cTn id="15" dur="1" fill="hold">
-                                          <p:stCondLst>
-                                            <p:cond delay="499"/>
-                                          </p:stCondLst>
-                                        </p:cTn>
-                                        <p:tgtEl>
-                                          <p:spTgt spid="7"/>
-                                        </p:tgtEl>
-                                        <p:attrNameLst>
-                                          <p:attrName>style.visibility</p:attrName>
-                                        </p:attrNameLst>
-                                      </p:cBhvr>
-                                      <p:to>
-                                        <p:strVal val="hidden"/>
-                                      </p:to>
-                                    </p:set>
-                                  </p:childTnLst>
-                                </p:cTn>
-                              </p:par>
-                              <p:par>
-                                <p:cTn id="16" presetID="1" presetClass="entr" presetSubtype="0" fill="hold" grpId="0" nodeType="withEffect">
-                                  <p:stCondLst>
-                                    <p:cond delay="0"/>
-                                  </p:stCondLst>
-                                  <p:childTnLst>
-                                    <p:set>
-                                      <p:cBhvr>
-                                        <p:cTn id="17" dur="1" fill="hold">
-                                          <p:stCondLst>
-                                            <p:cond delay="0"/>
-                                          </p:stCondLst>
-                                        </p:cTn>
-                                        <p:tgtEl>
-                                          <p:spTgt spid="6"/>
-                                        </p:tgtEl>
-                                        <p:attrNameLst>
-                                          <p:attrName>style.visibility</p:attrName>
-                                        </p:attrNameLst>
-                                      </p:cBhvr>
-                                      <p:to>
-                                        <p:strVal val="visible"/>
-                                      </p:to>
-                                    </p:set>
-                                  </p:childTnLst>
-                                </p:cTn>
-                              </p:par>
-                            </p:childTnLst>
-                          </p:cTn>
-                        </p:par>
-                      </p:childTnLst>
-                    </p:cTn>
-                  </p:par>
-                </p:childTnLst>
-              </p:cTn>
-              <p:prevCondLst>
-                <p:cond evt="onPrev" delay="0">
-                  <p:tgtEl>
-                    <p:sldTgt/>
-                  </p:tgtEl>
-                </p:cond>
-              </p:prevCondLst>
-              <p:nextCondLst>
-                <p:cond evt="onNext" delay="0">
-                  <p:tgtEl>
-                    <p:sldTgt/>
-                  </p:tgtEl>
-                </p:cond>
-              </p:nextCondLst>
-            </p:seq>
-          </p:childTnLst>
-        </p:cTn>
+        <p:cTn id="1" dur="indefinite" restart="never" nodeType="tmRoot"/>
       </p:par>
     </p:tnLst>
-    <p:bldLst>
-      <p:bldP spid="6" grpId="0" animBg="1"/>
-      <p:bldP spid="7" grpId="0" animBg="1"/>
-    </p:bldLst>
   </p:timing>
 </p:sld>
 </file>
@@ -10992,7 +10229,7 @@
           <a:p>
             <a:r>
               <a:rPr lang="en-US" dirty="0" smtClean="0"/>
-              <a:t>Example</a:t>
+              <a:t>Your turn …</a:t>
             </a:r>
             <a:endParaRPr lang="en-GB" dirty="0"/>
           </a:p>
@@ -11010,286 +10247,120 @@
         </p:nvSpPr>
         <p:spPr/>
         <p:txBody>
-          <a:bodyPr numCol="1">
-            <a:normAutofit fontScale="85000" lnSpcReduction="20000"/>
+          <a:bodyPr>
+            <a:normAutofit/>
           </a:bodyPr>
           <a:lstStyle/>
           <a:p>
-            <a:pPr marL="0" indent="0">
+            <a:r>
+              <a:rPr lang="en-US" dirty="0" smtClean="0"/>
+              <a:t>What to do?</a:t>
+            </a:r>
+          </a:p>
+          <a:p>
+            <a:pPr lvl="1"/>
+            <a:r>
+              <a:rPr lang="en-US" dirty="0" smtClean="0"/>
+              <a:t>develop SET </a:t>
+            </a:r>
+          </a:p>
+          <a:p>
+            <a:r>
+              <a:rPr lang="en-US" dirty="0" smtClean="0"/>
+              <a:t>What’s left?</a:t>
+            </a:r>
+            <a:endParaRPr lang="en-US" dirty="0" smtClean="0"/>
+          </a:p>
+          <a:p>
+            <a:pPr lvl="1"/>
+            <a:r>
+              <a:rPr lang="en-US" dirty="0" smtClean="0"/>
+              <a:t> </a:t>
+            </a:r>
+            <a:r>
+              <a:rPr lang="en-US" i="1" strike="sngStrike" dirty="0" smtClean="0"/>
+              <a:t>size</a:t>
+            </a:r>
+          </a:p>
+          <a:p>
+            <a:pPr lvl="1"/>
+            <a:r>
+              <a:rPr lang="en-US" i="1" dirty="0" smtClean="0"/>
+              <a:t>c</a:t>
+            </a:r>
+            <a:r>
+              <a:rPr lang="en-US" i="1" dirty="0" smtClean="0"/>
+              <a:t>ontains</a:t>
+            </a:r>
+          </a:p>
+          <a:p>
+            <a:pPr lvl="1"/>
+            <a:r>
+              <a:rPr lang="en-US" i="1" dirty="0"/>
+              <a:t>add</a:t>
+            </a:r>
+          </a:p>
+          <a:p>
+            <a:pPr lvl="1"/>
+            <a:r>
+              <a:rPr lang="en-US" i="1" dirty="0" smtClean="0"/>
+              <a:t>remove</a:t>
+            </a:r>
+            <a:endParaRPr lang="en-US" i="1" dirty="0" smtClean="0"/>
+          </a:p>
+          <a:p>
+            <a:pPr marL="914400" lvl="2" indent="0">
               <a:buNone/>
             </a:pPr>
-            <a:r>
-              <a:rPr lang="en-GB" sz="2800" dirty="0"/>
-              <a:t>@Test</a:t>
-            </a:r>
-          </a:p>
-          <a:p>
-            <a:pPr marL="0" indent="0">
-              <a:buNone/>
-            </a:pPr>
-            <a:r>
-              <a:rPr lang="en-GB" sz="2800" dirty="0" smtClean="0"/>
-              <a:t>public </a:t>
-            </a:r>
-            <a:r>
-              <a:rPr lang="en-GB" sz="2800" dirty="0"/>
-              <a:t>void </a:t>
-            </a:r>
-            <a:r>
-              <a:rPr lang="en-GB" sz="2800" dirty="0" smtClean="0"/>
-              <a:t>add() </a:t>
-            </a:r>
-            <a:r>
-              <a:rPr lang="en-GB" sz="2800" dirty="0"/>
-              <a:t>{</a:t>
-            </a:r>
-          </a:p>
-          <a:p>
-            <a:pPr marL="0" indent="0">
-              <a:buNone/>
-            </a:pPr>
-            <a:r>
-              <a:rPr lang="en-GB" sz="2800" dirty="0" smtClean="0"/>
-              <a:t>    </a:t>
-            </a:r>
-            <a:r>
-              <a:rPr lang="en-GB" sz="2800" dirty="0" err="1" smtClean="0"/>
-              <a:t>assertEquals</a:t>
-            </a:r>
-            <a:r>
-              <a:rPr lang="en-GB" sz="2800" dirty="0" smtClean="0"/>
-              <a:t>(1, </a:t>
-            </a:r>
-            <a:r>
-              <a:rPr lang="en-GB" sz="2800" dirty="0" err="1" smtClean="0"/>
-              <a:t>oneElementSet.size</a:t>
-            </a:r>
-            <a:r>
-              <a:rPr lang="en-GB" sz="2800" dirty="0"/>
-              <a:t>());</a:t>
-            </a:r>
-          </a:p>
-          <a:p>
-            <a:pPr marL="0" indent="0">
-              <a:buNone/>
-            </a:pPr>
-            <a:r>
-              <a:rPr lang="en-GB" sz="2800" dirty="0" smtClean="0"/>
-              <a:t>}</a:t>
-            </a:r>
-          </a:p>
-          <a:p>
-            <a:pPr marL="0" indent="0">
-              <a:buNone/>
-            </a:pPr>
-            <a:endParaRPr lang="en-US" sz="2800" dirty="0"/>
-          </a:p>
-          <a:p>
-            <a:pPr marL="0" indent="0">
-              <a:buNone/>
-            </a:pPr>
-            <a:endParaRPr lang="en-GB" sz="2800" dirty="0" smtClean="0"/>
-          </a:p>
-          <a:p>
-            <a:pPr marL="0" indent="0">
-              <a:buNone/>
-            </a:pPr>
-            <a:r>
-              <a:rPr lang="en-GB" sz="2800" dirty="0" smtClean="0"/>
-              <a:t>public </a:t>
-            </a:r>
-            <a:r>
-              <a:rPr lang="en-GB" sz="2800" dirty="0" err="1"/>
-              <a:t>int</a:t>
-            </a:r>
-            <a:r>
-              <a:rPr lang="en-GB" sz="2800" dirty="0"/>
-              <a:t> size() {</a:t>
-            </a:r>
-          </a:p>
-          <a:p>
-            <a:pPr marL="0" indent="0">
-              <a:buNone/>
-            </a:pPr>
-            <a:r>
-              <a:rPr lang="en-GB" sz="2800" dirty="0" smtClean="0"/>
-              <a:t>    </a:t>
-            </a:r>
-            <a:r>
-              <a:rPr lang="en-GB" sz="2800" dirty="0"/>
-              <a:t>return </a:t>
-            </a:r>
-            <a:r>
-              <a:rPr lang="en-GB" sz="2800" dirty="0" smtClean="0"/>
-              <a:t>size;</a:t>
-            </a:r>
-            <a:endParaRPr lang="en-GB" sz="2800" dirty="0"/>
-          </a:p>
-          <a:p>
-            <a:pPr marL="0" indent="0">
-              <a:buNone/>
-            </a:pPr>
-            <a:r>
-              <a:rPr lang="en-GB" sz="2800" dirty="0" smtClean="0"/>
-              <a:t>}</a:t>
-            </a:r>
-          </a:p>
-          <a:p>
-            <a:pPr marL="0" indent="0">
-              <a:buNone/>
-            </a:pPr>
-            <a:r>
-              <a:rPr lang="en-US" sz="2800" dirty="0"/>
-              <a:t>p</a:t>
-            </a:r>
-            <a:r>
-              <a:rPr lang="en-US" sz="2800" dirty="0" smtClean="0"/>
-              <a:t>ublic void add(Object element) {</a:t>
-            </a:r>
-          </a:p>
-          <a:p>
-            <a:pPr marL="0" indent="0">
-              <a:buNone/>
-            </a:pPr>
-            <a:r>
-              <a:rPr lang="en-US" sz="2800" dirty="0" smtClean="0"/>
-              <a:t>   size++;</a:t>
-            </a:r>
-          </a:p>
-          <a:p>
-            <a:pPr marL="0" indent="0">
-              <a:buNone/>
-            </a:pPr>
-            <a:r>
-              <a:rPr lang="en-US" sz="2800" dirty="0"/>
-              <a:t>}</a:t>
-            </a:r>
-            <a:endParaRPr lang="en-GB" sz="2800" dirty="0" smtClean="0"/>
-          </a:p>
-        </p:txBody>
-      </p:sp>
-      <p:cxnSp>
-        <p:nvCxnSpPr>
-          <p:cNvPr id="5" name="Straight Connector 4"/>
-          <p:cNvCxnSpPr/>
+            <a:endParaRPr lang="en-GB" dirty="0"/>
+          </a:p>
+        </p:txBody>
+      </p:sp>
+      <p:pic>
+        <p:nvPicPr>
+          <p:cNvPr id="4" name="Picture 2" descr="C:\Users\i024099\AppData\Local\Microsoft\Windows\Temporary Internet Files\Content.IE5\DFQQ12XG\MP900414068[1].jpg"/>
+          <p:cNvPicPr>
+            <a:picLocks noChangeAspect="1" noChangeArrowheads="1"/>
+          </p:cNvPicPr>
           <p:nvPr/>
-        </p:nvCxnSpPr>
-        <p:spPr>
+        </p:nvPicPr>
+        <p:blipFill>
+          <a:blip r:embed="rId3" cstate="print">
+            <a:extLst>
+              <a:ext uri="{28A0092B-C50C-407E-A947-70E740481C1C}">
+                <a14:useLocalDpi xmlns:a14="http://schemas.microsoft.com/office/drawing/2010/main" val="0"/>
+              </a:ext>
+            </a:extLst>
+          </a:blip>
+          <a:srcRect/>
+          <a:stretch>
+            <a:fillRect/>
+          </a:stretch>
+        </p:blipFill>
+        <p:spPr bwMode="auto">
           <a:xfrm>
-            <a:off x="683568" y="3429000"/>
-            <a:ext cx="7776864" cy="0"/>
+            <a:off x="4716016" y="1916832"/>
+            <a:ext cx="4091533" cy="3273227"/>
           </a:xfrm>
-          <a:prstGeom prst="line">
+          <a:prstGeom prst="rect">
             <a:avLst/>
           </a:prstGeom>
-          <a:ln w="50800" cap="rnd">
-            <a:prstDash val="dash"/>
-            <a:round/>
-          </a:ln>
+          <a:noFill/>
+          <a:extLst>
+            <a:ext uri="{909E8E84-426E-40DD-AFC4-6F175D3DCCD1}">
+              <a14:hiddenFill xmlns:a14="http://schemas.microsoft.com/office/drawing/2010/main">
+                <a:solidFill>
+                  <a:srgbClr val="FFFFFF"/>
+                </a:solidFill>
+              </a14:hiddenFill>
+            </a:ext>
+          </a:extLst>
         </p:spPr>
-        <p:style>
-          <a:lnRef idx="1">
-            <a:schemeClr val="accent1"/>
-          </a:lnRef>
-          <a:fillRef idx="0">
-            <a:schemeClr val="accent1"/>
-          </a:fillRef>
-          <a:effectRef idx="0">
-            <a:schemeClr val="accent1"/>
-          </a:effectRef>
-          <a:fontRef idx="minor">
-            <a:schemeClr val="tx1"/>
-          </a:fontRef>
-        </p:style>
-      </p:cxnSp>
-      <p:sp>
-        <p:nvSpPr>
-          <p:cNvPr id="6" name="Oval 5"/>
-          <p:cNvSpPr/>
-          <p:nvPr/>
-        </p:nvSpPr>
-        <p:spPr>
-          <a:xfrm>
-            <a:off x="6948264" y="1916832"/>
-            <a:ext cx="1152128" cy="1080120"/>
-          </a:xfrm>
-          <a:prstGeom prst="ellipse">
-            <a:avLst/>
-          </a:prstGeom>
-        </p:spPr>
-        <p:style>
-          <a:lnRef idx="0">
-            <a:schemeClr val="accent2"/>
-          </a:lnRef>
-          <a:fillRef idx="3">
-            <a:schemeClr val="accent2"/>
-          </a:fillRef>
-          <a:effectRef idx="3">
-            <a:schemeClr val="accent2"/>
-          </a:effectRef>
-          <a:fontRef idx="minor">
-            <a:schemeClr val="lt1"/>
-          </a:fontRef>
-        </p:style>
-        <p:txBody>
-          <a:bodyPr rtlCol="0" anchor="ctr"/>
-          <a:lstStyle/>
-          <a:p>
-            <a:pPr algn="ctr"/>
-            <a:r>
-              <a:rPr lang="en-US" dirty="0" smtClean="0"/>
-              <a:t>Red</a:t>
-            </a:r>
-            <a:endParaRPr lang="en-GB" dirty="0"/>
-          </a:p>
-        </p:txBody>
-      </p:sp>
-      <p:sp>
-        <p:nvSpPr>
-          <p:cNvPr id="7" name="Oval 6"/>
-          <p:cNvSpPr/>
-          <p:nvPr/>
-        </p:nvSpPr>
-        <p:spPr>
-          <a:xfrm>
-            <a:off x="7020272" y="4581128"/>
-            <a:ext cx="1152128" cy="1080120"/>
-          </a:xfrm>
-          <a:prstGeom prst="ellipse">
-            <a:avLst/>
-          </a:prstGeom>
-        </p:spPr>
-        <p:style>
-          <a:lnRef idx="0">
-            <a:schemeClr val="accent3"/>
-          </a:lnRef>
-          <a:fillRef idx="3">
-            <a:schemeClr val="accent3"/>
-          </a:fillRef>
-          <a:effectRef idx="3">
-            <a:schemeClr val="accent3"/>
-          </a:effectRef>
-          <a:fontRef idx="minor">
-            <a:schemeClr val="lt1"/>
-          </a:fontRef>
-        </p:style>
-        <p:txBody>
-          <a:bodyPr rtlCol="0" anchor="ctr"/>
-          <a:lstStyle/>
-          <a:p>
-            <a:pPr algn="ctr"/>
-            <a:r>
-              <a:rPr lang="en-US" dirty="0" smtClean="0"/>
-              <a:t>Green</a:t>
-            </a:r>
-            <a:endParaRPr lang="en-GB" dirty="0"/>
-          </a:p>
-        </p:txBody>
-      </p:sp>
+      </p:pic>
     </p:spTree>
     <p:extLst>
       <p:ext uri="{BB962C8B-B14F-4D97-AF65-F5344CB8AC3E}">
-        <p14:creationId xmlns:p14="http://schemas.microsoft.com/office/powerpoint/2010/main" val="2569090040"/>
+        <p14:creationId xmlns:p14="http://schemas.microsoft.com/office/powerpoint/2010/main" val="2072719028"/>
       </p:ext>
     </p:extLst>
   </p:cSld>
@@ -11299,329 +10370,9 @@
   <p:timing>
     <p:tnLst>
       <p:par>
-        <p:cTn id="1" dur="indefinite" restart="never" nodeType="tmRoot">
-          <p:childTnLst>
-            <p:seq concurrent="1" nextAc="seek">
-              <p:cTn id="2" dur="indefinite" nodeType="mainSeq">
-                <p:childTnLst>
-                  <p:par>
-                    <p:cTn id="3" fill="hold">
-                      <p:stCondLst>
-                        <p:cond delay="indefinite"/>
-                      </p:stCondLst>
-                      <p:childTnLst>
-                        <p:par>
-                          <p:cTn id="4" fill="hold">
-                            <p:stCondLst>
-                              <p:cond delay="0"/>
-                            </p:stCondLst>
-                            <p:childTnLst>
-                              <p:par>
-                                <p:cTn id="5" presetID="1" presetClass="entr" presetSubtype="0" fill="hold" nodeType="clickEffect">
-                                  <p:stCondLst>
-                                    <p:cond delay="0"/>
-                                  </p:stCondLst>
-                                  <p:childTnLst>
-                                    <p:set>
-                                      <p:cBhvr>
-                                        <p:cTn id="6" dur="1" fill="hold">
-                                          <p:stCondLst>
-                                            <p:cond delay="0"/>
-                                          </p:stCondLst>
-                                        </p:cTn>
-                                        <p:tgtEl>
-                                          <p:spTgt spid="3">
-                                            <p:txEl>
-                                              <p:pRg st="6" end="6"/>
-                                            </p:txEl>
-                                          </p:spTgt>
-                                        </p:tgtEl>
-                                        <p:attrNameLst>
-                                          <p:attrName>style.visibility</p:attrName>
-                                        </p:attrNameLst>
-                                      </p:cBhvr>
-                                      <p:to>
-                                        <p:strVal val="visible"/>
-                                      </p:to>
-                                    </p:set>
-                                  </p:childTnLst>
-                                </p:cTn>
-                              </p:par>
-                              <p:par>
-                                <p:cTn id="7" presetID="1" presetClass="entr" presetSubtype="0" fill="hold" nodeType="withEffect">
-                                  <p:stCondLst>
-                                    <p:cond delay="0"/>
-                                  </p:stCondLst>
-                                  <p:childTnLst>
-                                    <p:set>
-                                      <p:cBhvr>
-                                        <p:cTn id="8" dur="1" fill="hold">
-                                          <p:stCondLst>
-                                            <p:cond delay="0"/>
-                                          </p:stCondLst>
-                                        </p:cTn>
-                                        <p:tgtEl>
-                                          <p:spTgt spid="3">
-                                            <p:txEl>
-                                              <p:pRg st="7" end="7"/>
-                                            </p:txEl>
-                                          </p:spTgt>
-                                        </p:tgtEl>
-                                        <p:attrNameLst>
-                                          <p:attrName>style.visibility</p:attrName>
-                                        </p:attrNameLst>
-                                      </p:cBhvr>
-                                      <p:to>
-                                        <p:strVal val="visible"/>
-                                      </p:to>
-                                    </p:set>
-                                  </p:childTnLst>
-                                </p:cTn>
-                              </p:par>
-                              <p:par>
-                                <p:cTn id="9" presetID="1" presetClass="entr" presetSubtype="0" fill="hold" nodeType="withEffect">
-                                  <p:stCondLst>
-                                    <p:cond delay="0"/>
-                                  </p:stCondLst>
-                                  <p:childTnLst>
-                                    <p:set>
-                                      <p:cBhvr>
-                                        <p:cTn id="10" dur="1" fill="hold">
-                                          <p:stCondLst>
-                                            <p:cond delay="0"/>
-                                          </p:stCondLst>
-                                        </p:cTn>
-                                        <p:tgtEl>
-                                          <p:spTgt spid="3">
-                                            <p:txEl>
-                                              <p:pRg st="8" end="8"/>
-                                            </p:txEl>
-                                          </p:spTgt>
-                                        </p:tgtEl>
-                                        <p:attrNameLst>
-                                          <p:attrName>style.visibility</p:attrName>
-                                        </p:attrNameLst>
-                                      </p:cBhvr>
-                                      <p:to>
-                                        <p:strVal val="visible"/>
-                                      </p:to>
-                                    </p:set>
-                                  </p:childTnLst>
-                                </p:cTn>
-                              </p:par>
-                              <p:par>
-                                <p:cTn id="11" presetID="1" presetClass="entr" presetSubtype="0" fill="hold" nodeType="withEffect">
-                                  <p:stCondLst>
-                                    <p:cond delay="0"/>
-                                  </p:stCondLst>
-                                  <p:childTnLst>
-                                    <p:set>
-                                      <p:cBhvr>
-                                        <p:cTn id="12" dur="1" fill="hold">
-                                          <p:stCondLst>
-                                            <p:cond delay="0"/>
-                                          </p:stCondLst>
-                                        </p:cTn>
-                                        <p:tgtEl>
-                                          <p:spTgt spid="3">
-                                            <p:txEl>
-                                              <p:pRg st="9" end="9"/>
-                                            </p:txEl>
-                                          </p:spTgt>
-                                        </p:tgtEl>
-                                        <p:attrNameLst>
-                                          <p:attrName>style.visibility</p:attrName>
-                                        </p:attrNameLst>
-                                      </p:cBhvr>
-                                      <p:to>
-                                        <p:strVal val="visible"/>
-                                      </p:to>
-                                    </p:set>
-                                  </p:childTnLst>
-                                </p:cTn>
-                              </p:par>
-                              <p:par>
-                                <p:cTn id="13" presetID="1" presetClass="entr" presetSubtype="0" fill="hold" nodeType="withEffect">
-                                  <p:stCondLst>
-                                    <p:cond delay="0"/>
-                                  </p:stCondLst>
-                                  <p:childTnLst>
-                                    <p:set>
-                                      <p:cBhvr>
-                                        <p:cTn id="14" dur="1" fill="hold">
-                                          <p:stCondLst>
-                                            <p:cond delay="0"/>
-                                          </p:stCondLst>
-                                        </p:cTn>
-                                        <p:tgtEl>
-                                          <p:spTgt spid="3">
-                                            <p:txEl>
-                                              <p:pRg st="10" end="10"/>
-                                            </p:txEl>
-                                          </p:spTgt>
-                                        </p:tgtEl>
-                                        <p:attrNameLst>
-                                          <p:attrName>style.visibility</p:attrName>
-                                        </p:attrNameLst>
-                                      </p:cBhvr>
-                                      <p:to>
-                                        <p:strVal val="visible"/>
-                                      </p:to>
-                                    </p:set>
-                                  </p:childTnLst>
-                                </p:cTn>
-                              </p:par>
-                              <p:par>
-                                <p:cTn id="15" presetID="1" presetClass="entr" presetSubtype="0" fill="hold" nodeType="withEffect">
-                                  <p:stCondLst>
-                                    <p:cond delay="0"/>
-                                  </p:stCondLst>
-                                  <p:childTnLst>
-                                    <p:set>
-                                      <p:cBhvr>
-                                        <p:cTn id="16" dur="1" fill="hold">
-                                          <p:stCondLst>
-                                            <p:cond delay="0"/>
-                                          </p:stCondLst>
-                                        </p:cTn>
-                                        <p:tgtEl>
-                                          <p:spTgt spid="3">
-                                            <p:txEl>
-                                              <p:pRg st="11" end="11"/>
-                                            </p:txEl>
-                                          </p:spTgt>
-                                        </p:tgtEl>
-                                        <p:attrNameLst>
-                                          <p:attrName>style.visibility</p:attrName>
-                                        </p:attrNameLst>
-                                      </p:cBhvr>
-                                      <p:to>
-                                        <p:strVal val="visible"/>
-                                      </p:to>
-                                    </p:set>
-                                  </p:childTnLst>
-                                </p:cTn>
-                              </p:par>
-                              <p:par>
-                                <p:cTn id="17" presetID="1" presetClass="entr" presetSubtype="0" fill="hold" nodeType="withEffect">
-                                  <p:stCondLst>
-                                    <p:cond delay="0"/>
-                                  </p:stCondLst>
-                                  <p:childTnLst>
-                                    <p:set>
-                                      <p:cBhvr>
-                                        <p:cTn id="18" dur="1" fill="hold">
-                                          <p:stCondLst>
-                                            <p:cond delay="0"/>
-                                          </p:stCondLst>
-                                        </p:cTn>
-                                        <p:tgtEl>
-                                          <p:spTgt spid="5"/>
-                                        </p:tgtEl>
-                                        <p:attrNameLst>
-                                          <p:attrName>style.visibility</p:attrName>
-                                        </p:attrNameLst>
-                                      </p:cBhvr>
-                                      <p:to>
-                                        <p:strVal val="visible"/>
-                                      </p:to>
-                                    </p:set>
-                                  </p:childTnLst>
-                                </p:cTn>
-                              </p:par>
-                              <p:par>
-                                <p:cTn id="19" presetID="10" presetClass="exit" presetSubtype="0" fill="hold" grpId="0" nodeType="withEffect">
-                                  <p:stCondLst>
-                                    <p:cond delay="0"/>
-                                  </p:stCondLst>
-                                  <p:childTnLst>
-                                    <p:animEffect transition="out" filter="fade">
-                                      <p:cBhvr>
-                                        <p:cTn id="20" dur="500"/>
-                                        <p:tgtEl>
-                                          <p:spTgt spid="6"/>
-                                        </p:tgtEl>
-                                      </p:cBhvr>
-                                    </p:animEffect>
-                                    <p:set>
-                                      <p:cBhvr>
-                                        <p:cTn id="21" dur="1" fill="hold">
-                                          <p:stCondLst>
-                                            <p:cond delay="499"/>
-                                          </p:stCondLst>
-                                        </p:cTn>
-                                        <p:tgtEl>
-                                          <p:spTgt spid="6"/>
-                                        </p:tgtEl>
-                                        <p:attrNameLst>
-                                          <p:attrName>style.visibility</p:attrName>
-                                        </p:attrNameLst>
-                                      </p:cBhvr>
-                                      <p:to>
-                                        <p:strVal val="hidden"/>
-                                      </p:to>
-                                    </p:set>
-                                  </p:childTnLst>
-                                </p:cTn>
-                              </p:par>
-                              <p:par>
-                                <p:cTn id="22" presetID="1" presetClass="entr" presetSubtype="0" fill="hold" grpId="0" nodeType="withEffect">
-                                  <p:stCondLst>
-                                    <p:cond delay="0"/>
-                                  </p:stCondLst>
-                                  <p:childTnLst>
-                                    <p:set>
-                                      <p:cBhvr>
-                                        <p:cTn id="23" dur="1" fill="hold">
-                                          <p:stCondLst>
-                                            <p:cond delay="0"/>
-                                          </p:stCondLst>
-                                        </p:cTn>
-                                        <p:tgtEl>
-                                          <p:spTgt spid="7"/>
-                                        </p:tgtEl>
-                                        <p:attrNameLst>
-                                          <p:attrName>style.visibility</p:attrName>
-                                        </p:attrNameLst>
-                                      </p:cBhvr>
-                                      <p:to>
-                                        <p:strVal val="visible"/>
-                                      </p:to>
-                                    </p:set>
-                                  </p:childTnLst>
-                                </p:cTn>
-                              </p:par>
-                            </p:childTnLst>
-                          </p:cTn>
-                        </p:par>
-                      </p:childTnLst>
-                    </p:cTn>
-                  </p:par>
-                </p:childTnLst>
-              </p:cTn>
-              <p:prevCondLst>
-                <p:cond evt="onPrev" delay="0">
-                  <p:tgtEl>
-                    <p:sldTgt/>
-                  </p:tgtEl>
-                </p:cond>
-              </p:prevCondLst>
-              <p:nextCondLst>
-                <p:cond evt="onNext" delay="0">
-                  <p:tgtEl>
-                    <p:sldTgt/>
-                  </p:tgtEl>
-                </p:cond>
-              </p:nextCondLst>
-            </p:seq>
-          </p:childTnLst>
-        </p:cTn>
+        <p:cTn id="1" dur="indefinite" restart="never" nodeType="tmRoot"/>
       </p:par>
     </p:tnLst>
-    <p:bldLst>
-      <p:bldP spid="6" grpId="0" animBg="1"/>
-      <p:bldP spid="7" grpId="0" animBg="1"/>
-    </p:bldLst>
   </p:timing>
 </p:sld>
 </file>

--- a/ISTA.pptx
+++ b/ISTA.pptx
@@ -5,7 +5,7 @@
     <p:sldMasterId id="2147483648" r:id="rId1"/>
   </p:sldMasterIdLst>
   <p:notesMasterIdLst>
-    <p:notesMasterId r:id="rId19"/>
+    <p:notesMasterId r:id="rId20"/>
   </p:notesMasterIdLst>
   <p:sldIdLst>
     <p:sldId id="256" r:id="rId2"/>
@@ -23,25 +23,26 @@
     <p:sldId id="295" r:id="rId14"/>
     <p:sldId id="306" r:id="rId15"/>
     <p:sldId id="297" r:id="rId16"/>
-    <p:sldId id="304" r:id="rId17"/>
+    <p:sldId id="307" r:id="rId17"/>
     <p:sldId id="303" r:id="rId18"/>
+    <p:sldId id="308" r:id="rId19"/>
   </p:sldIdLst>
   <p:sldSz cx="9144000" cy="6858000" type="screen4x3"/>
   <p:notesSz cx="6858000" cy="9144000"/>
   <p:embeddedFontLst>
     <p:embeddedFont>
       <p:font typeface="Century Schoolbook" panose="02040604050505020304" pitchFamily="18" charset="0"/>
-      <p:regular r:id="rId20"/>
-      <p:bold r:id="rId21"/>
-      <p:italic r:id="rId22"/>
-      <p:boldItalic r:id="rId23"/>
+      <p:regular r:id="rId21"/>
+      <p:bold r:id="rId22"/>
+      <p:italic r:id="rId23"/>
+      <p:boldItalic r:id="rId24"/>
     </p:embeddedFont>
     <p:embeddedFont>
       <p:font typeface="Calibri" panose="020F0502020204030204" pitchFamily="34" charset="0"/>
-      <p:regular r:id="rId24"/>
-      <p:bold r:id="rId25"/>
-      <p:italic r:id="rId26"/>
-      <p:boldItalic r:id="rId27"/>
+      <p:regular r:id="rId25"/>
+      <p:bold r:id="rId26"/>
+      <p:italic r:id="rId27"/>
+      <p:boldItalic r:id="rId28"/>
     </p:embeddedFont>
   </p:embeddedFontLst>
   <p:defaultTextStyle>
@@ -224,7 +225,7 @@
           <a:p>
             <a:fld id="{549A8584-3EC9-4B3D-ADEC-484F38C8C612}" type="datetimeFigureOut">
               <a:rPr lang="en-GB" smtClean="0"/>
-              <a:t>17/11/2014</a:t>
+              <a:t>24/11/2014</a:t>
             </a:fld>
             <a:endParaRPr lang="en-GB"/>
           </a:p>
@@ -1207,19 +1208,11 @@
             </a:r>
             <a:r>
               <a:rPr lang="en-US" dirty="0" smtClean="0"/>
-              <a:t> - Dependency Injection, Argument </a:t>
-            </a:r>
-            <a:r>
-              <a:rPr lang="en-US" dirty="0" err="1" smtClean="0"/>
-              <a:t>Primitivisation</a:t>
-            </a:r>
-            <a:r>
-              <a:rPr lang="en-US" dirty="0" smtClean="0"/>
-              <a:t>, Stubbs</a:t>
+              <a:t> – we’ll see</a:t>
             </a:r>
             <a:r>
               <a:rPr lang="en-US" baseline="0" dirty="0" smtClean="0"/>
-              <a:t> &amp; Mocks</a:t>
+              <a:t> them later</a:t>
             </a:r>
           </a:p>
           <a:p>
@@ -1239,24 +1232,6 @@
           <a:p>
             <a:r>
               <a:rPr lang="en-US" baseline="0" dirty="0" smtClean="0"/>
-              <a:t>	If a unit </a:t>
-            </a:r>
-            <a:r>
-              <a:rPr lang="en-US" b="1" baseline="0" dirty="0" smtClean="0"/>
-              <a:t>cannot be easily isolated</a:t>
-            </a:r>
-            <a:r>
-              <a:rPr lang="en-US" baseline="0" dirty="0" smtClean="0"/>
-              <a:t> test the </a:t>
-            </a:r>
-            <a:r>
-              <a:rPr lang="en-US" b="1" baseline="0" dirty="0" smtClean="0"/>
-              <a:t>smallest possible system of units</a:t>
-            </a:r>
-          </a:p>
-          <a:p>
-            <a:r>
-              <a:rPr lang="en-US" baseline="0" dirty="0" smtClean="0"/>
               <a:t>	Make </a:t>
             </a:r>
             <a:r>
@@ -1334,37 +1309,14 @@
           </a:p>
           <a:p>
             <a:r>
-              <a:rPr lang="en-US" b="0" baseline="0" dirty="0" smtClean="0"/>
-              <a:t>	It can adapt the design so that the new feature will be easier to implement</a:t>
-            </a:r>
-            <a:endParaRPr lang="en-US" b="1" baseline="0" dirty="0" smtClean="0"/>
-          </a:p>
-          <a:p>
-            <a:r>
               <a:rPr lang="en-US" b="1" dirty="0" smtClean="0"/>
               <a:t>Add new features</a:t>
             </a:r>
           </a:p>
           <a:p>
             <a:r>
-              <a:rPr lang="en-US" dirty="0" smtClean="0"/>
-              <a:t>	Write</a:t>
-            </a:r>
-            <a:r>
               <a:rPr lang="en-US" baseline="0" dirty="0" smtClean="0"/>
-              <a:t> a test for the new feature before the code</a:t>
-            </a:r>
-          </a:p>
-          <a:p>
-            <a:r>
-              <a:rPr lang="en-US" b="0" baseline="0" dirty="0" smtClean="0"/>
-              <a:t>	Make sure that the new test fails</a:t>
-            </a:r>
-          </a:p>
-          <a:p>
-            <a:r>
-              <a:rPr lang="en-US" b="0" baseline="0" dirty="0" smtClean="0"/>
-              <a:t>	Step by step add code that implements the feature until tests run green</a:t>
+              <a:t>	TDD</a:t>
             </a:r>
           </a:p>
           <a:p>
@@ -1375,43 +1327,8 @@
           </a:p>
           <a:p>
             <a:r>
-              <a:rPr lang="en-US" b="0" baseline="0" dirty="0" smtClean="0"/>
-              <a:t>	Execute tests after each small change, so that you know you didn’t break anything</a:t>
-            </a:r>
-          </a:p>
-          <a:p>
-            <a:r>
               <a:rPr lang="en-US" b="1" baseline="0" dirty="0" smtClean="0"/>
               <a:t>Scope Of Testing: Do you have to put the whole system into a harness in one go?</a:t>
-            </a:r>
-          </a:p>
-          <a:p>
-            <a:r>
-              <a:rPr lang="en-US" b="1" baseline="0" dirty="0" smtClean="0"/>
-              <a:t>	</a:t>
-            </a:r>
-            <a:r>
-              <a:rPr lang="en-US" b="0" baseline="0" dirty="0" smtClean="0"/>
-              <a:t>Change is usually feature driven</a:t>
-            </a:r>
-          </a:p>
-          <a:p>
-            <a:r>
-              <a:rPr lang="en-US" b="0" baseline="0" dirty="0" smtClean="0"/>
-              <a:t>	Identify the change points of what you are trying to do</a:t>
-            </a:r>
-          </a:p>
-          <a:p>
-            <a:r>
-              <a:rPr lang="en-US" b="0" baseline="0" dirty="0" smtClean="0"/>
-              <a:t>	Test the system around the change points</a:t>
-            </a:r>
-            <a:endParaRPr lang="en-US" b="1" baseline="0" dirty="0" smtClean="0"/>
-          </a:p>
-          <a:p>
-            <a:r>
-              <a:rPr lang="en-US" b="0" baseline="0" dirty="0" smtClean="0"/>
-              <a:t>	Add new feature with tests</a:t>
             </a:r>
           </a:p>
           <a:p>
@@ -1528,53 +1445,35 @@
             </a:r>
           </a:p>
           <a:p>
-            <a:endParaRPr lang="en-US" dirty="0" smtClean="0"/>
-          </a:p>
-          <a:p>
-            <a:r>
-              <a:rPr lang="en-US" dirty="0" smtClean="0"/>
-              <a:t>Tests</a:t>
-            </a:r>
-          </a:p>
-          <a:p>
-            <a:r>
-              <a:rPr lang="en-US" dirty="0" smtClean="0"/>
-              <a:t>	will guarantee we do</a:t>
-            </a:r>
-            <a:r>
-              <a:rPr lang="en-US" baseline="0" dirty="0" smtClean="0"/>
-              <a:t> not break code</a:t>
-            </a:r>
-          </a:p>
-          <a:p>
-            <a:r>
-              <a:rPr lang="en-US" baseline="0" dirty="0" smtClean="0"/>
-              <a:t>	enable change</a:t>
-            </a:r>
-            <a:endParaRPr lang="en-US" dirty="0" smtClean="0"/>
-          </a:p>
-          <a:p>
-            <a:r>
-              <a:rPr lang="en-US" dirty="0" smtClean="0"/>
-              <a:t>No code changes or bug fixes</a:t>
-            </a:r>
-          </a:p>
-          <a:p>
-            <a:r>
-              <a:rPr lang="en-US" dirty="0" smtClean="0"/>
-              <a:t>	bugs are part of the API - customers rely on it</a:t>
-            </a:r>
-          </a:p>
-          <a:p>
-            <a:r>
-              <a:rPr lang="en-US" dirty="0" smtClean="0"/>
-              <a:t>	we have no tests yet – cannot guarantee we don’t</a:t>
-            </a:r>
-            <a:r>
-              <a:rPr lang="en-US" baseline="0" dirty="0" smtClean="0"/>
-              <a:t> break code</a:t>
-            </a:r>
-            <a:endParaRPr lang="en-GB" dirty="0"/>
+            <a:endParaRPr lang="en-US" b="1" dirty="0" smtClean="0"/>
+          </a:p>
+          <a:p>
+            <a:r>
+              <a:rPr lang="en-US" b="0" dirty="0" smtClean="0"/>
+              <a:t>Computer system (Cache Register)</a:t>
+            </a:r>
+            <a:r>
+              <a:rPr lang="en-US" b="0" baseline="0" dirty="0" smtClean="0"/>
+              <a:t> </a:t>
+            </a:r>
+            <a:r>
+              <a:rPr lang="en-US" b="0" dirty="0" smtClean="0"/>
+              <a:t>with fiscal device</a:t>
+            </a:r>
+          </a:p>
+          <a:p>
+            <a:endParaRPr lang="bg-BG" dirty="0" smtClean="0"/>
+          </a:p>
+          <a:p>
+            <a:r>
+              <a:rPr lang="bg-BG" b="1" dirty="0" smtClean="0"/>
+              <a:t>Компютърна</a:t>
+            </a:r>
+            <a:r>
+              <a:rPr lang="bg-BG" b="1" baseline="0" dirty="0" smtClean="0"/>
+              <a:t> система вързана с фискално устройство</a:t>
+            </a:r>
+            <a:endParaRPr lang="en-US" b="1" dirty="0" smtClean="0"/>
           </a:p>
         </p:txBody>
       </p:sp>
@@ -1967,6 +1866,33 @@
               <a:t>(Georgi)</a:t>
             </a:r>
           </a:p>
+          <a:p>
+            <a:endParaRPr lang="en-US" b="1" dirty="0" smtClean="0"/>
+          </a:p>
+          <a:p>
+            <a:r>
+              <a:rPr lang="en-US" b="1" dirty="0" smtClean="0"/>
+              <a:t>If there is time – explain briefly</a:t>
+            </a:r>
+            <a:r>
+              <a:rPr lang="en-US" b="1" baseline="0" dirty="0" smtClean="0"/>
+              <a:t> </a:t>
+            </a:r>
+            <a:r>
+              <a:rPr lang="en-US" b="1" dirty="0" smtClean="0"/>
+              <a:t>the changes</a:t>
+            </a:r>
+          </a:p>
+          <a:p>
+            <a:endParaRPr lang="en-US" b="1" dirty="0" smtClean="0"/>
+          </a:p>
+          <a:p>
+            <a:r>
+              <a:rPr lang="en-US" b="1" dirty="0" smtClean="0"/>
+              <a:t>If no time – just point out the link</a:t>
+            </a:r>
+            <a:endParaRPr lang="en-US" b="1" dirty="0"/>
+          </a:p>
         </p:txBody>
       </p:sp>
       <p:sp>
@@ -1995,7 +1921,7 @@
     </p:spTree>
     <p:extLst>
       <p:ext uri="{BB962C8B-B14F-4D97-AF65-F5344CB8AC3E}">
-        <p14:creationId xmlns:p14="http://schemas.microsoft.com/office/powerpoint/2010/main" val="986517499"/>
+        <p14:creationId xmlns:p14="http://schemas.microsoft.com/office/powerpoint/2010/main" val="3300127822"/>
       </p:ext>
     </p:extLst>
   </p:cSld>
@@ -2353,11 +2279,7 @@
             </a:r>
             <a:r>
               <a:rPr lang="en-US" b="0" baseline="0" dirty="0" smtClean="0"/>
-              <a:t> scenarios are </a:t>
-            </a:r>
-            <a:r>
-              <a:rPr lang="en-US" b="0" baseline="0" dirty="0" smtClean="0"/>
-              <a:t>complex</a:t>
+              <a:t> scenarios are complex</a:t>
             </a:r>
           </a:p>
           <a:p>
@@ -3155,30 +3077,53 @@
           <a:bodyPr/>
           <a:lstStyle/>
           <a:p>
-            <a:pPr marL="0" marR="0" indent="0" algn="l" defTabSz="914400" rtl="0" eaLnBrk="1" fontAlgn="auto" latinLnBrk="0" hangingPunct="1">
-              <a:lnSpc>
-                <a:spcPct val="100000"/>
-              </a:lnSpc>
-              <a:spcBef>
-                <a:spcPts val="0"/>
-              </a:spcBef>
-              <a:spcAft>
-                <a:spcPts val="0"/>
-              </a:spcAft>
-              <a:buClrTx/>
-              <a:buSzTx/>
-              <a:buFontTx/>
-              <a:buNone/>
-              <a:tabLst/>
-              <a:defRPr/>
-            </a:pPr>
             <a:r>
               <a:rPr lang="en-US" b="1" dirty="0" smtClean="0"/>
-              <a:t>(Hristo)</a:t>
-            </a:r>
-          </a:p>
-          <a:p>
-            <a:endParaRPr lang="en-US" dirty="0"/>
+              <a:t>(Georgi)</a:t>
+            </a:r>
+          </a:p>
+          <a:p>
+            <a:endParaRPr lang="en-US" b="1" dirty="0" smtClean="0"/>
+          </a:p>
+          <a:p>
+            <a:r>
+              <a:rPr lang="en-US" b="1" dirty="0" smtClean="0"/>
+              <a:t>Split</a:t>
+            </a:r>
+            <a:r>
+              <a:rPr lang="en-US" b="1" baseline="0" dirty="0" smtClean="0"/>
+              <a:t> view in Test &amp; Code</a:t>
+            </a:r>
+          </a:p>
+          <a:p>
+            <a:r>
+              <a:rPr lang="en-US" b="1" baseline="0" dirty="0" smtClean="0"/>
+              <a:t>Add test </a:t>
+            </a:r>
+            <a:r>
+              <a:rPr lang="en-US" b="1" baseline="0" dirty="0" err="1" smtClean="0"/>
+              <a:t>isEmpty</a:t>
+            </a:r>
+            <a:endParaRPr lang="en-US" b="1" baseline="0" dirty="0" smtClean="0"/>
+          </a:p>
+          <a:p>
+            <a:r>
+              <a:rPr lang="en-US" b="1" baseline="0" dirty="0" smtClean="0"/>
+              <a:t>Run test –check that it fails</a:t>
+            </a:r>
+          </a:p>
+          <a:p>
+            <a:r>
+              <a:rPr lang="en-US" b="1" baseline="0" dirty="0" smtClean="0"/>
+              <a:t>Add in size() return 0</a:t>
+            </a:r>
+          </a:p>
+          <a:p>
+            <a:r>
+              <a:rPr lang="en-US" b="1" dirty="0" smtClean="0"/>
+              <a:t>Run test – check that it passed</a:t>
+            </a:r>
+            <a:endParaRPr lang="en-US" b="1" dirty="0"/>
           </a:p>
         </p:txBody>
       </p:sp>
@@ -3506,7 +3451,7 @@
           <a:p>
             <a:fld id="{85BC1F4D-59B5-447D-A3E9-B3DA201CA772}" type="datetimeFigureOut">
               <a:rPr lang="en-GB" smtClean="0"/>
-              <a:t>17/11/2014</a:t>
+              <a:t>24/11/2014</a:t>
             </a:fld>
             <a:endParaRPr lang="en-GB"/>
           </a:p>
@@ -3676,7 +3621,7 @@
           <a:p>
             <a:fld id="{85BC1F4D-59B5-447D-A3E9-B3DA201CA772}" type="datetimeFigureOut">
               <a:rPr lang="en-GB" smtClean="0"/>
-              <a:t>17/11/2014</a:t>
+              <a:t>24/11/2014</a:t>
             </a:fld>
             <a:endParaRPr lang="en-GB"/>
           </a:p>
@@ -3856,7 +3801,7 @@
           <a:p>
             <a:fld id="{85BC1F4D-59B5-447D-A3E9-B3DA201CA772}" type="datetimeFigureOut">
               <a:rPr lang="en-GB" smtClean="0"/>
-              <a:t>17/11/2014</a:t>
+              <a:t>24/11/2014</a:t>
             </a:fld>
             <a:endParaRPr lang="en-GB"/>
           </a:p>
@@ -4026,7 +3971,7 @@
           <a:p>
             <a:fld id="{85BC1F4D-59B5-447D-A3E9-B3DA201CA772}" type="datetimeFigureOut">
               <a:rPr lang="en-GB" smtClean="0"/>
-              <a:t>17/11/2014</a:t>
+              <a:t>24/11/2014</a:t>
             </a:fld>
             <a:endParaRPr lang="en-GB"/>
           </a:p>
@@ -4272,7 +4217,7 @@
           <a:p>
             <a:fld id="{85BC1F4D-59B5-447D-A3E9-B3DA201CA772}" type="datetimeFigureOut">
               <a:rPr lang="en-GB" smtClean="0"/>
-              <a:t>17/11/2014</a:t>
+              <a:t>24/11/2014</a:t>
             </a:fld>
             <a:endParaRPr lang="en-GB"/>
           </a:p>
@@ -4560,7 +4505,7 @@
           <a:p>
             <a:fld id="{85BC1F4D-59B5-447D-A3E9-B3DA201CA772}" type="datetimeFigureOut">
               <a:rPr lang="en-GB" smtClean="0"/>
-              <a:t>17/11/2014</a:t>
+              <a:t>24/11/2014</a:t>
             </a:fld>
             <a:endParaRPr lang="en-GB"/>
           </a:p>
@@ -4982,7 +4927,7 @@
           <a:p>
             <a:fld id="{85BC1F4D-59B5-447D-A3E9-B3DA201CA772}" type="datetimeFigureOut">
               <a:rPr lang="en-GB" smtClean="0"/>
-              <a:t>17/11/2014</a:t>
+              <a:t>24/11/2014</a:t>
             </a:fld>
             <a:endParaRPr lang="en-GB"/>
           </a:p>
@@ -5100,7 +5045,7 @@
           <a:p>
             <a:fld id="{85BC1F4D-59B5-447D-A3E9-B3DA201CA772}" type="datetimeFigureOut">
               <a:rPr lang="en-GB" smtClean="0"/>
-              <a:t>17/11/2014</a:t>
+              <a:t>24/11/2014</a:t>
             </a:fld>
             <a:endParaRPr lang="en-GB"/>
           </a:p>
@@ -5195,7 +5140,7 @@
           <a:p>
             <a:fld id="{85BC1F4D-59B5-447D-A3E9-B3DA201CA772}" type="datetimeFigureOut">
               <a:rPr lang="en-GB" smtClean="0"/>
-              <a:t>17/11/2014</a:t>
+              <a:t>24/11/2014</a:t>
             </a:fld>
             <a:endParaRPr lang="en-GB"/>
           </a:p>
@@ -5472,7 +5417,7 @@
           <a:p>
             <a:fld id="{85BC1F4D-59B5-447D-A3E9-B3DA201CA772}" type="datetimeFigureOut">
               <a:rPr lang="en-GB" smtClean="0"/>
-              <a:t>17/11/2014</a:t>
+              <a:t>24/11/2014</a:t>
             </a:fld>
             <a:endParaRPr lang="en-GB"/>
           </a:p>
@@ -5725,7 +5670,7 @@
           <a:p>
             <a:fld id="{85BC1F4D-59B5-447D-A3E9-B3DA201CA772}" type="datetimeFigureOut">
               <a:rPr lang="en-GB" smtClean="0"/>
-              <a:t>17/11/2014</a:t>
+              <a:t>24/11/2014</a:t>
             </a:fld>
             <a:endParaRPr lang="en-GB"/>
           </a:p>
@@ -5938,7 +5883,7 @@
           <a:p>
             <a:fld id="{85BC1F4D-59B5-447D-A3E9-B3DA201CA772}" type="datetimeFigureOut">
               <a:rPr lang="en-GB" smtClean="0"/>
-              <a:t>17/11/2014</a:t>
+              <a:t>24/11/2014</a:t>
             </a:fld>
             <a:endParaRPr lang="en-GB"/>
           </a:p>
@@ -7073,11 +7018,7 @@
           <a:p>
             <a:r>
               <a:rPr lang="en-US" dirty="0" smtClean="0"/>
-              <a:t>Your turn … </a:t>
-            </a:r>
-            <a:r>
-              <a:rPr lang="en-US" dirty="0" smtClean="0"/>
-              <a:t>1/2</a:t>
+              <a:t>Your turn … 1/2</a:t>
             </a:r>
             <a:endParaRPr lang="en-GB" dirty="0"/>
           </a:p>
@@ -7109,7 +7050,7 @@
             <a:pPr lvl="1"/>
             <a:r>
               <a:rPr lang="en-US" dirty="0" smtClean="0"/>
-              <a:t>Capture behaviour</a:t>
+              <a:t>Write a test</a:t>
             </a:r>
           </a:p>
           <a:p>
@@ -7129,7 +7070,7 @@
             <a:pPr lvl="1"/>
             <a:r>
               <a:rPr lang="en-US" dirty="0" smtClean="0"/>
-              <a:t>Write tests</a:t>
+              <a:t>Write a test</a:t>
             </a:r>
           </a:p>
           <a:p>
@@ -7145,6 +7086,12 @@
               <a:rPr lang="en-US" dirty="0" smtClean="0"/>
               <a:t>No bug fixes</a:t>
             </a:r>
+          </a:p>
+          <a:p>
+            <a:pPr marL="914400" lvl="2" indent="0">
+              <a:buNone/>
+            </a:pPr>
+            <a:endParaRPr lang="en-US" dirty="0" smtClean="0"/>
           </a:p>
         </p:txBody>
       </p:sp>
@@ -7243,11 +7190,7 @@
           <a:p>
             <a:r>
               <a:rPr lang="en-US" dirty="0" smtClean="0"/>
-              <a:t>Your turn … </a:t>
-            </a:r>
-            <a:r>
-              <a:rPr lang="en-US" dirty="0" smtClean="0"/>
-              <a:t>2/2</a:t>
+              <a:t>Your turn … 2/2</a:t>
             </a:r>
             <a:endParaRPr lang="en-GB" dirty="0"/>
           </a:p>
@@ -7279,7 +7222,21 @@
             <a:pPr lvl="1"/>
             <a:r>
               <a:rPr lang="en-US" dirty="0" smtClean="0"/>
-              <a:t>Add new functionality</a:t>
+              <a:t>Scrap item</a:t>
+            </a:r>
+          </a:p>
+          <a:p>
+            <a:pPr lvl="2"/>
+            <a:r>
+              <a:rPr lang="en-US" dirty="0" smtClean="0"/>
+              <a:t>In stock items only</a:t>
+            </a:r>
+          </a:p>
+          <a:p>
+            <a:pPr lvl="2"/>
+            <a:r>
+              <a:rPr lang="en-US" dirty="0" smtClean="0"/>
+              <a:t>Number of scrapped</a:t>
             </a:r>
           </a:p>
           <a:p>
@@ -7413,9 +7370,50 @@
           </a:p>
         </p:txBody>
       </p:sp>
-      <p:sp>
-        <p:nvSpPr>
-          <p:cNvPr id="3" name="Content Placeholder 2"/>
+      <p:pic>
+        <p:nvPicPr>
+          <p:cNvPr id="1029" name="Picture 5" descr="C:\Users\i056003\AppData\Local\Microsoft\Windows\Temporary Internet Files\Content.IE5\MR4Z0USH\MC900434828[1].png"/>
+          <p:cNvPicPr>
+            <a:picLocks noChangeAspect="1" noChangeArrowheads="1"/>
+          </p:cNvPicPr>
+          <p:nvPr/>
+        </p:nvPicPr>
+        <p:blipFill>
+          <a:blip r:embed="rId3">
+            <a:extLst>
+              <a:ext uri="{28A0092B-C50C-407E-A947-70E740481C1C}">
+                <a14:useLocalDpi xmlns:a14="http://schemas.microsoft.com/office/drawing/2010/main" val="0"/>
+              </a:ext>
+            </a:extLst>
+          </a:blip>
+          <a:srcRect/>
+          <a:stretch>
+            <a:fillRect/>
+          </a:stretch>
+        </p:blipFill>
+        <p:spPr bwMode="auto">
+          <a:xfrm>
+            <a:off x="2484502" y="1595264"/>
+            <a:ext cx="4247738" cy="4247738"/>
+          </a:xfrm>
+          <a:prstGeom prst="rect">
+            <a:avLst/>
+          </a:prstGeom>
+          <a:noFill/>
+          <a:extLst>
+            <a:ext uri="{909E8E84-426E-40DD-AFC4-6F175D3DCCD1}">
+              <a14:hiddenFill xmlns:a14="http://schemas.microsoft.com/office/drawing/2010/main">
+                <a:solidFill>
+                  <a:srgbClr val="FFFFFF"/>
+                </a:solidFill>
+              </a14:hiddenFill>
+            </a:ext>
+          </a:extLst>
+        </p:spPr>
+      </p:pic>
+      <p:sp>
+        <p:nvSpPr>
+          <p:cNvPr id="4" name="Content Placeholder 2"/>
           <p:cNvSpPr>
             <a:spLocks noGrp="1"/>
           </p:cNvSpPr>
@@ -7423,53 +7421,36 @@
             <p:ph idx="1"/>
           </p:nvPr>
         </p:nvSpPr>
-        <p:spPr/>
-        <p:txBody>
-          <a:bodyPr/>
+        <p:spPr>
+          <a:xfrm>
+            <a:off x="493571" y="5896842"/>
+            <a:ext cx="8229600" cy="680939"/>
+          </a:xfrm>
+        </p:spPr>
+        <p:txBody>
+          <a:bodyPr>
+            <a:normAutofit/>
+          </a:bodyPr>
           <a:lstStyle/>
           <a:p>
             <a:pPr marL="0" indent="0" algn="ctr">
               <a:buNone/>
             </a:pPr>
-            <a:endParaRPr lang="en-GB" dirty="0" smtClean="0">
-              <a:hlinkClick r:id="rId3"/>
-            </a:endParaRPr>
-          </a:p>
-          <a:p>
-            <a:pPr marL="0" indent="0" algn="ctr">
-              <a:buNone/>
-            </a:pPr>
-            <a:endParaRPr lang="en-GB" dirty="0">
-              <a:hlinkClick r:id="rId3"/>
-            </a:endParaRPr>
-          </a:p>
-          <a:p>
-            <a:pPr marL="0" indent="0" algn="ctr">
-              <a:buNone/>
-            </a:pPr>
-            <a:endParaRPr lang="en-GB" dirty="0" smtClean="0">
-              <a:hlinkClick r:id="rId3"/>
-            </a:endParaRPr>
-          </a:p>
-          <a:p>
-            <a:pPr marL="0" indent="0" algn="ctr">
-              <a:buNone/>
-            </a:pPr>
             <a:r>
               <a:rPr lang="en-GB" dirty="0" smtClean="0">
-                <a:hlinkClick r:id="rId3"/>
+                <a:hlinkClick r:id="rId4"/>
               </a:rPr>
               <a:t>https</a:t>
             </a:r>
             <a:r>
               <a:rPr lang="en-GB" dirty="0">
-                <a:hlinkClick r:id="rId3"/>
+                <a:hlinkClick r:id="rId4"/>
               </a:rPr>
               <a:t>://</a:t>
             </a:r>
             <a:r>
               <a:rPr lang="en-GB" dirty="0" smtClean="0">
-                <a:hlinkClick r:id="rId3"/>
+                <a:hlinkClick r:id="rId4"/>
               </a:rPr>
               <a:t>github.com/gsabev/ista2014</a:t>
             </a:r>
@@ -7486,13 +7467,21 @@
     </p:spTree>
     <p:extLst>
       <p:ext uri="{BB962C8B-B14F-4D97-AF65-F5344CB8AC3E}">
-        <p14:creationId xmlns:p14="http://schemas.microsoft.com/office/powerpoint/2010/main" val="3720358476"/>
+        <p14:creationId xmlns:p14="http://schemas.microsoft.com/office/powerpoint/2010/main" val="3208172370"/>
       </p:ext>
     </p:extLst>
   </p:cSld>
   <p:clrMapOvr>
     <a:masterClrMapping/>
   </p:clrMapOvr>
+  <mc:AlternateContent xmlns:mc="http://schemas.openxmlformats.org/markup-compatibility/2006" xmlns:p14="http://schemas.microsoft.com/office/powerpoint/2010/main">
+    <mc:Choice Requires="p14">
+      <p:transition spd="slow" p14:dur="2000"/>
+    </mc:Choice>
+    <mc:Fallback xmlns="">
+      <p:transition spd="slow"/>
+    </mc:Fallback>
+  </mc:AlternateContent>
   <p:timing>
     <p:tnLst>
       <p:par>
@@ -7709,6 +7698,118 @@
       </p:par>
     </p:tnLst>
   </p:timing>
+</p:sld>
+</file>
+
+<file path=ppt/slides/slide18.xml><?xml version="1.0" encoding="utf-8"?>
+<p:sld xmlns:a="http://schemas.openxmlformats.org/drawingml/2006/main" xmlns:r="http://schemas.openxmlformats.org/officeDocument/2006/relationships" xmlns:p="http://schemas.openxmlformats.org/presentationml/2006/main">
+  <p:cSld>
+    <p:spTree>
+      <p:nvGrpSpPr>
+        <p:cNvPr id="1" name=""/>
+        <p:cNvGrpSpPr/>
+        <p:nvPr/>
+      </p:nvGrpSpPr>
+      <p:grpSpPr>
+        <a:xfrm>
+          <a:off x="0" y="0"/>
+          <a:ext cx="0" cy="0"/>
+          <a:chOff x="0" y="0"/>
+          <a:chExt cx="0" cy="0"/>
+        </a:xfrm>
+      </p:grpSpPr>
+      <p:sp>
+        <p:nvSpPr>
+          <p:cNvPr id="2" name="Title 1"/>
+          <p:cNvSpPr>
+            <a:spLocks noGrp="1"/>
+          </p:cNvSpPr>
+          <p:nvPr>
+            <p:ph type="title"/>
+          </p:nvPr>
+        </p:nvSpPr>
+        <p:spPr/>
+        <p:txBody>
+          <a:bodyPr/>
+          <a:lstStyle/>
+          <a:p>
+            <a:r>
+              <a:rPr lang="en-US" dirty="0" smtClean="0"/>
+              <a:t>Contacts</a:t>
+            </a:r>
+            <a:endParaRPr lang="en-GB" dirty="0"/>
+          </a:p>
+        </p:txBody>
+      </p:sp>
+      <p:sp>
+        <p:nvSpPr>
+          <p:cNvPr id="3" name="Content Placeholder 2"/>
+          <p:cNvSpPr>
+            <a:spLocks noGrp="1"/>
+          </p:cNvSpPr>
+          <p:nvPr>
+            <p:ph idx="1"/>
+          </p:nvPr>
+        </p:nvSpPr>
+        <p:spPr/>
+        <p:txBody>
+          <a:bodyPr anchor="ctr"/>
+          <a:lstStyle/>
+          <a:p>
+            <a:pPr marL="0" indent="0" algn="ctr">
+              <a:buNone/>
+            </a:pPr>
+            <a:r>
+              <a:rPr lang="en-US" dirty="0" smtClean="0">
+                <a:hlinkClick r:id="rId2"/>
+              </a:rPr>
+              <a:t>georgi.sabev@sap.com</a:t>
+            </a:r>
+            <a:r>
+              <a:rPr lang="en-US" dirty="0" smtClean="0"/>
+              <a:t> </a:t>
+            </a:r>
+          </a:p>
+          <a:p>
+            <a:pPr marL="0" indent="0" algn="ctr">
+              <a:buNone/>
+            </a:pPr>
+            <a:r>
+              <a:rPr lang="en-US" dirty="0" smtClean="0">
+                <a:hlinkClick r:id="rId3"/>
+              </a:rPr>
+              <a:t>hristo.iliev@sap.com</a:t>
+            </a:r>
+            <a:endParaRPr lang="en-US" dirty="0" smtClean="0"/>
+          </a:p>
+          <a:p>
+            <a:pPr marL="0" indent="0" algn="ctr">
+              <a:buNone/>
+            </a:pPr>
+            <a:r>
+              <a:rPr lang="en-US" dirty="0" smtClean="0">
+                <a:hlinkClick r:id="rId4"/>
+              </a:rPr>
+              <a:t>ivan.ivanov@sap.com</a:t>
+            </a:r>
+            <a:r>
+              <a:rPr lang="en-US" dirty="0" smtClean="0"/>
+              <a:t> </a:t>
+            </a:r>
+            <a:endParaRPr lang="en-GB" dirty="0"/>
+          </a:p>
+        </p:txBody>
+      </p:sp>
+    </p:spTree>
+    <p:extLst>
+      <p:ext uri="{BB962C8B-B14F-4D97-AF65-F5344CB8AC3E}">
+        <p14:creationId xmlns:p14="http://schemas.microsoft.com/office/powerpoint/2010/main" val="854250328"/>
+      </p:ext>
+    </p:extLst>
+  </p:cSld>
+  <p:clrMapOvr>
+    <a:masterClrMapping/>
+  </p:clrMapOvr>
 </p:sld>
 </file>
 
@@ -9983,13 +10084,8 @@
             </a:r>
             <a:r>
               <a:rPr lang="en-US" i="1" dirty="0" smtClean="0"/>
-              <a:t>size</a:t>
-            </a:r>
-            <a:r>
-              <a:rPr lang="en-US" i="1" dirty="0" smtClean="0"/>
-              <a:t>, add,</a:t>
-            </a:r>
-            <a:endParaRPr lang="en-US" i="1" dirty="0" smtClean="0"/>
+              <a:t>size, add,</a:t>
+            </a:r>
           </a:p>
           <a:p>
             <a:pPr marL="457200" lvl="1" indent="0">
@@ -10177,11 +10273,11 @@
   <p:clrMapOvr>
     <a:masterClrMapping/>
   </p:clrMapOvr>
-  <mc:AlternateContent xmlns:mc="http://schemas.openxmlformats.org/markup-compatibility/2006">
-    <mc:Choice xmlns:p14="http://schemas.microsoft.com/office/powerpoint/2010/main" Requires="p14">
+  <mc:AlternateContent xmlns:mc="http://schemas.openxmlformats.org/markup-compatibility/2006" xmlns:p14="http://schemas.microsoft.com/office/powerpoint/2010/main">
+    <mc:Choice Requires="p14">
       <p:transition spd="slow" p14:dur="2000"/>
     </mc:Choice>
-    <mc:Fallback>
+    <mc:Fallback xmlns="">
       <p:transition spd="slow"/>
     </mc:Fallback>
   </mc:AlternateContent>
@@ -10269,7 +10365,6 @@
               <a:rPr lang="en-US" dirty="0" smtClean="0"/>
               <a:t>What’s left?</a:t>
             </a:r>
-            <a:endParaRPr lang="en-US" dirty="0" smtClean="0"/>
           </a:p>
           <a:p>
             <a:pPr lvl="1"/>
@@ -10286,11 +10381,7 @@
             <a:pPr lvl="1"/>
             <a:r>
               <a:rPr lang="en-US" i="1" dirty="0" smtClean="0"/>
-              <a:t>c</a:t>
-            </a:r>
-            <a:r>
-              <a:rPr lang="en-US" i="1" dirty="0" smtClean="0"/>
-              <a:t>ontains</a:t>
+              <a:t>contains</a:t>
             </a:r>
           </a:p>
           <a:p>
@@ -10306,7 +10397,6 @@
               <a:rPr lang="en-US" i="1" dirty="0" smtClean="0"/>
               <a:t>remove</a:t>
             </a:r>
-            <a:endParaRPr lang="en-US" i="1" dirty="0" smtClean="0"/>
           </a:p>
           <a:p>
             <a:pPr marL="914400" lvl="2" indent="0">
